--- a/images/theory_analysis/Golang_Goroutine_Scheduling/Golang_Goroutine_Scheduling.pptx
+++ b/images/theory_analysis/Golang_Goroutine_Scheduling/Golang_Goroutine_Scheduling.pptx
@@ -5,14 +5,16 @@
     <p:sldMasterId id="2147483648" r:id="rId1"/>
   </p:sldMasterIdLst>
   <p:notesMasterIdLst>
-    <p:notesMasterId r:id="rId7"/>
+    <p:notesMasterId r:id="rId9"/>
   </p:notesMasterIdLst>
   <p:sldIdLst>
     <p:sldId id="373" r:id="rId2"/>
-    <p:sldId id="369" r:id="rId3"/>
-    <p:sldId id="370" r:id="rId4"/>
-    <p:sldId id="372" r:id="rId5"/>
-    <p:sldId id="371" r:id="rId6"/>
+    <p:sldId id="374" r:id="rId3"/>
+    <p:sldId id="369" r:id="rId4"/>
+    <p:sldId id="375" r:id="rId5"/>
+    <p:sldId id="370" r:id="rId6"/>
+    <p:sldId id="372" r:id="rId7"/>
+    <p:sldId id="371" r:id="rId8"/>
   </p:sldIdLst>
   <p:sldSz cx="9144000" cy="5143500" type="screen16x9"/>
   <p:notesSz cx="6858000" cy="9144000"/>
@@ -217,7 +219,7 @@
           <a:p>
             <a:fld id="{6CD5550B-26C4-49A9-A5BA-636EF7BE6CE9}" type="datetimeFigureOut">
               <a:rPr lang="ko-KR" altLang="en-US" smtClean="0"/>
-              <a:t>2021-06-20</a:t>
+              <a:t>2021-06-21</a:t>
             </a:fld>
             <a:endParaRPr lang="ko-KR" altLang="en-US"/>
           </a:p>
@@ -633,7 +635,7 @@
           <a:p>
             <a:fld id="{BA5DFA43-8D57-47FB-BC46-057616015C3B}" type="slidenum">
               <a:rPr lang="ko-KR" altLang="en-US" smtClean="0"/>
-              <a:t>3</a:t>
+              <a:t>2</a:t>
             </a:fld>
             <a:endParaRPr lang="ko-KR" altLang="en-US"/>
           </a:p>
@@ -642,7 +644,7 @@
     </p:spTree>
     <p:extLst>
       <p:ext uri="{BB962C8B-B14F-4D97-AF65-F5344CB8AC3E}">
-        <p14:creationId xmlns:p14="http://schemas.microsoft.com/office/powerpoint/2010/main" val="2928472331"/>
+        <p14:creationId xmlns:p14="http://schemas.microsoft.com/office/powerpoint/2010/main" val="2109517340"/>
       </p:ext>
     </p:extLst>
   </p:cSld>
@@ -726,7 +728,7 @@
     </p:spTree>
     <p:extLst>
       <p:ext uri="{BB962C8B-B14F-4D97-AF65-F5344CB8AC3E}">
-        <p14:creationId xmlns:p14="http://schemas.microsoft.com/office/powerpoint/2010/main" val="3683209996"/>
+        <p14:creationId xmlns:p14="http://schemas.microsoft.com/office/powerpoint/2010/main" val="1223484370"/>
       </p:ext>
     </p:extLst>
   </p:cSld>
@@ -802,6 +804,174 @@
             <a:fld id="{BA5DFA43-8D57-47FB-BC46-057616015C3B}" type="slidenum">
               <a:rPr lang="ko-KR" altLang="en-US" smtClean="0"/>
               <a:t>5</a:t>
+            </a:fld>
+            <a:endParaRPr lang="ko-KR" altLang="en-US"/>
+          </a:p>
+        </p:txBody>
+      </p:sp>
+    </p:spTree>
+    <p:extLst>
+      <p:ext uri="{BB962C8B-B14F-4D97-AF65-F5344CB8AC3E}">
+        <p14:creationId xmlns:p14="http://schemas.microsoft.com/office/powerpoint/2010/main" val="2928472331"/>
+      </p:ext>
+    </p:extLst>
+  </p:cSld>
+  <p:clrMapOvr>
+    <a:masterClrMapping/>
+  </p:clrMapOvr>
+</p:notes>
+</file>
+
+<file path=ppt/notesSlides/notesSlide5.xml><?xml version="1.0" encoding="utf-8"?>
+<p:notes xmlns:a="http://schemas.openxmlformats.org/drawingml/2006/main" xmlns:r="http://schemas.openxmlformats.org/officeDocument/2006/relationships" xmlns:p="http://schemas.openxmlformats.org/presentationml/2006/main">
+  <p:cSld>
+    <p:spTree>
+      <p:nvGrpSpPr>
+        <p:cNvPr id="1" name=""/>
+        <p:cNvGrpSpPr/>
+        <p:nvPr/>
+      </p:nvGrpSpPr>
+      <p:grpSpPr>
+        <a:xfrm>
+          <a:off x="0" y="0"/>
+          <a:ext cx="0" cy="0"/>
+          <a:chOff x="0" y="0"/>
+          <a:chExt cx="0" cy="0"/>
+        </a:xfrm>
+      </p:grpSpPr>
+      <p:sp>
+        <p:nvSpPr>
+          <p:cNvPr id="2" name="슬라이드 이미지 개체 틀 1"/>
+          <p:cNvSpPr>
+            <a:spLocks noGrp="1" noRot="1" noChangeAspect="1"/>
+          </p:cNvSpPr>
+          <p:nvPr>
+            <p:ph type="sldImg"/>
+          </p:nvPr>
+        </p:nvSpPr>
+        <p:spPr/>
+      </p:sp>
+      <p:sp>
+        <p:nvSpPr>
+          <p:cNvPr id="3" name="슬라이드 노트 개체 틀 2"/>
+          <p:cNvSpPr>
+            <a:spLocks noGrp="1"/>
+          </p:cNvSpPr>
+          <p:nvPr>
+            <p:ph type="body" idx="1"/>
+          </p:nvPr>
+        </p:nvSpPr>
+        <p:spPr/>
+        <p:txBody>
+          <a:bodyPr/>
+          <a:lstStyle/>
+          <a:p>
+            <a:endParaRPr lang="ko-KR" altLang="en-US"/>
+          </a:p>
+        </p:txBody>
+      </p:sp>
+      <p:sp>
+        <p:nvSpPr>
+          <p:cNvPr id="4" name="슬라이드 번호 개체 틀 3"/>
+          <p:cNvSpPr>
+            <a:spLocks noGrp="1"/>
+          </p:cNvSpPr>
+          <p:nvPr>
+            <p:ph type="sldNum" sz="quarter" idx="10"/>
+          </p:nvPr>
+        </p:nvSpPr>
+        <p:spPr/>
+        <p:txBody>
+          <a:bodyPr/>
+          <a:lstStyle/>
+          <a:p>
+            <a:fld id="{BA5DFA43-8D57-47FB-BC46-057616015C3B}" type="slidenum">
+              <a:rPr lang="ko-KR" altLang="en-US" smtClean="0"/>
+              <a:t>6</a:t>
+            </a:fld>
+            <a:endParaRPr lang="ko-KR" altLang="en-US"/>
+          </a:p>
+        </p:txBody>
+      </p:sp>
+    </p:spTree>
+    <p:extLst>
+      <p:ext uri="{BB962C8B-B14F-4D97-AF65-F5344CB8AC3E}">
+        <p14:creationId xmlns:p14="http://schemas.microsoft.com/office/powerpoint/2010/main" val="3683209996"/>
+      </p:ext>
+    </p:extLst>
+  </p:cSld>
+  <p:clrMapOvr>
+    <a:masterClrMapping/>
+  </p:clrMapOvr>
+</p:notes>
+</file>
+
+<file path=ppt/notesSlides/notesSlide6.xml><?xml version="1.0" encoding="utf-8"?>
+<p:notes xmlns:a="http://schemas.openxmlformats.org/drawingml/2006/main" xmlns:r="http://schemas.openxmlformats.org/officeDocument/2006/relationships" xmlns:p="http://schemas.openxmlformats.org/presentationml/2006/main">
+  <p:cSld>
+    <p:spTree>
+      <p:nvGrpSpPr>
+        <p:cNvPr id="1" name=""/>
+        <p:cNvGrpSpPr/>
+        <p:nvPr/>
+      </p:nvGrpSpPr>
+      <p:grpSpPr>
+        <a:xfrm>
+          <a:off x="0" y="0"/>
+          <a:ext cx="0" cy="0"/>
+          <a:chOff x="0" y="0"/>
+          <a:chExt cx="0" cy="0"/>
+        </a:xfrm>
+      </p:grpSpPr>
+      <p:sp>
+        <p:nvSpPr>
+          <p:cNvPr id="2" name="슬라이드 이미지 개체 틀 1"/>
+          <p:cNvSpPr>
+            <a:spLocks noGrp="1" noRot="1" noChangeAspect="1"/>
+          </p:cNvSpPr>
+          <p:nvPr>
+            <p:ph type="sldImg"/>
+          </p:nvPr>
+        </p:nvSpPr>
+        <p:spPr/>
+      </p:sp>
+      <p:sp>
+        <p:nvSpPr>
+          <p:cNvPr id="3" name="슬라이드 노트 개체 틀 2"/>
+          <p:cNvSpPr>
+            <a:spLocks noGrp="1"/>
+          </p:cNvSpPr>
+          <p:nvPr>
+            <p:ph type="body" idx="1"/>
+          </p:nvPr>
+        </p:nvSpPr>
+        <p:spPr/>
+        <p:txBody>
+          <a:bodyPr/>
+          <a:lstStyle/>
+          <a:p>
+            <a:endParaRPr lang="ko-KR" altLang="en-US"/>
+          </a:p>
+        </p:txBody>
+      </p:sp>
+      <p:sp>
+        <p:nvSpPr>
+          <p:cNvPr id="4" name="슬라이드 번호 개체 틀 3"/>
+          <p:cNvSpPr>
+            <a:spLocks noGrp="1"/>
+          </p:cNvSpPr>
+          <p:nvPr>
+            <p:ph type="sldNum" sz="quarter" idx="10"/>
+          </p:nvPr>
+        </p:nvSpPr>
+        <p:spPr/>
+        <p:txBody>
+          <a:bodyPr/>
+          <a:lstStyle/>
+          <a:p>
+            <a:fld id="{BA5DFA43-8D57-47FB-BC46-057616015C3B}" type="slidenum">
+              <a:rPr lang="ko-KR" altLang="en-US" smtClean="0"/>
+              <a:t>7</a:t>
             </a:fld>
             <a:endParaRPr lang="ko-KR" altLang="en-US"/>
           </a:p>
@@ -999,7 +1169,7 @@
           <a:p>
             <a:fld id="{FB30EDBD-1C2D-4C1E-B459-B60219FAB484}" type="datetimeFigureOut">
               <a:rPr lang="ko-KR" altLang="en-US" smtClean="0"/>
-              <a:t>2021-06-20</a:t>
+              <a:t>2021-06-21</a:t>
             </a:fld>
             <a:endParaRPr lang="ko-KR" altLang="en-US"/>
           </a:p>
@@ -1162,7 +1332,7 @@
           <a:p>
             <a:fld id="{FB30EDBD-1C2D-4C1E-B459-B60219FAB484}" type="datetimeFigureOut">
               <a:rPr lang="ko-KR" altLang="en-US" smtClean="0"/>
-              <a:t>2021-06-20</a:t>
+              <a:t>2021-06-21</a:t>
             </a:fld>
             <a:endParaRPr lang="ko-KR" altLang="en-US"/>
           </a:p>
@@ -1335,7 +1505,7 @@
           <a:p>
             <a:fld id="{FB30EDBD-1C2D-4C1E-B459-B60219FAB484}" type="datetimeFigureOut">
               <a:rPr lang="ko-KR" altLang="en-US" smtClean="0"/>
-              <a:t>2021-06-20</a:t>
+              <a:t>2021-06-21</a:t>
             </a:fld>
             <a:endParaRPr lang="ko-KR" altLang="en-US"/>
           </a:p>
@@ -1498,7 +1668,7 @@
           <a:p>
             <a:fld id="{FB30EDBD-1C2D-4C1E-B459-B60219FAB484}" type="datetimeFigureOut">
               <a:rPr lang="ko-KR" altLang="en-US" smtClean="0"/>
-              <a:t>2021-06-20</a:t>
+              <a:t>2021-06-21</a:t>
             </a:fld>
             <a:endParaRPr lang="ko-KR" altLang="en-US"/>
           </a:p>
@@ -1738,7 +1908,7 @@
           <a:p>
             <a:fld id="{FB30EDBD-1C2D-4C1E-B459-B60219FAB484}" type="datetimeFigureOut">
               <a:rPr lang="ko-KR" altLang="en-US" smtClean="0"/>
-              <a:t>2021-06-20</a:t>
+              <a:t>2021-06-21</a:t>
             </a:fld>
             <a:endParaRPr lang="ko-KR" altLang="en-US"/>
           </a:p>
@@ -2018,7 +2188,7 @@
           <a:p>
             <a:fld id="{FB30EDBD-1C2D-4C1E-B459-B60219FAB484}" type="datetimeFigureOut">
               <a:rPr lang="ko-KR" altLang="en-US" smtClean="0"/>
-              <a:t>2021-06-20</a:t>
+              <a:t>2021-06-21</a:t>
             </a:fld>
             <a:endParaRPr lang="ko-KR" altLang="en-US"/>
           </a:p>
@@ -2432,7 +2602,7 @@
           <a:p>
             <a:fld id="{FB30EDBD-1C2D-4C1E-B459-B60219FAB484}" type="datetimeFigureOut">
               <a:rPr lang="ko-KR" altLang="en-US" smtClean="0"/>
-              <a:t>2021-06-20</a:t>
+              <a:t>2021-06-21</a:t>
             </a:fld>
             <a:endParaRPr lang="ko-KR" altLang="en-US"/>
           </a:p>
@@ -2544,7 +2714,7 @@
           <a:p>
             <a:fld id="{FB30EDBD-1C2D-4C1E-B459-B60219FAB484}" type="datetimeFigureOut">
               <a:rPr lang="ko-KR" altLang="en-US" smtClean="0"/>
-              <a:t>2021-06-20</a:t>
+              <a:t>2021-06-21</a:t>
             </a:fld>
             <a:endParaRPr lang="ko-KR" altLang="en-US"/>
           </a:p>
@@ -2634,7 +2804,7 @@
           <a:p>
             <a:fld id="{FB30EDBD-1C2D-4C1E-B459-B60219FAB484}" type="datetimeFigureOut">
               <a:rPr lang="ko-KR" altLang="en-US" smtClean="0"/>
-              <a:t>2021-06-20</a:t>
+              <a:t>2021-06-21</a:t>
             </a:fld>
             <a:endParaRPr lang="ko-KR" altLang="en-US"/>
           </a:p>
@@ -2904,7 +3074,7 @@
           <a:p>
             <a:fld id="{FB30EDBD-1C2D-4C1E-B459-B60219FAB484}" type="datetimeFigureOut">
               <a:rPr lang="ko-KR" altLang="en-US" smtClean="0"/>
-              <a:t>2021-06-20</a:t>
+              <a:t>2021-06-21</a:t>
             </a:fld>
             <a:endParaRPr lang="ko-KR" altLang="en-US"/>
           </a:p>
@@ -3151,7 +3321,7 @@
           <a:p>
             <a:fld id="{FB30EDBD-1C2D-4C1E-B459-B60219FAB484}" type="datetimeFigureOut">
               <a:rPr lang="ko-KR" altLang="en-US" smtClean="0"/>
-              <a:t>2021-06-20</a:t>
+              <a:t>2021-06-21</a:t>
             </a:fld>
             <a:endParaRPr lang="ko-KR" altLang="en-US"/>
           </a:p>
@@ -3357,7 +3527,7 @@
           <a:p>
             <a:fld id="{FB30EDBD-1C2D-4C1E-B459-B60219FAB484}" type="datetimeFigureOut">
               <a:rPr lang="ko-KR" altLang="en-US" smtClean="0"/>
-              <a:t>2021-06-20</a:t>
+              <a:t>2021-06-21</a:t>
             </a:fld>
             <a:endParaRPr lang="ko-KR" altLang="en-US"/>
           </a:p>
@@ -7423,6 +7593,2837 @@
           <a:chExt cx="0" cy="0"/>
         </a:xfrm>
       </p:grpSpPr>
+      <p:sp>
+        <p:nvSpPr>
+          <p:cNvPr id="2" name="제목 1"/>
+          <p:cNvSpPr>
+            <a:spLocks noGrp="1"/>
+          </p:cNvSpPr>
+          <p:nvPr>
+            <p:ph type="title"/>
+          </p:nvPr>
+        </p:nvSpPr>
+        <p:spPr>
+          <a:xfrm>
+            <a:off x="565354" y="130324"/>
+            <a:ext cx="8229600" cy="857250"/>
+          </a:xfrm>
+        </p:spPr>
+        <p:txBody>
+          <a:bodyPr/>
+          <a:lstStyle/>
+          <a:p>
+            <a:r>
+              <a:rPr lang="en-US" altLang="ko-KR"/>
+              <a:t>LRQ Scheduler</a:t>
+            </a:r>
+            <a:endParaRPr lang="ko-KR" altLang="en-US"/>
+          </a:p>
+        </p:txBody>
+      </p:sp>
+      <p:sp>
+        <p:nvSpPr>
+          <p:cNvPr id="76" name="사각형: 둥근 모서리 75">
+            <a:extLst>
+              <a:ext uri="{FF2B5EF4-FFF2-40B4-BE49-F238E27FC236}">
+                <a16:creationId xmlns:a16="http://schemas.microsoft.com/office/drawing/2014/main" id="{73A3F856-F52B-49E5-999B-2A68E86AD444}"/>
+              </a:ext>
+            </a:extLst>
+          </p:cNvPr>
+          <p:cNvSpPr/>
+          <p:nvPr/>
+        </p:nvSpPr>
+        <p:spPr>
+          <a:xfrm>
+            <a:off x="661945" y="1422615"/>
+            <a:ext cx="2232248" cy="432048"/>
+          </a:xfrm>
+          <a:prstGeom prst="roundRect">
+            <a:avLst>
+              <a:gd name="adj" fmla="val 10349"/>
+            </a:avLst>
+          </a:prstGeom>
+        </p:spPr>
+        <p:style>
+          <a:lnRef idx="2">
+            <a:schemeClr val="dk1"/>
+          </a:lnRef>
+          <a:fillRef idx="1">
+            <a:schemeClr val="lt1"/>
+          </a:fillRef>
+          <a:effectRef idx="0">
+            <a:schemeClr val="dk1"/>
+          </a:effectRef>
+          <a:fontRef idx="minor">
+            <a:schemeClr val="dk1"/>
+          </a:fontRef>
+        </p:style>
+        <p:txBody>
+          <a:bodyPr rtlCol="0" anchor="b"/>
+          <a:lstStyle/>
+          <a:p>
+            <a:pPr algn="ctr"/>
+            <a:endParaRPr lang="ko-KR" altLang="en-US" sz="1200"/>
+          </a:p>
+        </p:txBody>
+      </p:sp>
+      <p:sp>
+        <p:nvSpPr>
+          <p:cNvPr id="85" name="사각형: 둥근 모서리 84">
+            <a:extLst>
+              <a:ext uri="{FF2B5EF4-FFF2-40B4-BE49-F238E27FC236}">
+                <a16:creationId xmlns:a16="http://schemas.microsoft.com/office/drawing/2014/main" id="{2D89B3C4-0926-46DE-8A08-DB44A26B2174}"/>
+              </a:ext>
+            </a:extLst>
+          </p:cNvPr>
+          <p:cNvSpPr/>
+          <p:nvPr/>
+        </p:nvSpPr>
+        <p:spPr>
+          <a:xfrm>
+            <a:off x="733953" y="1493125"/>
+            <a:ext cx="315932" cy="291027"/>
+          </a:xfrm>
+          <a:prstGeom prst="roundRect">
+            <a:avLst>
+              <a:gd name="adj" fmla="val 50000"/>
+            </a:avLst>
+          </a:prstGeom>
+          <a:solidFill>
+            <a:schemeClr val="bg1">
+              <a:lumMod val="85000"/>
+            </a:schemeClr>
+          </a:solidFill>
+        </p:spPr>
+        <p:style>
+          <a:lnRef idx="2">
+            <a:schemeClr val="dk1"/>
+          </a:lnRef>
+          <a:fillRef idx="1">
+            <a:schemeClr val="lt1"/>
+          </a:fillRef>
+          <a:effectRef idx="0">
+            <a:schemeClr val="dk1"/>
+          </a:effectRef>
+          <a:fontRef idx="minor">
+            <a:schemeClr val="dk1"/>
+          </a:fontRef>
+        </p:style>
+        <p:txBody>
+          <a:bodyPr rtlCol="0" anchor="ctr"/>
+          <a:lstStyle/>
+          <a:p>
+            <a:pPr algn="ctr"/>
+            <a:r>
+              <a:rPr lang="en-US" altLang="ko-KR" sz="1200"/>
+              <a:t>G</a:t>
+            </a:r>
+            <a:endParaRPr lang="ko-KR" altLang="en-US" sz="1200"/>
+          </a:p>
+        </p:txBody>
+      </p:sp>
+      <p:sp>
+        <p:nvSpPr>
+          <p:cNvPr id="86" name="사각형: 둥근 모서리 85">
+            <a:extLst>
+              <a:ext uri="{FF2B5EF4-FFF2-40B4-BE49-F238E27FC236}">
+                <a16:creationId xmlns:a16="http://schemas.microsoft.com/office/drawing/2014/main" id="{235BEEBE-5387-4B88-9F7E-A56FD6AC4363}"/>
+              </a:ext>
+            </a:extLst>
+          </p:cNvPr>
+          <p:cNvSpPr/>
+          <p:nvPr/>
+        </p:nvSpPr>
+        <p:spPr>
+          <a:xfrm>
+            <a:off x="1137793" y="1493125"/>
+            <a:ext cx="315932" cy="291027"/>
+          </a:xfrm>
+          <a:prstGeom prst="roundRect">
+            <a:avLst>
+              <a:gd name="adj" fmla="val 50000"/>
+            </a:avLst>
+          </a:prstGeom>
+          <a:solidFill>
+            <a:schemeClr val="bg1">
+              <a:lumMod val="85000"/>
+            </a:schemeClr>
+          </a:solidFill>
+        </p:spPr>
+        <p:style>
+          <a:lnRef idx="2">
+            <a:schemeClr val="dk1"/>
+          </a:lnRef>
+          <a:fillRef idx="1">
+            <a:schemeClr val="lt1"/>
+          </a:fillRef>
+          <a:effectRef idx="0">
+            <a:schemeClr val="dk1"/>
+          </a:effectRef>
+          <a:fontRef idx="minor">
+            <a:schemeClr val="dk1"/>
+          </a:fontRef>
+        </p:style>
+        <p:txBody>
+          <a:bodyPr rtlCol="0" anchor="ctr"/>
+          <a:lstStyle/>
+          <a:p>
+            <a:pPr algn="ctr"/>
+            <a:r>
+              <a:rPr lang="en-US" altLang="ko-KR" sz="1200"/>
+              <a:t>G</a:t>
+            </a:r>
+            <a:endParaRPr lang="ko-KR" altLang="en-US" sz="1200"/>
+          </a:p>
+        </p:txBody>
+      </p:sp>
+      <p:sp>
+        <p:nvSpPr>
+          <p:cNvPr id="88" name="사각형: 둥근 모서리 87">
+            <a:extLst>
+              <a:ext uri="{FF2B5EF4-FFF2-40B4-BE49-F238E27FC236}">
+                <a16:creationId xmlns:a16="http://schemas.microsoft.com/office/drawing/2014/main" id="{5D861302-8443-4D33-8620-C5E70607ED8E}"/>
+              </a:ext>
+            </a:extLst>
+          </p:cNvPr>
+          <p:cNvSpPr/>
+          <p:nvPr/>
+        </p:nvSpPr>
+        <p:spPr>
+          <a:xfrm>
+            <a:off x="3371485" y="1422615"/>
+            <a:ext cx="458812" cy="432048"/>
+          </a:xfrm>
+          <a:prstGeom prst="roundRect">
+            <a:avLst>
+              <a:gd name="adj" fmla="val 10349"/>
+            </a:avLst>
+          </a:prstGeom>
+        </p:spPr>
+        <p:style>
+          <a:lnRef idx="2">
+            <a:schemeClr val="dk1"/>
+          </a:lnRef>
+          <a:fillRef idx="1">
+            <a:schemeClr val="lt1"/>
+          </a:fillRef>
+          <a:effectRef idx="0">
+            <a:schemeClr val="dk1"/>
+          </a:effectRef>
+          <a:fontRef idx="minor">
+            <a:schemeClr val="dk1"/>
+          </a:fontRef>
+        </p:style>
+        <p:txBody>
+          <a:bodyPr rtlCol="0" anchor="b"/>
+          <a:lstStyle/>
+          <a:p>
+            <a:pPr algn="ctr"/>
+            <a:endParaRPr lang="ko-KR" altLang="en-US" sz="1200"/>
+          </a:p>
+        </p:txBody>
+      </p:sp>
+      <p:sp>
+        <p:nvSpPr>
+          <p:cNvPr id="90" name="사각형: 둥근 모서리 89">
+            <a:extLst>
+              <a:ext uri="{FF2B5EF4-FFF2-40B4-BE49-F238E27FC236}">
+                <a16:creationId xmlns:a16="http://schemas.microsoft.com/office/drawing/2014/main" id="{85B17D53-5694-4F00-9A38-62BF849DE6C8}"/>
+              </a:ext>
+            </a:extLst>
+          </p:cNvPr>
+          <p:cNvSpPr/>
+          <p:nvPr/>
+        </p:nvSpPr>
+        <p:spPr>
+          <a:xfrm>
+            <a:off x="779492" y="1851670"/>
+            <a:ext cx="1997154" cy="290402"/>
+          </a:xfrm>
+          <a:prstGeom prst="roundRect">
+            <a:avLst/>
+          </a:prstGeom>
+          <a:noFill/>
+          <a:ln>
+            <a:noFill/>
+            <a:prstDash val="dash"/>
+          </a:ln>
+        </p:spPr>
+        <p:style>
+          <a:lnRef idx="2">
+            <a:schemeClr val="dk1"/>
+          </a:lnRef>
+          <a:fillRef idx="1">
+            <a:schemeClr val="lt1"/>
+          </a:fillRef>
+          <a:effectRef idx="0">
+            <a:schemeClr val="dk1"/>
+          </a:effectRef>
+          <a:fontRef idx="minor">
+            <a:schemeClr val="dk1"/>
+          </a:fontRef>
+        </p:style>
+        <p:txBody>
+          <a:bodyPr rtlCol="0" anchor="ctr"/>
+          <a:lstStyle/>
+          <a:p>
+            <a:pPr algn="ctr"/>
+            <a:r>
+              <a:rPr lang="en-US" altLang="ko-KR" sz="1200"/>
+              <a:t>FIFO</a:t>
+            </a:r>
+            <a:endParaRPr lang="ko-KR" altLang="en-US" sz="1400"/>
+          </a:p>
+        </p:txBody>
+      </p:sp>
+      <p:sp>
+        <p:nvSpPr>
+          <p:cNvPr id="91" name="사각형: 둥근 모서리 90">
+            <a:extLst>
+              <a:ext uri="{FF2B5EF4-FFF2-40B4-BE49-F238E27FC236}">
+                <a16:creationId xmlns:a16="http://schemas.microsoft.com/office/drawing/2014/main" id="{F3EF3A8C-AEF6-49D4-8695-36187B363DA3}"/>
+              </a:ext>
+            </a:extLst>
+          </p:cNvPr>
+          <p:cNvSpPr/>
+          <p:nvPr/>
+        </p:nvSpPr>
+        <p:spPr>
+          <a:xfrm>
+            <a:off x="3089683" y="1851670"/>
+            <a:ext cx="1022416" cy="290402"/>
+          </a:xfrm>
+          <a:prstGeom prst="roundRect">
+            <a:avLst/>
+          </a:prstGeom>
+          <a:noFill/>
+          <a:ln>
+            <a:noFill/>
+            <a:prstDash val="dash"/>
+          </a:ln>
+        </p:spPr>
+        <p:style>
+          <a:lnRef idx="2">
+            <a:schemeClr val="dk1"/>
+          </a:lnRef>
+          <a:fillRef idx="1">
+            <a:schemeClr val="lt1"/>
+          </a:fillRef>
+          <a:effectRef idx="0">
+            <a:schemeClr val="dk1"/>
+          </a:effectRef>
+          <a:fontRef idx="minor">
+            <a:schemeClr val="dk1"/>
+          </a:fontRef>
+        </p:style>
+        <p:txBody>
+          <a:bodyPr rtlCol="0" anchor="ctr"/>
+          <a:lstStyle/>
+          <a:p>
+            <a:pPr algn="ctr"/>
+            <a:r>
+              <a:rPr lang="en-US" altLang="ko-KR" sz="1200"/>
+              <a:t>LIFO</a:t>
+            </a:r>
+            <a:endParaRPr lang="ko-KR" altLang="en-US" sz="1400"/>
+          </a:p>
+        </p:txBody>
+      </p:sp>
+      <p:sp>
+        <p:nvSpPr>
+          <p:cNvPr id="96" name="사각형: 둥근 모서리 95">
+            <a:extLst>
+              <a:ext uri="{FF2B5EF4-FFF2-40B4-BE49-F238E27FC236}">
+                <a16:creationId xmlns:a16="http://schemas.microsoft.com/office/drawing/2014/main" id="{587C6E47-08E1-45F7-8C27-62B9BAF09DF5}"/>
+              </a:ext>
+            </a:extLst>
+          </p:cNvPr>
+          <p:cNvSpPr/>
+          <p:nvPr/>
+        </p:nvSpPr>
+        <p:spPr>
+          <a:xfrm>
+            <a:off x="661945" y="2464361"/>
+            <a:ext cx="2232248" cy="432048"/>
+          </a:xfrm>
+          <a:prstGeom prst="roundRect">
+            <a:avLst>
+              <a:gd name="adj" fmla="val 10349"/>
+            </a:avLst>
+          </a:prstGeom>
+        </p:spPr>
+        <p:style>
+          <a:lnRef idx="2">
+            <a:schemeClr val="dk1"/>
+          </a:lnRef>
+          <a:fillRef idx="1">
+            <a:schemeClr val="lt1"/>
+          </a:fillRef>
+          <a:effectRef idx="0">
+            <a:schemeClr val="dk1"/>
+          </a:effectRef>
+          <a:fontRef idx="minor">
+            <a:schemeClr val="dk1"/>
+          </a:fontRef>
+        </p:style>
+        <p:txBody>
+          <a:bodyPr rtlCol="0" anchor="b"/>
+          <a:lstStyle/>
+          <a:p>
+            <a:pPr algn="ctr"/>
+            <a:endParaRPr lang="ko-KR" altLang="en-US" sz="1200"/>
+          </a:p>
+        </p:txBody>
+      </p:sp>
+      <p:sp>
+        <p:nvSpPr>
+          <p:cNvPr id="99" name="사각형: 둥근 모서리 98">
+            <a:extLst>
+              <a:ext uri="{FF2B5EF4-FFF2-40B4-BE49-F238E27FC236}">
+                <a16:creationId xmlns:a16="http://schemas.microsoft.com/office/drawing/2014/main" id="{DC0F6813-87D5-43D1-8960-285F7698EF6C}"/>
+              </a:ext>
+            </a:extLst>
+          </p:cNvPr>
+          <p:cNvSpPr/>
+          <p:nvPr/>
+        </p:nvSpPr>
+        <p:spPr>
+          <a:xfrm>
+            <a:off x="733953" y="2534871"/>
+            <a:ext cx="315932" cy="291027"/>
+          </a:xfrm>
+          <a:prstGeom prst="roundRect">
+            <a:avLst>
+              <a:gd name="adj" fmla="val 50000"/>
+            </a:avLst>
+          </a:prstGeom>
+          <a:solidFill>
+            <a:schemeClr val="bg1">
+              <a:lumMod val="85000"/>
+            </a:schemeClr>
+          </a:solidFill>
+        </p:spPr>
+        <p:style>
+          <a:lnRef idx="2">
+            <a:schemeClr val="dk1"/>
+          </a:lnRef>
+          <a:fillRef idx="1">
+            <a:schemeClr val="lt1"/>
+          </a:fillRef>
+          <a:effectRef idx="0">
+            <a:schemeClr val="dk1"/>
+          </a:effectRef>
+          <a:fontRef idx="minor">
+            <a:schemeClr val="dk1"/>
+          </a:fontRef>
+        </p:style>
+        <p:txBody>
+          <a:bodyPr rtlCol="0" anchor="ctr"/>
+          <a:lstStyle/>
+          <a:p>
+            <a:pPr algn="ctr"/>
+            <a:r>
+              <a:rPr lang="en-US" altLang="ko-KR" sz="1200"/>
+              <a:t>G</a:t>
+            </a:r>
+            <a:endParaRPr lang="ko-KR" altLang="en-US" sz="1200"/>
+          </a:p>
+        </p:txBody>
+      </p:sp>
+      <p:sp>
+        <p:nvSpPr>
+          <p:cNvPr id="100" name="사각형: 둥근 모서리 99">
+            <a:extLst>
+              <a:ext uri="{FF2B5EF4-FFF2-40B4-BE49-F238E27FC236}">
+                <a16:creationId xmlns:a16="http://schemas.microsoft.com/office/drawing/2014/main" id="{D16B16DE-BA9A-4653-AB31-70D1480E934F}"/>
+              </a:ext>
+            </a:extLst>
+          </p:cNvPr>
+          <p:cNvSpPr/>
+          <p:nvPr/>
+        </p:nvSpPr>
+        <p:spPr>
+          <a:xfrm>
+            <a:off x="1137793" y="2534871"/>
+            <a:ext cx="315932" cy="291027"/>
+          </a:xfrm>
+          <a:prstGeom prst="roundRect">
+            <a:avLst>
+              <a:gd name="adj" fmla="val 50000"/>
+            </a:avLst>
+          </a:prstGeom>
+          <a:solidFill>
+            <a:schemeClr val="bg1">
+              <a:lumMod val="85000"/>
+            </a:schemeClr>
+          </a:solidFill>
+        </p:spPr>
+        <p:style>
+          <a:lnRef idx="2">
+            <a:schemeClr val="dk1"/>
+          </a:lnRef>
+          <a:fillRef idx="1">
+            <a:schemeClr val="lt1"/>
+          </a:fillRef>
+          <a:effectRef idx="0">
+            <a:schemeClr val="dk1"/>
+          </a:effectRef>
+          <a:fontRef idx="minor">
+            <a:schemeClr val="dk1"/>
+          </a:fontRef>
+        </p:style>
+        <p:txBody>
+          <a:bodyPr rtlCol="0" anchor="ctr"/>
+          <a:lstStyle/>
+          <a:p>
+            <a:pPr algn="ctr"/>
+            <a:r>
+              <a:rPr lang="en-US" altLang="ko-KR" sz="1200"/>
+              <a:t>G</a:t>
+            </a:r>
+            <a:endParaRPr lang="ko-KR" altLang="en-US" sz="1200"/>
+          </a:p>
+        </p:txBody>
+      </p:sp>
+      <p:sp>
+        <p:nvSpPr>
+          <p:cNvPr id="102" name="사각형: 둥근 모서리 101">
+            <a:extLst>
+              <a:ext uri="{FF2B5EF4-FFF2-40B4-BE49-F238E27FC236}">
+                <a16:creationId xmlns:a16="http://schemas.microsoft.com/office/drawing/2014/main" id="{25E6D954-FE35-4F61-8EC8-A5FB04FF0441}"/>
+              </a:ext>
+            </a:extLst>
+          </p:cNvPr>
+          <p:cNvSpPr/>
+          <p:nvPr/>
+        </p:nvSpPr>
+        <p:spPr>
+          <a:xfrm>
+            <a:off x="3371485" y="2464361"/>
+            <a:ext cx="458812" cy="432048"/>
+          </a:xfrm>
+          <a:prstGeom prst="roundRect">
+            <a:avLst>
+              <a:gd name="adj" fmla="val 10349"/>
+            </a:avLst>
+          </a:prstGeom>
+        </p:spPr>
+        <p:style>
+          <a:lnRef idx="2">
+            <a:schemeClr val="dk1"/>
+          </a:lnRef>
+          <a:fillRef idx="1">
+            <a:schemeClr val="lt1"/>
+          </a:fillRef>
+          <a:effectRef idx="0">
+            <a:schemeClr val="dk1"/>
+          </a:effectRef>
+          <a:fontRef idx="minor">
+            <a:schemeClr val="dk1"/>
+          </a:fontRef>
+        </p:style>
+        <p:txBody>
+          <a:bodyPr rtlCol="0" anchor="b"/>
+          <a:lstStyle/>
+          <a:p>
+            <a:pPr algn="ctr"/>
+            <a:endParaRPr lang="ko-KR" altLang="en-US" sz="1200"/>
+          </a:p>
+        </p:txBody>
+      </p:sp>
+      <p:sp>
+        <p:nvSpPr>
+          <p:cNvPr id="103" name="사각형: 둥근 모서리 102">
+            <a:extLst>
+              <a:ext uri="{FF2B5EF4-FFF2-40B4-BE49-F238E27FC236}">
+                <a16:creationId xmlns:a16="http://schemas.microsoft.com/office/drawing/2014/main" id="{3908ABA5-9DC3-4C82-825B-2264056EEB6B}"/>
+              </a:ext>
+            </a:extLst>
+          </p:cNvPr>
+          <p:cNvSpPr/>
+          <p:nvPr/>
+        </p:nvSpPr>
+        <p:spPr>
+          <a:xfrm>
+            <a:off x="779492" y="2893416"/>
+            <a:ext cx="1997154" cy="290402"/>
+          </a:xfrm>
+          <a:prstGeom prst="roundRect">
+            <a:avLst/>
+          </a:prstGeom>
+          <a:noFill/>
+          <a:ln>
+            <a:noFill/>
+            <a:prstDash val="dash"/>
+          </a:ln>
+        </p:spPr>
+        <p:style>
+          <a:lnRef idx="2">
+            <a:schemeClr val="dk1"/>
+          </a:lnRef>
+          <a:fillRef idx="1">
+            <a:schemeClr val="lt1"/>
+          </a:fillRef>
+          <a:effectRef idx="0">
+            <a:schemeClr val="dk1"/>
+          </a:effectRef>
+          <a:fontRef idx="minor">
+            <a:schemeClr val="dk1"/>
+          </a:fontRef>
+        </p:style>
+        <p:txBody>
+          <a:bodyPr rtlCol="0" anchor="ctr"/>
+          <a:lstStyle/>
+          <a:p>
+            <a:pPr algn="ctr"/>
+            <a:r>
+              <a:rPr lang="en-US" altLang="ko-KR" sz="1200"/>
+              <a:t>FIFO</a:t>
+            </a:r>
+            <a:endParaRPr lang="ko-KR" altLang="en-US" sz="1400"/>
+          </a:p>
+        </p:txBody>
+      </p:sp>
+      <p:sp>
+        <p:nvSpPr>
+          <p:cNvPr id="104" name="사각형: 둥근 모서리 103">
+            <a:extLst>
+              <a:ext uri="{FF2B5EF4-FFF2-40B4-BE49-F238E27FC236}">
+                <a16:creationId xmlns:a16="http://schemas.microsoft.com/office/drawing/2014/main" id="{60F43594-977A-4732-8712-D54488E230E7}"/>
+              </a:ext>
+            </a:extLst>
+          </p:cNvPr>
+          <p:cNvSpPr/>
+          <p:nvPr/>
+        </p:nvSpPr>
+        <p:spPr>
+          <a:xfrm>
+            <a:off x="3117536" y="2907444"/>
+            <a:ext cx="1022416" cy="290402"/>
+          </a:xfrm>
+          <a:prstGeom prst="roundRect">
+            <a:avLst/>
+          </a:prstGeom>
+          <a:noFill/>
+          <a:ln>
+            <a:noFill/>
+            <a:prstDash val="dash"/>
+          </a:ln>
+        </p:spPr>
+        <p:style>
+          <a:lnRef idx="2">
+            <a:schemeClr val="dk1"/>
+          </a:lnRef>
+          <a:fillRef idx="1">
+            <a:schemeClr val="lt1"/>
+          </a:fillRef>
+          <a:effectRef idx="0">
+            <a:schemeClr val="dk1"/>
+          </a:effectRef>
+          <a:fontRef idx="minor">
+            <a:schemeClr val="dk1"/>
+          </a:fontRef>
+        </p:style>
+        <p:txBody>
+          <a:bodyPr rtlCol="0" anchor="ctr"/>
+          <a:lstStyle/>
+          <a:p>
+            <a:pPr algn="ctr"/>
+            <a:r>
+              <a:rPr lang="en-US" altLang="ko-KR" sz="1200"/>
+              <a:t>LIFO</a:t>
+            </a:r>
+            <a:endParaRPr lang="ko-KR" altLang="en-US" sz="1400"/>
+          </a:p>
+        </p:txBody>
+      </p:sp>
+      <p:sp>
+        <p:nvSpPr>
+          <p:cNvPr id="105" name="사각형: 둥근 모서리 104">
+            <a:extLst>
+              <a:ext uri="{FF2B5EF4-FFF2-40B4-BE49-F238E27FC236}">
+                <a16:creationId xmlns:a16="http://schemas.microsoft.com/office/drawing/2014/main" id="{907911A0-F00B-4A3F-9A14-B41A4A3FE2FE}"/>
+              </a:ext>
+            </a:extLst>
+          </p:cNvPr>
+          <p:cNvSpPr/>
+          <p:nvPr/>
+        </p:nvSpPr>
+        <p:spPr>
+          <a:xfrm>
+            <a:off x="661945" y="3580485"/>
+            <a:ext cx="2232248" cy="432048"/>
+          </a:xfrm>
+          <a:prstGeom prst="roundRect">
+            <a:avLst>
+              <a:gd name="adj" fmla="val 10349"/>
+            </a:avLst>
+          </a:prstGeom>
+        </p:spPr>
+        <p:style>
+          <a:lnRef idx="2">
+            <a:schemeClr val="dk1"/>
+          </a:lnRef>
+          <a:fillRef idx="1">
+            <a:schemeClr val="lt1"/>
+          </a:fillRef>
+          <a:effectRef idx="0">
+            <a:schemeClr val="dk1"/>
+          </a:effectRef>
+          <a:fontRef idx="minor">
+            <a:schemeClr val="dk1"/>
+          </a:fontRef>
+        </p:style>
+        <p:txBody>
+          <a:bodyPr rtlCol="0" anchor="b"/>
+          <a:lstStyle/>
+          <a:p>
+            <a:pPr algn="ctr"/>
+            <a:endParaRPr lang="ko-KR" altLang="en-US" sz="1200"/>
+          </a:p>
+        </p:txBody>
+      </p:sp>
+      <p:sp>
+        <p:nvSpPr>
+          <p:cNvPr id="106" name="사각형: 둥근 모서리 105">
+            <a:extLst>
+              <a:ext uri="{FF2B5EF4-FFF2-40B4-BE49-F238E27FC236}">
+                <a16:creationId xmlns:a16="http://schemas.microsoft.com/office/drawing/2014/main" id="{0EA90BF8-7BE6-439E-ABED-740598AB02C6}"/>
+              </a:ext>
+            </a:extLst>
+          </p:cNvPr>
+          <p:cNvSpPr/>
+          <p:nvPr/>
+        </p:nvSpPr>
+        <p:spPr>
+          <a:xfrm>
+            <a:off x="733953" y="3650995"/>
+            <a:ext cx="315932" cy="291027"/>
+          </a:xfrm>
+          <a:prstGeom prst="roundRect">
+            <a:avLst>
+              <a:gd name="adj" fmla="val 50000"/>
+            </a:avLst>
+          </a:prstGeom>
+          <a:solidFill>
+            <a:schemeClr val="bg1">
+              <a:lumMod val="85000"/>
+            </a:schemeClr>
+          </a:solidFill>
+        </p:spPr>
+        <p:style>
+          <a:lnRef idx="2">
+            <a:schemeClr val="dk1"/>
+          </a:lnRef>
+          <a:fillRef idx="1">
+            <a:schemeClr val="lt1"/>
+          </a:fillRef>
+          <a:effectRef idx="0">
+            <a:schemeClr val="dk1"/>
+          </a:effectRef>
+          <a:fontRef idx="minor">
+            <a:schemeClr val="dk1"/>
+          </a:fontRef>
+        </p:style>
+        <p:txBody>
+          <a:bodyPr rtlCol="0" anchor="ctr"/>
+          <a:lstStyle/>
+          <a:p>
+            <a:pPr algn="ctr"/>
+            <a:r>
+              <a:rPr lang="en-US" altLang="ko-KR" sz="1200"/>
+              <a:t>G</a:t>
+            </a:r>
+            <a:endParaRPr lang="ko-KR" altLang="en-US" sz="1200"/>
+          </a:p>
+        </p:txBody>
+      </p:sp>
+      <p:sp>
+        <p:nvSpPr>
+          <p:cNvPr id="107" name="사각형: 둥근 모서리 106">
+            <a:extLst>
+              <a:ext uri="{FF2B5EF4-FFF2-40B4-BE49-F238E27FC236}">
+                <a16:creationId xmlns:a16="http://schemas.microsoft.com/office/drawing/2014/main" id="{3E472801-0E73-4E08-8CB5-78F88B7C9F27}"/>
+              </a:ext>
+            </a:extLst>
+          </p:cNvPr>
+          <p:cNvSpPr/>
+          <p:nvPr/>
+        </p:nvSpPr>
+        <p:spPr>
+          <a:xfrm>
+            <a:off x="1137793" y="3650995"/>
+            <a:ext cx="315932" cy="291027"/>
+          </a:xfrm>
+          <a:prstGeom prst="roundRect">
+            <a:avLst>
+              <a:gd name="adj" fmla="val 50000"/>
+            </a:avLst>
+          </a:prstGeom>
+          <a:solidFill>
+            <a:schemeClr val="bg1">
+              <a:lumMod val="85000"/>
+            </a:schemeClr>
+          </a:solidFill>
+        </p:spPr>
+        <p:style>
+          <a:lnRef idx="2">
+            <a:schemeClr val="dk1"/>
+          </a:lnRef>
+          <a:fillRef idx="1">
+            <a:schemeClr val="lt1"/>
+          </a:fillRef>
+          <a:effectRef idx="0">
+            <a:schemeClr val="dk1"/>
+          </a:effectRef>
+          <a:fontRef idx="minor">
+            <a:schemeClr val="dk1"/>
+          </a:fontRef>
+        </p:style>
+        <p:txBody>
+          <a:bodyPr rtlCol="0" anchor="ctr"/>
+          <a:lstStyle/>
+          <a:p>
+            <a:pPr algn="ctr"/>
+            <a:r>
+              <a:rPr lang="en-US" altLang="ko-KR" sz="1200"/>
+              <a:t>G</a:t>
+            </a:r>
+            <a:endParaRPr lang="ko-KR" altLang="en-US" sz="1200"/>
+          </a:p>
+        </p:txBody>
+      </p:sp>
+      <p:sp>
+        <p:nvSpPr>
+          <p:cNvPr id="108" name="사각형: 둥근 모서리 107">
+            <a:extLst>
+              <a:ext uri="{FF2B5EF4-FFF2-40B4-BE49-F238E27FC236}">
+                <a16:creationId xmlns:a16="http://schemas.microsoft.com/office/drawing/2014/main" id="{B96BB654-B3EA-4A82-976F-82556B618D8F}"/>
+              </a:ext>
+            </a:extLst>
+          </p:cNvPr>
+          <p:cNvSpPr/>
+          <p:nvPr/>
+        </p:nvSpPr>
+        <p:spPr>
+          <a:xfrm>
+            <a:off x="1530223" y="3650995"/>
+            <a:ext cx="315932" cy="291027"/>
+          </a:xfrm>
+          <a:prstGeom prst="roundRect">
+            <a:avLst>
+              <a:gd name="adj" fmla="val 50000"/>
+            </a:avLst>
+          </a:prstGeom>
+          <a:solidFill>
+            <a:schemeClr val="accent1">
+              <a:lumMod val="40000"/>
+              <a:lumOff val="60000"/>
+            </a:schemeClr>
+          </a:solidFill>
+        </p:spPr>
+        <p:style>
+          <a:lnRef idx="2">
+            <a:schemeClr val="dk1"/>
+          </a:lnRef>
+          <a:fillRef idx="1">
+            <a:schemeClr val="lt1"/>
+          </a:fillRef>
+          <a:effectRef idx="0">
+            <a:schemeClr val="dk1"/>
+          </a:effectRef>
+          <a:fontRef idx="minor">
+            <a:schemeClr val="dk1"/>
+          </a:fontRef>
+        </p:style>
+        <p:txBody>
+          <a:bodyPr rtlCol="0" anchor="ctr"/>
+          <a:lstStyle/>
+          <a:p>
+            <a:pPr algn="ctr"/>
+            <a:r>
+              <a:rPr lang="en-US" altLang="ko-KR" sz="1200"/>
+              <a:t>G</a:t>
+            </a:r>
+            <a:endParaRPr lang="ko-KR" altLang="en-US" sz="1200"/>
+          </a:p>
+        </p:txBody>
+      </p:sp>
+      <p:sp>
+        <p:nvSpPr>
+          <p:cNvPr id="109" name="사각형: 둥근 모서리 108">
+            <a:extLst>
+              <a:ext uri="{FF2B5EF4-FFF2-40B4-BE49-F238E27FC236}">
+                <a16:creationId xmlns:a16="http://schemas.microsoft.com/office/drawing/2014/main" id="{38991031-52DD-4038-8F18-939759F2698F}"/>
+              </a:ext>
+            </a:extLst>
+          </p:cNvPr>
+          <p:cNvSpPr/>
+          <p:nvPr/>
+        </p:nvSpPr>
+        <p:spPr>
+          <a:xfrm>
+            <a:off x="3371485" y="3580485"/>
+            <a:ext cx="458812" cy="432048"/>
+          </a:xfrm>
+          <a:prstGeom prst="roundRect">
+            <a:avLst>
+              <a:gd name="adj" fmla="val 10349"/>
+            </a:avLst>
+          </a:prstGeom>
+        </p:spPr>
+        <p:style>
+          <a:lnRef idx="2">
+            <a:schemeClr val="dk1"/>
+          </a:lnRef>
+          <a:fillRef idx="1">
+            <a:schemeClr val="lt1"/>
+          </a:fillRef>
+          <a:effectRef idx="0">
+            <a:schemeClr val="dk1"/>
+          </a:effectRef>
+          <a:fontRef idx="minor">
+            <a:schemeClr val="dk1"/>
+          </a:fontRef>
+        </p:style>
+        <p:txBody>
+          <a:bodyPr rtlCol="0" anchor="b"/>
+          <a:lstStyle/>
+          <a:p>
+            <a:pPr algn="ctr"/>
+            <a:endParaRPr lang="ko-KR" altLang="en-US" sz="1200"/>
+          </a:p>
+        </p:txBody>
+      </p:sp>
+      <p:sp>
+        <p:nvSpPr>
+          <p:cNvPr id="110" name="사각형: 둥근 모서리 109">
+            <a:extLst>
+              <a:ext uri="{FF2B5EF4-FFF2-40B4-BE49-F238E27FC236}">
+                <a16:creationId xmlns:a16="http://schemas.microsoft.com/office/drawing/2014/main" id="{87E70211-382D-4B21-BD51-3F7251B109AB}"/>
+              </a:ext>
+            </a:extLst>
+          </p:cNvPr>
+          <p:cNvSpPr/>
+          <p:nvPr/>
+        </p:nvSpPr>
+        <p:spPr>
+          <a:xfrm>
+            <a:off x="779492" y="4009540"/>
+            <a:ext cx="1997154" cy="290402"/>
+          </a:xfrm>
+          <a:prstGeom prst="roundRect">
+            <a:avLst/>
+          </a:prstGeom>
+          <a:noFill/>
+          <a:ln>
+            <a:noFill/>
+            <a:prstDash val="dash"/>
+          </a:ln>
+        </p:spPr>
+        <p:style>
+          <a:lnRef idx="2">
+            <a:schemeClr val="dk1"/>
+          </a:lnRef>
+          <a:fillRef idx="1">
+            <a:schemeClr val="lt1"/>
+          </a:fillRef>
+          <a:effectRef idx="0">
+            <a:schemeClr val="dk1"/>
+          </a:effectRef>
+          <a:fontRef idx="minor">
+            <a:schemeClr val="dk1"/>
+          </a:fontRef>
+        </p:style>
+        <p:txBody>
+          <a:bodyPr rtlCol="0" anchor="ctr"/>
+          <a:lstStyle/>
+          <a:p>
+            <a:pPr algn="ctr"/>
+            <a:r>
+              <a:rPr lang="en-US" altLang="ko-KR" sz="1200"/>
+              <a:t>FIFO</a:t>
+            </a:r>
+            <a:endParaRPr lang="ko-KR" altLang="en-US" sz="1400"/>
+          </a:p>
+        </p:txBody>
+      </p:sp>
+      <p:sp>
+        <p:nvSpPr>
+          <p:cNvPr id="111" name="사각형: 둥근 모서리 110">
+            <a:extLst>
+              <a:ext uri="{FF2B5EF4-FFF2-40B4-BE49-F238E27FC236}">
+                <a16:creationId xmlns:a16="http://schemas.microsoft.com/office/drawing/2014/main" id="{2E3DA298-440F-49E7-A4B5-5FB06B4B6EFE}"/>
+              </a:ext>
+            </a:extLst>
+          </p:cNvPr>
+          <p:cNvSpPr/>
+          <p:nvPr/>
+        </p:nvSpPr>
+        <p:spPr>
+          <a:xfrm>
+            <a:off x="3089683" y="4009540"/>
+            <a:ext cx="1022416" cy="290402"/>
+          </a:xfrm>
+          <a:prstGeom prst="roundRect">
+            <a:avLst/>
+          </a:prstGeom>
+          <a:noFill/>
+          <a:ln>
+            <a:noFill/>
+            <a:prstDash val="dash"/>
+          </a:ln>
+        </p:spPr>
+        <p:style>
+          <a:lnRef idx="2">
+            <a:schemeClr val="dk1"/>
+          </a:lnRef>
+          <a:fillRef idx="1">
+            <a:schemeClr val="lt1"/>
+          </a:fillRef>
+          <a:effectRef idx="0">
+            <a:schemeClr val="dk1"/>
+          </a:effectRef>
+          <a:fontRef idx="minor">
+            <a:schemeClr val="dk1"/>
+          </a:fontRef>
+        </p:style>
+        <p:txBody>
+          <a:bodyPr rtlCol="0" anchor="ctr"/>
+          <a:lstStyle/>
+          <a:p>
+            <a:pPr algn="ctr"/>
+            <a:r>
+              <a:rPr lang="en-US" altLang="ko-KR" sz="1200"/>
+              <a:t>LIFO</a:t>
+            </a:r>
+            <a:endParaRPr lang="ko-KR" altLang="en-US" sz="1400"/>
+          </a:p>
+        </p:txBody>
+      </p:sp>
+      <p:sp>
+        <p:nvSpPr>
+          <p:cNvPr id="95" name="사각형: 둥근 모서리 94">
+            <a:extLst>
+              <a:ext uri="{FF2B5EF4-FFF2-40B4-BE49-F238E27FC236}">
+                <a16:creationId xmlns:a16="http://schemas.microsoft.com/office/drawing/2014/main" id="{F316A553-3D4B-4B85-9823-2FA64B4BEFE0}"/>
+              </a:ext>
+            </a:extLst>
+          </p:cNvPr>
+          <p:cNvSpPr/>
+          <p:nvPr/>
+        </p:nvSpPr>
+        <p:spPr>
+          <a:xfrm>
+            <a:off x="3442925" y="2534871"/>
+            <a:ext cx="315932" cy="291027"/>
+          </a:xfrm>
+          <a:prstGeom prst="roundRect">
+            <a:avLst>
+              <a:gd name="adj" fmla="val 50000"/>
+            </a:avLst>
+          </a:prstGeom>
+          <a:solidFill>
+            <a:schemeClr val="accent1">
+              <a:lumMod val="40000"/>
+              <a:lumOff val="60000"/>
+            </a:schemeClr>
+          </a:solidFill>
+        </p:spPr>
+        <p:style>
+          <a:lnRef idx="2">
+            <a:schemeClr val="dk1"/>
+          </a:lnRef>
+          <a:fillRef idx="1">
+            <a:schemeClr val="lt1"/>
+          </a:fillRef>
+          <a:effectRef idx="0">
+            <a:schemeClr val="dk1"/>
+          </a:effectRef>
+          <a:fontRef idx="minor">
+            <a:schemeClr val="dk1"/>
+          </a:fontRef>
+        </p:style>
+        <p:txBody>
+          <a:bodyPr rtlCol="0" anchor="ctr"/>
+          <a:lstStyle/>
+          <a:p>
+            <a:pPr algn="ctr"/>
+            <a:r>
+              <a:rPr lang="en-US" altLang="ko-KR" sz="1200"/>
+              <a:t>G</a:t>
+            </a:r>
+            <a:endParaRPr lang="ko-KR" altLang="en-US" sz="1200"/>
+          </a:p>
+        </p:txBody>
+      </p:sp>
+      <p:sp>
+        <p:nvSpPr>
+          <p:cNvPr id="112" name="사각형: 둥근 모서리 111">
+            <a:extLst>
+              <a:ext uri="{FF2B5EF4-FFF2-40B4-BE49-F238E27FC236}">
+                <a16:creationId xmlns:a16="http://schemas.microsoft.com/office/drawing/2014/main" id="{AAEADDA3-9CE2-46FD-AB28-9C048A7EBE75}"/>
+              </a:ext>
+            </a:extLst>
+          </p:cNvPr>
+          <p:cNvSpPr/>
+          <p:nvPr/>
+        </p:nvSpPr>
+        <p:spPr>
+          <a:xfrm>
+            <a:off x="3442925" y="3650995"/>
+            <a:ext cx="315932" cy="291027"/>
+          </a:xfrm>
+          <a:prstGeom prst="roundRect">
+            <a:avLst>
+              <a:gd name="adj" fmla="val 50000"/>
+            </a:avLst>
+          </a:prstGeom>
+          <a:solidFill>
+            <a:schemeClr val="accent2">
+              <a:lumMod val="20000"/>
+              <a:lumOff val="80000"/>
+            </a:schemeClr>
+          </a:solidFill>
+        </p:spPr>
+        <p:style>
+          <a:lnRef idx="2">
+            <a:schemeClr val="dk1"/>
+          </a:lnRef>
+          <a:fillRef idx="1">
+            <a:schemeClr val="lt1"/>
+          </a:fillRef>
+          <a:effectRef idx="0">
+            <a:schemeClr val="dk1"/>
+          </a:effectRef>
+          <a:fontRef idx="minor">
+            <a:schemeClr val="dk1"/>
+          </a:fontRef>
+        </p:style>
+        <p:txBody>
+          <a:bodyPr rtlCol="0" anchor="ctr"/>
+          <a:lstStyle/>
+          <a:p>
+            <a:pPr algn="ctr"/>
+            <a:r>
+              <a:rPr lang="en-US" altLang="ko-KR" sz="1200"/>
+              <a:t>G</a:t>
+            </a:r>
+            <a:endParaRPr lang="ko-KR" altLang="en-US" sz="1200"/>
+          </a:p>
+        </p:txBody>
+      </p:sp>
+      <p:cxnSp>
+        <p:nvCxnSpPr>
+          <p:cNvPr id="114" name="직선 화살표 연결선 113">
+            <a:extLst>
+              <a:ext uri="{FF2B5EF4-FFF2-40B4-BE49-F238E27FC236}">
+                <a16:creationId xmlns:a16="http://schemas.microsoft.com/office/drawing/2014/main" id="{428581F4-4A25-4B64-B15E-5AB00852392D}"/>
+              </a:ext>
+            </a:extLst>
+          </p:cNvPr>
+          <p:cNvCxnSpPr>
+            <a:cxnSpLocks/>
+          </p:cNvCxnSpPr>
+          <p:nvPr/>
+        </p:nvCxnSpPr>
+        <p:spPr>
+          <a:xfrm flipH="1">
+            <a:off x="3830297" y="3796509"/>
+            <a:ext cx="227335" cy="0"/>
+          </a:xfrm>
+          <a:prstGeom prst="straightConnector1">
+            <a:avLst/>
+          </a:prstGeom>
+          <a:ln w="19050">
+            <a:solidFill>
+              <a:schemeClr val="tx1"/>
+            </a:solidFill>
+            <a:headEnd type="none" w="med" len="med"/>
+            <a:tailEnd type="arrow" w="med" len="med"/>
+          </a:ln>
+        </p:spPr>
+        <p:style>
+          <a:lnRef idx="1">
+            <a:schemeClr val="accent1"/>
+          </a:lnRef>
+          <a:fillRef idx="0">
+            <a:schemeClr val="accent1"/>
+          </a:fillRef>
+          <a:effectRef idx="0">
+            <a:schemeClr val="accent1"/>
+          </a:effectRef>
+          <a:fontRef idx="minor">
+            <a:schemeClr val="tx1"/>
+          </a:fontRef>
+        </p:style>
+      </p:cxnSp>
+      <p:sp>
+        <p:nvSpPr>
+          <p:cNvPr id="116" name="사각형: 둥근 모서리 115">
+            <a:extLst>
+              <a:ext uri="{FF2B5EF4-FFF2-40B4-BE49-F238E27FC236}">
+                <a16:creationId xmlns:a16="http://schemas.microsoft.com/office/drawing/2014/main" id="{7977AA2B-0252-4EF3-BA86-7D1821A5409E}"/>
+              </a:ext>
+            </a:extLst>
+          </p:cNvPr>
+          <p:cNvSpPr/>
+          <p:nvPr/>
+        </p:nvSpPr>
+        <p:spPr>
+          <a:xfrm>
+            <a:off x="5087367" y="1422615"/>
+            <a:ext cx="2232248" cy="432048"/>
+          </a:xfrm>
+          <a:prstGeom prst="roundRect">
+            <a:avLst>
+              <a:gd name="adj" fmla="val 10349"/>
+            </a:avLst>
+          </a:prstGeom>
+        </p:spPr>
+        <p:style>
+          <a:lnRef idx="2">
+            <a:schemeClr val="dk1"/>
+          </a:lnRef>
+          <a:fillRef idx="1">
+            <a:schemeClr val="lt1"/>
+          </a:fillRef>
+          <a:effectRef idx="0">
+            <a:schemeClr val="dk1"/>
+          </a:effectRef>
+          <a:fontRef idx="minor">
+            <a:schemeClr val="dk1"/>
+          </a:fontRef>
+        </p:style>
+        <p:txBody>
+          <a:bodyPr rtlCol="0" anchor="b"/>
+          <a:lstStyle/>
+          <a:p>
+            <a:pPr algn="ctr"/>
+            <a:endParaRPr lang="ko-KR" altLang="en-US" sz="1200"/>
+          </a:p>
+        </p:txBody>
+      </p:sp>
+      <p:sp>
+        <p:nvSpPr>
+          <p:cNvPr id="117" name="사각형: 둥근 모서리 116">
+            <a:extLst>
+              <a:ext uri="{FF2B5EF4-FFF2-40B4-BE49-F238E27FC236}">
+                <a16:creationId xmlns:a16="http://schemas.microsoft.com/office/drawing/2014/main" id="{E55D8C32-86F6-46BC-8E14-E706716152EC}"/>
+              </a:ext>
+            </a:extLst>
+          </p:cNvPr>
+          <p:cNvSpPr/>
+          <p:nvPr/>
+        </p:nvSpPr>
+        <p:spPr>
+          <a:xfrm>
+            <a:off x="5159375" y="1493125"/>
+            <a:ext cx="315932" cy="291027"/>
+          </a:xfrm>
+          <a:prstGeom prst="roundRect">
+            <a:avLst>
+              <a:gd name="adj" fmla="val 50000"/>
+            </a:avLst>
+          </a:prstGeom>
+          <a:solidFill>
+            <a:schemeClr val="accent1">
+              <a:lumMod val="40000"/>
+              <a:lumOff val="60000"/>
+            </a:schemeClr>
+          </a:solidFill>
+        </p:spPr>
+        <p:style>
+          <a:lnRef idx="2">
+            <a:schemeClr val="dk1"/>
+          </a:lnRef>
+          <a:fillRef idx="1">
+            <a:schemeClr val="lt1"/>
+          </a:fillRef>
+          <a:effectRef idx="0">
+            <a:schemeClr val="dk1"/>
+          </a:effectRef>
+          <a:fontRef idx="minor">
+            <a:schemeClr val="dk1"/>
+          </a:fontRef>
+        </p:style>
+        <p:txBody>
+          <a:bodyPr rtlCol="0" anchor="ctr"/>
+          <a:lstStyle/>
+          <a:p>
+            <a:pPr algn="ctr"/>
+            <a:r>
+              <a:rPr lang="en-US" altLang="ko-KR" sz="1200"/>
+              <a:t>G</a:t>
+            </a:r>
+            <a:endParaRPr lang="ko-KR" altLang="en-US" sz="1200"/>
+          </a:p>
+        </p:txBody>
+      </p:sp>
+      <p:sp>
+        <p:nvSpPr>
+          <p:cNvPr id="118" name="사각형: 둥근 모서리 117">
+            <a:extLst>
+              <a:ext uri="{FF2B5EF4-FFF2-40B4-BE49-F238E27FC236}">
+                <a16:creationId xmlns:a16="http://schemas.microsoft.com/office/drawing/2014/main" id="{7C99698B-1190-4A92-8BF3-D2C99D3C203C}"/>
+              </a:ext>
+            </a:extLst>
+          </p:cNvPr>
+          <p:cNvSpPr/>
+          <p:nvPr/>
+        </p:nvSpPr>
+        <p:spPr>
+          <a:xfrm>
+            <a:off x="5563215" y="1493125"/>
+            <a:ext cx="315932" cy="291027"/>
+          </a:xfrm>
+          <a:prstGeom prst="roundRect">
+            <a:avLst>
+              <a:gd name="adj" fmla="val 50000"/>
+            </a:avLst>
+          </a:prstGeom>
+          <a:solidFill>
+            <a:schemeClr val="bg1">
+              <a:lumMod val="85000"/>
+            </a:schemeClr>
+          </a:solidFill>
+        </p:spPr>
+        <p:style>
+          <a:lnRef idx="2">
+            <a:schemeClr val="dk1"/>
+          </a:lnRef>
+          <a:fillRef idx="1">
+            <a:schemeClr val="lt1"/>
+          </a:fillRef>
+          <a:effectRef idx="0">
+            <a:schemeClr val="dk1"/>
+          </a:effectRef>
+          <a:fontRef idx="minor">
+            <a:schemeClr val="dk1"/>
+          </a:fontRef>
+        </p:style>
+        <p:txBody>
+          <a:bodyPr rtlCol="0" anchor="ctr"/>
+          <a:lstStyle/>
+          <a:p>
+            <a:pPr algn="ctr"/>
+            <a:r>
+              <a:rPr lang="en-US" altLang="ko-KR" sz="1200"/>
+              <a:t>G</a:t>
+            </a:r>
+            <a:endParaRPr lang="ko-KR" altLang="en-US" sz="1200"/>
+          </a:p>
+        </p:txBody>
+      </p:sp>
+      <p:sp>
+        <p:nvSpPr>
+          <p:cNvPr id="119" name="사각형: 둥근 모서리 118">
+            <a:extLst>
+              <a:ext uri="{FF2B5EF4-FFF2-40B4-BE49-F238E27FC236}">
+                <a16:creationId xmlns:a16="http://schemas.microsoft.com/office/drawing/2014/main" id="{54D92CB3-32B0-403B-9FF3-3EC39E7502B6}"/>
+              </a:ext>
+            </a:extLst>
+          </p:cNvPr>
+          <p:cNvSpPr/>
+          <p:nvPr/>
+        </p:nvSpPr>
+        <p:spPr>
+          <a:xfrm>
+            <a:off x="7796907" y="1422615"/>
+            <a:ext cx="458812" cy="432048"/>
+          </a:xfrm>
+          <a:prstGeom prst="roundRect">
+            <a:avLst>
+              <a:gd name="adj" fmla="val 10349"/>
+            </a:avLst>
+          </a:prstGeom>
+        </p:spPr>
+        <p:style>
+          <a:lnRef idx="2">
+            <a:schemeClr val="dk1"/>
+          </a:lnRef>
+          <a:fillRef idx="1">
+            <a:schemeClr val="lt1"/>
+          </a:fillRef>
+          <a:effectRef idx="0">
+            <a:schemeClr val="dk1"/>
+          </a:effectRef>
+          <a:fontRef idx="minor">
+            <a:schemeClr val="dk1"/>
+          </a:fontRef>
+        </p:style>
+        <p:txBody>
+          <a:bodyPr rtlCol="0" anchor="b"/>
+          <a:lstStyle/>
+          <a:p>
+            <a:pPr algn="ctr"/>
+            <a:endParaRPr lang="ko-KR" altLang="en-US" sz="1200"/>
+          </a:p>
+        </p:txBody>
+      </p:sp>
+      <p:sp>
+        <p:nvSpPr>
+          <p:cNvPr id="120" name="사각형: 둥근 모서리 119">
+            <a:extLst>
+              <a:ext uri="{FF2B5EF4-FFF2-40B4-BE49-F238E27FC236}">
+                <a16:creationId xmlns:a16="http://schemas.microsoft.com/office/drawing/2014/main" id="{6B5D2DBB-BA37-4929-AA46-BFA0D4D70CC3}"/>
+              </a:ext>
+            </a:extLst>
+          </p:cNvPr>
+          <p:cNvSpPr/>
+          <p:nvPr/>
+        </p:nvSpPr>
+        <p:spPr>
+          <a:xfrm>
+            <a:off x="5204914" y="1851670"/>
+            <a:ext cx="1997154" cy="290402"/>
+          </a:xfrm>
+          <a:prstGeom prst="roundRect">
+            <a:avLst/>
+          </a:prstGeom>
+          <a:noFill/>
+          <a:ln>
+            <a:noFill/>
+            <a:prstDash val="dash"/>
+          </a:ln>
+        </p:spPr>
+        <p:style>
+          <a:lnRef idx="2">
+            <a:schemeClr val="dk1"/>
+          </a:lnRef>
+          <a:fillRef idx="1">
+            <a:schemeClr val="lt1"/>
+          </a:fillRef>
+          <a:effectRef idx="0">
+            <a:schemeClr val="dk1"/>
+          </a:effectRef>
+          <a:fontRef idx="minor">
+            <a:schemeClr val="dk1"/>
+          </a:fontRef>
+        </p:style>
+        <p:txBody>
+          <a:bodyPr rtlCol="0" anchor="ctr"/>
+          <a:lstStyle/>
+          <a:p>
+            <a:pPr algn="ctr"/>
+            <a:r>
+              <a:rPr lang="en-US" altLang="ko-KR" sz="1200"/>
+              <a:t>FIFO</a:t>
+            </a:r>
+            <a:endParaRPr lang="ko-KR" altLang="en-US" sz="1400"/>
+          </a:p>
+        </p:txBody>
+      </p:sp>
+      <p:sp>
+        <p:nvSpPr>
+          <p:cNvPr id="121" name="사각형: 둥근 모서리 120">
+            <a:extLst>
+              <a:ext uri="{FF2B5EF4-FFF2-40B4-BE49-F238E27FC236}">
+                <a16:creationId xmlns:a16="http://schemas.microsoft.com/office/drawing/2014/main" id="{16675F57-18F6-4E25-850C-E05BB81CF121}"/>
+              </a:ext>
+            </a:extLst>
+          </p:cNvPr>
+          <p:cNvSpPr/>
+          <p:nvPr/>
+        </p:nvSpPr>
+        <p:spPr>
+          <a:xfrm>
+            <a:off x="7515105" y="1851670"/>
+            <a:ext cx="1022416" cy="290402"/>
+          </a:xfrm>
+          <a:prstGeom prst="roundRect">
+            <a:avLst/>
+          </a:prstGeom>
+          <a:noFill/>
+          <a:ln>
+            <a:noFill/>
+            <a:prstDash val="dash"/>
+          </a:ln>
+        </p:spPr>
+        <p:style>
+          <a:lnRef idx="2">
+            <a:schemeClr val="dk1"/>
+          </a:lnRef>
+          <a:fillRef idx="1">
+            <a:schemeClr val="lt1"/>
+          </a:fillRef>
+          <a:effectRef idx="0">
+            <a:schemeClr val="dk1"/>
+          </a:effectRef>
+          <a:fontRef idx="minor">
+            <a:schemeClr val="dk1"/>
+          </a:fontRef>
+        </p:style>
+        <p:txBody>
+          <a:bodyPr rtlCol="0" anchor="ctr"/>
+          <a:lstStyle/>
+          <a:p>
+            <a:pPr algn="ctr"/>
+            <a:r>
+              <a:rPr lang="en-US" altLang="ko-KR" sz="1200"/>
+              <a:t>LIFO</a:t>
+            </a:r>
+            <a:endParaRPr lang="ko-KR" altLang="en-US" sz="1400"/>
+          </a:p>
+        </p:txBody>
+      </p:sp>
+      <p:sp>
+        <p:nvSpPr>
+          <p:cNvPr id="122" name="사각형: 둥근 모서리 121">
+            <a:extLst>
+              <a:ext uri="{FF2B5EF4-FFF2-40B4-BE49-F238E27FC236}">
+                <a16:creationId xmlns:a16="http://schemas.microsoft.com/office/drawing/2014/main" id="{8750E46E-854F-4CF7-81CE-03F3D422FD9E}"/>
+              </a:ext>
+            </a:extLst>
+          </p:cNvPr>
+          <p:cNvSpPr/>
+          <p:nvPr/>
+        </p:nvSpPr>
+        <p:spPr>
+          <a:xfrm>
+            <a:off x="5087367" y="2464361"/>
+            <a:ext cx="2232248" cy="432048"/>
+          </a:xfrm>
+          <a:prstGeom prst="roundRect">
+            <a:avLst>
+              <a:gd name="adj" fmla="val 10349"/>
+            </a:avLst>
+          </a:prstGeom>
+        </p:spPr>
+        <p:style>
+          <a:lnRef idx="2">
+            <a:schemeClr val="dk1"/>
+          </a:lnRef>
+          <a:fillRef idx="1">
+            <a:schemeClr val="lt1"/>
+          </a:fillRef>
+          <a:effectRef idx="0">
+            <a:schemeClr val="dk1"/>
+          </a:effectRef>
+          <a:fontRef idx="minor">
+            <a:schemeClr val="dk1"/>
+          </a:fontRef>
+        </p:style>
+        <p:txBody>
+          <a:bodyPr rtlCol="0" anchor="b"/>
+          <a:lstStyle/>
+          <a:p>
+            <a:pPr algn="ctr"/>
+            <a:endParaRPr lang="ko-KR" altLang="en-US" sz="1200"/>
+          </a:p>
+        </p:txBody>
+      </p:sp>
+      <p:sp>
+        <p:nvSpPr>
+          <p:cNvPr id="123" name="사각형: 둥근 모서리 122">
+            <a:extLst>
+              <a:ext uri="{FF2B5EF4-FFF2-40B4-BE49-F238E27FC236}">
+                <a16:creationId xmlns:a16="http://schemas.microsoft.com/office/drawing/2014/main" id="{EB2C8294-1EAF-477E-8F75-824019B77399}"/>
+              </a:ext>
+            </a:extLst>
+          </p:cNvPr>
+          <p:cNvSpPr/>
+          <p:nvPr/>
+        </p:nvSpPr>
+        <p:spPr>
+          <a:xfrm>
+            <a:off x="5159375" y="2534871"/>
+            <a:ext cx="315932" cy="291027"/>
+          </a:xfrm>
+          <a:prstGeom prst="roundRect">
+            <a:avLst>
+              <a:gd name="adj" fmla="val 50000"/>
+            </a:avLst>
+          </a:prstGeom>
+          <a:solidFill>
+            <a:schemeClr val="accent1">
+              <a:lumMod val="40000"/>
+              <a:lumOff val="60000"/>
+            </a:schemeClr>
+          </a:solidFill>
+        </p:spPr>
+        <p:style>
+          <a:lnRef idx="2">
+            <a:schemeClr val="dk1"/>
+          </a:lnRef>
+          <a:fillRef idx="1">
+            <a:schemeClr val="lt1"/>
+          </a:fillRef>
+          <a:effectRef idx="0">
+            <a:schemeClr val="dk1"/>
+          </a:effectRef>
+          <a:fontRef idx="minor">
+            <a:schemeClr val="dk1"/>
+          </a:fontRef>
+        </p:style>
+        <p:txBody>
+          <a:bodyPr rtlCol="0" anchor="ctr"/>
+          <a:lstStyle/>
+          <a:p>
+            <a:pPr algn="ctr"/>
+            <a:r>
+              <a:rPr lang="en-US" altLang="ko-KR" sz="1200"/>
+              <a:t>G</a:t>
+            </a:r>
+            <a:endParaRPr lang="ko-KR" altLang="en-US" sz="1200"/>
+          </a:p>
+        </p:txBody>
+      </p:sp>
+      <p:sp>
+        <p:nvSpPr>
+          <p:cNvPr id="124" name="사각형: 둥근 모서리 123">
+            <a:extLst>
+              <a:ext uri="{FF2B5EF4-FFF2-40B4-BE49-F238E27FC236}">
+                <a16:creationId xmlns:a16="http://schemas.microsoft.com/office/drawing/2014/main" id="{58884C8C-CBF4-4910-AF5E-7F9079DD0BAE}"/>
+              </a:ext>
+            </a:extLst>
+          </p:cNvPr>
+          <p:cNvSpPr/>
+          <p:nvPr/>
+        </p:nvSpPr>
+        <p:spPr>
+          <a:xfrm>
+            <a:off x="5563215" y="2534871"/>
+            <a:ext cx="315932" cy="291027"/>
+          </a:xfrm>
+          <a:prstGeom prst="roundRect">
+            <a:avLst>
+              <a:gd name="adj" fmla="val 50000"/>
+            </a:avLst>
+          </a:prstGeom>
+          <a:solidFill>
+            <a:schemeClr val="bg1">
+              <a:lumMod val="85000"/>
+            </a:schemeClr>
+          </a:solidFill>
+        </p:spPr>
+        <p:style>
+          <a:lnRef idx="2">
+            <a:schemeClr val="dk1"/>
+          </a:lnRef>
+          <a:fillRef idx="1">
+            <a:schemeClr val="lt1"/>
+          </a:fillRef>
+          <a:effectRef idx="0">
+            <a:schemeClr val="dk1"/>
+          </a:effectRef>
+          <a:fontRef idx="minor">
+            <a:schemeClr val="dk1"/>
+          </a:fontRef>
+        </p:style>
+        <p:txBody>
+          <a:bodyPr rtlCol="0" anchor="ctr"/>
+          <a:lstStyle/>
+          <a:p>
+            <a:pPr algn="ctr"/>
+            <a:r>
+              <a:rPr lang="en-US" altLang="ko-KR" sz="1200"/>
+              <a:t>G</a:t>
+            </a:r>
+            <a:endParaRPr lang="ko-KR" altLang="en-US" sz="1200"/>
+          </a:p>
+        </p:txBody>
+      </p:sp>
+      <p:sp>
+        <p:nvSpPr>
+          <p:cNvPr id="125" name="사각형: 둥근 모서리 124">
+            <a:extLst>
+              <a:ext uri="{FF2B5EF4-FFF2-40B4-BE49-F238E27FC236}">
+                <a16:creationId xmlns:a16="http://schemas.microsoft.com/office/drawing/2014/main" id="{DFFA4303-52B5-46B4-B6FB-1F2AFED68B47}"/>
+              </a:ext>
+            </a:extLst>
+          </p:cNvPr>
+          <p:cNvSpPr/>
+          <p:nvPr/>
+        </p:nvSpPr>
+        <p:spPr>
+          <a:xfrm>
+            <a:off x="7796907" y="2464361"/>
+            <a:ext cx="458812" cy="432048"/>
+          </a:xfrm>
+          <a:prstGeom prst="roundRect">
+            <a:avLst>
+              <a:gd name="adj" fmla="val 10349"/>
+            </a:avLst>
+          </a:prstGeom>
+        </p:spPr>
+        <p:style>
+          <a:lnRef idx="2">
+            <a:schemeClr val="dk1"/>
+          </a:lnRef>
+          <a:fillRef idx="1">
+            <a:schemeClr val="lt1"/>
+          </a:fillRef>
+          <a:effectRef idx="0">
+            <a:schemeClr val="dk1"/>
+          </a:effectRef>
+          <a:fontRef idx="minor">
+            <a:schemeClr val="dk1"/>
+          </a:fontRef>
+        </p:style>
+        <p:txBody>
+          <a:bodyPr rtlCol="0" anchor="b"/>
+          <a:lstStyle/>
+          <a:p>
+            <a:pPr algn="ctr"/>
+            <a:endParaRPr lang="ko-KR" altLang="en-US" sz="1200"/>
+          </a:p>
+        </p:txBody>
+      </p:sp>
+      <p:sp>
+        <p:nvSpPr>
+          <p:cNvPr id="126" name="사각형: 둥근 모서리 125">
+            <a:extLst>
+              <a:ext uri="{FF2B5EF4-FFF2-40B4-BE49-F238E27FC236}">
+                <a16:creationId xmlns:a16="http://schemas.microsoft.com/office/drawing/2014/main" id="{D264DA1B-0EA4-41FE-A618-65B75B7347E2}"/>
+              </a:ext>
+            </a:extLst>
+          </p:cNvPr>
+          <p:cNvSpPr/>
+          <p:nvPr/>
+        </p:nvSpPr>
+        <p:spPr>
+          <a:xfrm>
+            <a:off x="5204914" y="2893416"/>
+            <a:ext cx="1997154" cy="290402"/>
+          </a:xfrm>
+          <a:prstGeom prst="roundRect">
+            <a:avLst/>
+          </a:prstGeom>
+          <a:noFill/>
+          <a:ln>
+            <a:noFill/>
+            <a:prstDash val="dash"/>
+          </a:ln>
+        </p:spPr>
+        <p:style>
+          <a:lnRef idx="2">
+            <a:schemeClr val="dk1"/>
+          </a:lnRef>
+          <a:fillRef idx="1">
+            <a:schemeClr val="lt1"/>
+          </a:fillRef>
+          <a:effectRef idx="0">
+            <a:schemeClr val="dk1"/>
+          </a:effectRef>
+          <a:fontRef idx="minor">
+            <a:schemeClr val="dk1"/>
+          </a:fontRef>
+        </p:style>
+        <p:txBody>
+          <a:bodyPr rtlCol="0" anchor="ctr"/>
+          <a:lstStyle/>
+          <a:p>
+            <a:pPr algn="ctr"/>
+            <a:r>
+              <a:rPr lang="en-US" altLang="ko-KR" sz="1200"/>
+              <a:t>FIFO</a:t>
+            </a:r>
+            <a:endParaRPr lang="ko-KR" altLang="en-US" sz="1400"/>
+          </a:p>
+        </p:txBody>
+      </p:sp>
+      <p:sp>
+        <p:nvSpPr>
+          <p:cNvPr id="127" name="사각형: 둥근 모서리 126">
+            <a:extLst>
+              <a:ext uri="{FF2B5EF4-FFF2-40B4-BE49-F238E27FC236}">
+                <a16:creationId xmlns:a16="http://schemas.microsoft.com/office/drawing/2014/main" id="{0BC12CC3-13D0-45DA-8041-101DB0EBBE4A}"/>
+              </a:ext>
+            </a:extLst>
+          </p:cNvPr>
+          <p:cNvSpPr/>
+          <p:nvPr/>
+        </p:nvSpPr>
+        <p:spPr>
+          <a:xfrm>
+            <a:off x="7515105" y="2893416"/>
+            <a:ext cx="1022416" cy="290402"/>
+          </a:xfrm>
+          <a:prstGeom prst="roundRect">
+            <a:avLst/>
+          </a:prstGeom>
+          <a:noFill/>
+          <a:ln>
+            <a:noFill/>
+            <a:prstDash val="dash"/>
+          </a:ln>
+        </p:spPr>
+        <p:style>
+          <a:lnRef idx="2">
+            <a:schemeClr val="dk1"/>
+          </a:lnRef>
+          <a:fillRef idx="1">
+            <a:schemeClr val="lt1"/>
+          </a:fillRef>
+          <a:effectRef idx="0">
+            <a:schemeClr val="dk1"/>
+          </a:effectRef>
+          <a:fontRef idx="minor">
+            <a:schemeClr val="dk1"/>
+          </a:fontRef>
+        </p:style>
+        <p:txBody>
+          <a:bodyPr rtlCol="0" anchor="ctr"/>
+          <a:lstStyle/>
+          <a:p>
+            <a:pPr algn="ctr"/>
+            <a:r>
+              <a:rPr lang="en-US" altLang="ko-KR" sz="1200"/>
+              <a:t>LIFO</a:t>
+            </a:r>
+            <a:endParaRPr lang="ko-KR" altLang="en-US" sz="1400"/>
+          </a:p>
+        </p:txBody>
+      </p:sp>
+      <p:sp>
+        <p:nvSpPr>
+          <p:cNvPr id="128" name="사각형: 둥근 모서리 127">
+            <a:extLst>
+              <a:ext uri="{FF2B5EF4-FFF2-40B4-BE49-F238E27FC236}">
+                <a16:creationId xmlns:a16="http://schemas.microsoft.com/office/drawing/2014/main" id="{DD7C4021-FB78-4198-A860-FC28A49BB60C}"/>
+              </a:ext>
+            </a:extLst>
+          </p:cNvPr>
+          <p:cNvSpPr/>
+          <p:nvPr/>
+        </p:nvSpPr>
+        <p:spPr>
+          <a:xfrm>
+            <a:off x="5087367" y="3580485"/>
+            <a:ext cx="2232248" cy="432048"/>
+          </a:xfrm>
+          <a:prstGeom prst="roundRect">
+            <a:avLst>
+              <a:gd name="adj" fmla="val 10349"/>
+            </a:avLst>
+          </a:prstGeom>
+        </p:spPr>
+        <p:style>
+          <a:lnRef idx="2">
+            <a:schemeClr val="dk1"/>
+          </a:lnRef>
+          <a:fillRef idx="1">
+            <a:schemeClr val="lt1"/>
+          </a:fillRef>
+          <a:effectRef idx="0">
+            <a:schemeClr val="dk1"/>
+          </a:effectRef>
+          <a:fontRef idx="minor">
+            <a:schemeClr val="dk1"/>
+          </a:fontRef>
+        </p:style>
+        <p:txBody>
+          <a:bodyPr rtlCol="0" anchor="b"/>
+          <a:lstStyle/>
+          <a:p>
+            <a:pPr algn="ctr"/>
+            <a:endParaRPr lang="ko-KR" altLang="en-US" sz="1200"/>
+          </a:p>
+        </p:txBody>
+      </p:sp>
+      <p:sp>
+        <p:nvSpPr>
+          <p:cNvPr id="130" name="사각형: 둥근 모서리 129">
+            <a:extLst>
+              <a:ext uri="{FF2B5EF4-FFF2-40B4-BE49-F238E27FC236}">
+                <a16:creationId xmlns:a16="http://schemas.microsoft.com/office/drawing/2014/main" id="{A0FC4023-1566-4885-ACCD-9B5411E6487D}"/>
+              </a:ext>
+            </a:extLst>
+          </p:cNvPr>
+          <p:cNvSpPr/>
+          <p:nvPr/>
+        </p:nvSpPr>
+        <p:spPr>
+          <a:xfrm>
+            <a:off x="5162842" y="3650995"/>
+            <a:ext cx="315932" cy="291027"/>
+          </a:xfrm>
+          <a:prstGeom prst="roundRect">
+            <a:avLst>
+              <a:gd name="adj" fmla="val 50000"/>
+            </a:avLst>
+          </a:prstGeom>
+          <a:solidFill>
+            <a:schemeClr val="bg1">
+              <a:lumMod val="85000"/>
+            </a:schemeClr>
+          </a:solidFill>
+        </p:spPr>
+        <p:style>
+          <a:lnRef idx="2">
+            <a:schemeClr val="dk1"/>
+          </a:lnRef>
+          <a:fillRef idx="1">
+            <a:schemeClr val="lt1"/>
+          </a:fillRef>
+          <a:effectRef idx="0">
+            <a:schemeClr val="dk1"/>
+          </a:effectRef>
+          <a:fontRef idx="minor">
+            <a:schemeClr val="dk1"/>
+          </a:fontRef>
+        </p:style>
+        <p:txBody>
+          <a:bodyPr rtlCol="0" anchor="ctr"/>
+          <a:lstStyle/>
+          <a:p>
+            <a:pPr algn="ctr"/>
+            <a:r>
+              <a:rPr lang="en-US" altLang="ko-KR" sz="1200"/>
+              <a:t>G</a:t>
+            </a:r>
+            <a:endParaRPr lang="ko-KR" altLang="en-US" sz="1200"/>
+          </a:p>
+        </p:txBody>
+      </p:sp>
+      <p:sp>
+        <p:nvSpPr>
+          <p:cNvPr id="132" name="사각형: 둥근 모서리 131">
+            <a:extLst>
+              <a:ext uri="{FF2B5EF4-FFF2-40B4-BE49-F238E27FC236}">
+                <a16:creationId xmlns:a16="http://schemas.microsoft.com/office/drawing/2014/main" id="{A0070BCA-3AE8-4959-87E0-1D6F93A7B032}"/>
+              </a:ext>
+            </a:extLst>
+          </p:cNvPr>
+          <p:cNvSpPr/>
+          <p:nvPr/>
+        </p:nvSpPr>
+        <p:spPr>
+          <a:xfrm>
+            <a:off x="7796907" y="3580485"/>
+            <a:ext cx="458812" cy="432048"/>
+          </a:xfrm>
+          <a:prstGeom prst="roundRect">
+            <a:avLst>
+              <a:gd name="adj" fmla="val 10349"/>
+            </a:avLst>
+          </a:prstGeom>
+        </p:spPr>
+        <p:style>
+          <a:lnRef idx="2">
+            <a:schemeClr val="dk1"/>
+          </a:lnRef>
+          <a:fillRef idx="1">
+            <a:schemeClr val="lt1"/>
+          </a:fillRef>
+          <a:effectRef idx="0">
+            <a:schemeClr val="dk1"/>
+          </a:effectRef>
+          <a:fontRef idx="minor">
+            <a:schemeClr val="dk1"/>
+          </a:fontRef>
+        </p:style>
+        <p:txBody>
+          <a:bodyPr rtlCol="0" anchor="b"/>
+          <a:lstStyle/>
+          <a:p>
+            <a:pPr algn="ctr"/>
+            <a:endParaRPr lang="ko-KR" altLang="en-US" sz="1200"/>
+          </a:p>
+        </p:txBody>
+      </p:sp>
+      <p:sp>
+        <p:nvSpPr>
+          <p:cNvPr id="133" name="사각형: 둥근 모서리 132">
+            <a:extLst>
+              <a:ext uri="{FF2B5EF4-FFF2-40B4-BE49-F238E27FC236}">
+                <a16:creationId xmlns:a16="http://schemas.microsoft.com/office/drawing/2014/main" id="{E17761A8-C41A-4284-914F-981F06FCFC53}"/>
+              </a:ext>
+            </a:extLst>
+          </p:cNvPr>
+          <p:cNvSpPr/>
+          <p:nvPr/>
+        </p:nvSpPr>
+        <p:spPr>
+          <a:xfrm>
+            <a:off x="5204914" y="4009540"/>
+            <a:ext cx="1997154" cy="290402"/>
+          </a:xfrm>
+          <a:prstGeom prst="roundRect">
+            <a:avLst/>
+          </a:prstGeom>
+          <a:noFill/>
+          <a:ln>
+            <a:noFill/>
+            <a:prstDash val="dash"/>
+          </a:ln>
+        </p:spPr>
+        <p:style>
+          <a:lnRef idx="2">
+            <a:schemeClr val="dk1"/>
+          </a:lnRef>
+          <a:fillRef idx="1">
+            <a:schemeClr val="lt1"/>
+          </a:fillRef>
+          <a:effectRef idx="0">
+            <a:schemeClr val="dk1"/>
+          </a:effectRef>
+          <a:fontRef idx="minor">
+            <a:schemeClr val="dk1"/>
+          </a:fontRef>
+        </p:style>
+        <p:txBody>
+          <a:bodyPr rtlCol="0" anchor="ctr"/>
+          <a:lstStyle/>
+          <a:p>
+            <a:pPr algn="ctr"/>
+            <a:r>
+              <a:rPr lang="en-US" altLang="ko-KR" sz="1200"/>
+              <a:t>FIFO</a:t>
+            </a:r>
+            <a:endParaRPr lang="ko-KR" altLang="en-US" sz="1400"/>
+          </a:p>
+        </p:txBody>
+      </p:sp>
+      <p:sp>
+        <p:nvSpPr>
+          <p:cNvPr id="134" name="사각형: 둥근 모서리 133">
+            <a:extLst>
+              <a:ext uri="{FF2B5EF4-FFF2-40B4-BE49-F238E27FC236}">
+                <a16:creationId xmlns:a16="http://schemas.microsoft.com/office/drawing/2014/main" id="{1D952080-119E-4B51-803E-8C04BAB65AB6}"/>
+              </a:ext>
+            </a:extLst>
+          </p:cNvPr>
+          <p:cNvSpPr/>
+          <p:nvPr/>
+        </p:nvSpPr>
+        <p:spPr>
+          <a:xfrm>
+            <a:off x="7515105" y="4009540"/>
+            <a:ext cx="1022416" cy="290402"/>
+          </a:xfrm>
+          <a:prstGeom prst="roundRect">
+            <a:avLst/>
+          </a:prstGeom>
+          <a:noFill/>
+          <a:ln>
+            <a:noFill/>
+            <a:prstDash val="dash"/>
+          </a:ln>
+        </p:spPr>
+        <p:style>
+          <a:lnRef idx="2">
+            <a:schemeClr val="dk1"/>
+          </a:lnRef>
+          <a:fillRef idx="1">
+            <a:schemeClr val="lt1"/>
+          </a:fillRef>
+          <a:effectRef idx="0">
+            <a:schemeClr val="dk1"/>
+          </a:effectRef>
+          <a:fontRef idx="minor">
+            <a:schemeClr val="dk1"/>
+          </a:fontRef>
+        </p:style>
+        <p:txBody>
+          <a:bodyPr rtlCol="0" anchor="ctr"/>
+          <a:lstStyle/>
+          <a:p>
+            <a:pPr algn="ctr"/>
+            <a:r>
+              <a:rPr lang="en-US" altLang="ko-KR" sz="1200"/>
+              <a:t>LIFO</a:t>
+            </a:r>
+            <a:endParaRPr lang="ko-KR" altLang="en-US" sz="1400"/>
+          </a:p>
+        </p:txBody>
+      </p:sp>
+      <p:cxnSp>
+        <p:nvCxnSpPr>
+          <p:cNvPr id="15" name="직선 연결선 14">
+            <a:extLst>
+              <a:ext uri="{FF2B5EF4-FFF2-40B4-BE49-F238E27FC236}">
+                <a16:creationId xmlns:a16="http://schemas.microsoft.com/office/drawing/2014/main" id="{75A5A6F1-4A6B-46ED-B424-961561E69D4C}"/>
+              </a:ext>
+            </a:extLst>
+          </p:cNvPr>
+          <p:cNvCxnSpPr>
+            <a:cxnSpLocks/>
+          </p:cNvCxnSpPr>
+          <p:nvPr/>
+        </p:nvCxnSpPr>
+        <p:spPr>
+          <a:xfrm>
+            <a:off x="4493762" y="1203598"/>
+            <a:ext cx="0" cy="3672408"/>
+          </a:xfrm>
+          <a:prstGeom prst="line">
+            <a:avLst/>
+          </a:prstGeom>
+          <a:ln w="28575">
+            <a:solidFill>
+              <a:schemeClr val="tx1"/>
+            </a:solidFill>
+            <a:prstDash val="dash"/>
+          </a:ln>
+        </p:spPr>
+        <p:style>
+          <a:lnRef idx="1">
+            <a:schemeClr val="accent1"/>
+          </a:lnRef>
+          <a:fillRef idx="0">
+            <a:schemeClr val="accent1"/>
+          </a:fillRef>
+          <a:effectRef idx="0">
+            <a:schemeClr val="accent1"/>
+          </a:effectRef>
+          <a:fontRef idx="minor">
+            <a:schemeClr val="tx1"/>
+          </a:fontRef>
+        </p:style>
+      </p:cxnSp>
+      <p:sp>
+        <p:nvSpPr>
+          <p:cNvPr id="139" name="사각형: 둥근 모서리 138">
+            <a:extLst>
+              <a:ext uri="{FF2B5EF4-FFF2-40B4-BE49-F238E27FC236}">
+                <a16:creationId xmlns:a16="http://schemas.microsoft.com/office/drawing/2014/main" id="{2F6FA6AE-6053-40E8-956B-F638F1B71B42}"/>
+              </a:ext>
+            </a:extLst>
+          </p:cNvPr>
+          <p:cNvSpPr/>
+          <p:nvPr/>
+        </p:nvSpPr>
+        <p:spPr>
+          <a:xfrm>
+            <a:off x="7868347" y="1493125"/>
+            <a:ext cx="315932" cy="291027"/>
+          </a:xfrm>
+          <a:prstGeom prst="roundRect">
+            <a:avLst>
+              <a:gd name="adj" fmla="val 50000"/>
+            </a:avLst>
+          </a:prstGeom>
+          <a:solidFill>
+            <a:schemeClr val="accent2">
+              <a:lumMod val="20000"/>
+              <a:lumOff val="80000"/>
+            </a:schemeClr>
+          </a:solidFill>
+        </p:spPr>
+        <p:style>
+          <a:lnRef idx="2">
+            <a:schemeClr val="dk1"/>
+          </a:lnRef>
+          <a:fillRef idx="1">
+            <a:schemeClr val="lt1"/>
+          </a:fillRef>
+          <a:effectRef idx="0">
+            <a:schemeClr val="dk1"/>
+          </a:effectRef>
+          <a:fontRef idx="minor">
+            <a:schemeClr val="dk1"/>
+          </a:fontRef>
+        </p:style>
+        <p:txBody>
+          <a:bodyPr rtlCol="0" anchor="ctr"/>
+          <a:lstStyle/>
+          <a:p>
+            <a:pPr algn="ctr"/>
+            <a:r>
+              <a:rPr lang="en-US" altLang="ko-KR" sz="1200"/>
+              <a:t>G</a:t>
+            </a:r>
+            <a:endParaRPr lang="ko-KR" altLang="en-US" sz="1200"/>
+          </a:p>
+        </p:txBody>
+      </p:sp>
+      <p:sp>
+        <p:nvSpPr>
+          <p:cNvPr id="169" name="사각형: 둥근 모서리 168">
+            <a:extLst>
+              <a:ext uri="{FF2B5EF4-FFF2-40B4-BE49-F238E27FC236}">
+                <a16:creationId xmlns:a16="http://schemas.microsoft.com/office/drawing/2014/main" id="{B22F5208-F143-473B-8300-167E52C3C26F}"/>
+              </a:ext>
+            </a:extLst>
+          </p:cNvPr>
+          <p:cNvSpPr/>
+          <p:nvPr/>
+        </p:nvSpPr>
+        <p:spPr>
+          <a:xfrm>
+            <a:off x="1603737" y="4299942"/>
+            <a:ext cx="1997154" cy="290402"/>
+          </a:xfrm>
+          <a:prstGeom prst="roundRect">
+            <a:avLst/>
+          </a:prstGeom>
+          <a:noFill/>
+          <a:ln>
+            <a:noFill/>
+            <a:prstDash val="dash"/>
+          </a:ln>
+        </p:spPr>
+        <p:style>
+          <a:lnRef idx="2">
+            <a:schemeClr val="dk1"/>
+          </a:lnRef>
+          <a:fillRef idx="1">
+            <a:schemeClr val="lt1"/>
+          </a:fillRef>
+          <a:effectRef idx="0">
+            <a:schemeClr val="dk1"/>
+          </a:effectRef>
+          <a:fontRef idx="minor">
+            <a:schemeClr val="dk1"/>
+          </a:fontRef>
+        </p:style>
+        <p:txBody>
+          <a:bodyPr rtlCol="0" anchor="ctr"/>
+          <a:lstStyle/>
+          <a:p>
+            <a:pPr algn="ctr"/>
+            <a:r>
+              <a:rPr lang="en-US" altLang="ko-KR" sz="1400" b="1"/>
+              <a:t>Enqueue Goroutine</a:t>
+            </a:r>
+            <a:endParaRPr lang="ko-KR" altLang="en-US" sz="1600" b="1"/>
+          </a:p>
+        </p:txBody>
+      </p:sp>
+      <p:sp>
+        <p:nvSpPr>
+          <p:cNvPr id="170" name="사각형: 둥근 모서리 169">
+            <a:extLst>
+              <a:ext uri="{FF2B5EF4-FFF2-40B4-BE49-F238E27FC236}">
+                <a16:creationId xmlns:a16="http://schemas.microsoft.com/office/drawing/2014/main" id="{841E2F09-A8EA-4B82-8A64-CAC230046010}"/>
+              </a:ext>
+            </a:extLst>
+          </p:cNvPr>
+          <p:cNvSpPr/>
+          <p:nvPr/>
+        </p:nvSpPr>
+        <p:spPr>
+          <a:xfrm>
+            <a:off x="6029159" y="4299942"/>
+            <a:ext cx="1997154" cy="290402"/>
+          </a:xfrm>
+          <a:prstGeom prst="roundRect">
+            <a:avLst/>
+          </a:prstGeom>
+          <a:noFill/>
+          <a:ln>
+            <a:noFill/>
+            <a:prstDash val="dash"/>
+          </a:ln>
+        </p:spPr>
+        <p:style>
+          <a:lnRef idx="2">
+            <a:schemeClr val="dk1"/>
+          </a:lnRef>
+          <a:fillRef idx="1">
+            <a:schemeClr val="lt1"/>
+          </a:fillRef>
+          <a:effectRef idx="0">
+            <a:schemeClr val="dk1"/>
+          </a:effectRef>
+          <a:fontRef idx="minor">
+            <a:schemeClr val="dk1"/>
+          </a:fontRef>
+        </p:style>
+        <p:txBody>
+          <a:bodyPr rtlCol="0" anchor="ctr"/>
+          <a:lstStyle/>
+          <a:p>
+            <a:pPr algn="ctr"/>
+            <a:r>
+              <a:rPr lang="en-US" altLang="ko-KR" sz="1400" b="1"/>
+              <a:t>Dequeue Goroutine</a:t>
+            </a:r>
+            <a:endParaRPr lang="ko-KR" altLang="en-US" sz="1600" b="1"/>
+          </a:p>
+        </p:txBody>
+      </p:sp>
+      <p:sp>
+        <p:nvSpPr>
+          <p:cNvPr id="171" name="자유형: 도형 170">
+            <a:extLst>
+              <a:ext uri="{FF2B5EF4-FFF2-40B4-BE49-F238E27FC236}">
+                <a16:creationId xmlns:a16="http://schemas.microsoft.com/office/drawing/2014/main" id="{DF7D6A62-5A74-4D7E-B75F-85258FC9075F}"/>
+              </a:ext>
+            </a:extLst>
+          </p:cNvPr>
+          <p:cNvSpPr/>
+          <p:nvPr/>
+        </p:nvSpPr>
+        <p:spPr>
+          <a:xfrm>
+            <a:off x="4884725" y="2393850"/>
+            <a:ext cx="3141588" cy="79165"/>
+          </a:xfrm>
+          <a:custGeom>
+            <a:avLst/>
+            <a:gdLst>
+              <a:gd name="connsiteX0" fmla="*/ 1498600 w 1498600"/>
+              <a:gd name="connsiteY0" fmla="*/ 311150 h 311150"/>
+              <a:gd name="connsiteX1" fmla="*/ 1498600 w 1498600"/>
+              <a:gd name="connsiteY1" fmla="*/ 311150 h 311150"/>
+              <a:gd name="connsiteX2" fmla="*/ 1498600 w 1498600"/>
+              <a:gd name="connsiteY2" fmla="*/ 0 h 311150"/>
+              <a:gd name="connsiteX3" fmla="*/ 0 w 1498600"/>
+              <a:gd name="connsiteY3" fmla="*/ 0 h 311150"/>
+            </a:gdLst>
+            <a:ahLst/>
+            <a:cxnLst>
+              <a:cxn ang="0">
+                <a:pos x="connsiteX0" y="connsiteY0"/>
+              </a:cxn>
+              <a:cxn ang="0">
+                <a:pos x="connsiteX1" y="connsiteY1"/>
+              </a:cxn>
+              <a:cxn ang="0">
+                <a:pos x="connsiteX2" y="connsiteY2"/>
+              </a:cxn>
+              <a:cxn ang="0">
+                <a:pos x="connsiteX3" y="connsiteY3"/>
+              </a:cxn>
+            </a:cxnLst>
+            <a:rect l="l" t="t" r="r" b="b"/>
+            <a:pathLst>
+              <a:path w="1498600" h="311150">
+                <a:moveTo>
+                  <a:pt x="1498600" y="311150"/>
+                </a:moveTo>
+                <a:lnTo>
+                  <a:pt x="1498600" y="311150"/>
+                </a:lnTo>
+                <a:lnTo>
+                  <a:pt x="1498600" y="0"/>
+                </a:lnTo>
+                <a:lnTo>
+                  <a:pt x="0" y="0"/>
+                </a:lnTo>
+              </a:path>
+            </a:pathLst>
+          </a:custGeom>
+          <a:noFill/>
+          <a:ln w="19050">
+            <a:solidFill>
+              <a:schemeClr val="tx1"/>
+            </a:solidFill>
+            <a:headEnd type="none" w="med" len="med"/>
+            <a:tailEnd type="arrow" w="med" len="med"/>
+          </a:ln>
+        </p:spPr>
+        <p:style>
+          <a:lnRef idx="2">
+            <a:schemeClr val="accent1">
+              <a:shade val="50000"/>
+            </a:schemeClr>
+          </a:lnRef>
+          <a:fillRef idx="1">
+            <a:schemeClr val="accent1"/>
+          </a:fillRef>
+          <a:effectRef idx="0">
+            <a:schemeClr val="accent1"/>
+          </a:effectRef>
+          <a:fontRef idx="minor">
+            <a:schemeClr val="lt1"/>
+          </a:fontRef>
+        </p:style>
+        <p:txBody>
+          <a:bodyPr rtlCol="0" anchor="ctr"/>
+          <a:lstStyle/>
+          <a:p>
+            <a:pPr algn="ctr"/>
+            <a:endParaRPr lang="ko-KR" altLang="en-US"/>
+          </a:p>
+        </p:txBody>
+      </p:sp>
+      <p:sp>
+        <p:nvSpPr>
+          <p:cNvPr id="172" name="사각형: 둥근 모서리 171">
+            <a:extLst>
+              <a:ext uri="{FF2B5EF4-FFF2-40B4-BE49-F238E27FC236}">
+                <a16:creationId xmlns:a16="http://schemas.microsoft.com/office/drawing/2014/main" id="{CA00F29A-7171-42B3-822D-37DEF05B1C36}"/>
+              </a:ext>
+            </a:extLst>
+          </p:cNvPr>
+          <p:cNvSpPr/>
+          <p:nvPr/>
+        </p:nvSpPr>
+        <p:spPr>
+          <a:xfrm>
+            <a:off x="5967507" y="1493125"/>
+            <a:ext cx="315932" cy="291027"/>
+          </a:xfrm>
+          <a:prstGeom prst="roundRect">
+            <a:avLst>
+              <a:gd name="adj" fmla="val 50000"/>
+            </a:avLst>
+          </a:prstGeom>
+          <a:solidFill>
+            <a:schemeClr val="bg1">
+              <a:lumMod val="85000"/>
+            </a:schemeClr>
+          </a:solidFill>
+        </p:spPr>
+        <p:style>
+          <a:lnRef idx="2">
+            <a:schemeClr val="dk1"/>
+          </a:lnRef>
+          <a:fillRef idx="1">
+            <a:schemeClr val="lt1"/>
+          </a:fillRef>
+          <a:effectRef idx="0">
+            <a:schemeClr val="dk1"/>
+          </a:effectRef>
+          <a:fontRef idx="minor">
+            <a:schemeClr val="dk1"/>
+          </a:fontRef>
+        </p:style>
+        <p:txBody>
+          <a:bodyPr rtlCol="0" anchor="ctr"/>
+          <a:lstStyle/>
+          <a:p>
+            <a:pPr algn="ctr"/>
+            <a:r>
+              <a:rPr lang="en-US" altLang="ko-KR" sz="1200"/>
+              <a:t>G</a:t>
+            </a:r>
+            <a:endParaRPr lang="ko-KR" altLang="en-US" sz="1200"/>
+          </a:p>
+        </p:txBody>
+      </p:sp>
+      <p:sp>
+        <p:nvSpPr>
+          <p:cNvPr id="174" name="사각형: 둥근 모서리 173">
+            <a:extLst>
+              <a:ext uri="{FF2B5EF4-FFF2-40B4-BE49-F238E27FC236}">
+                <a16:creationId xmlns:a16="http://schemas.microsoft.com/office/drawing/2014/main" id="{03A6545C-9736-4AD4-9E16-6239ED9F527B}"/>
+              </a:ext>
+            </a:extLst>
+          </p:cNvPr>
+          <p:cNvSpPr/>
+          <p:nvPr/>
+        </p:nvSpPr>
+        <p:spPr>
+          <a:xfrm>
+            <a:off x="5967507" y="2540533"/>
+            <a:ext cx="315932" cy="291027"/>
+          </a:xfrm>
+          <a:prstGeom prst="roundRect">
+            <a:avLst>
+              <a:gd name="adj" fmla="val 50000"/>
+            </a:avLst>
+          </a:prstGeom>
+          <a:solidFill>
+            <a:schemeClr val="bg1">
+              <a:lumMod val="85000"/>
+            </a:schemeClr>
+          </a:solidFill>
+        </p:spPr>
+        <p:style>
+          <a:lnRef idx="2">
+            <a:schemeClr val="dk1"/>
+          </a:lnRef>
+          <a:fillRef idx="1">
+            <a:schemeClr val="lt1"/>
+          </a:fillRef>
+          <a:effectRef idx="0">
+            <a:schemeClr val="dk1"/>
+          </a:effectRef>
+          <a:fontRef idx="minor">
+            <a:schemeClr val="dk1"/>
+          </a:fontRef>
+        </p:style>
+        <p:txBody>
+          <a:bodyPr rtlCol="0" anchor="ctr"/>
+          <a:lstStyle/>
+          <a:p>
+            <a:pPr algn="ctr"/>
+            <a:r>
+              <a:rPr lang="en-US" altLang="ko-KR" sz="1200"/>
+              <a:t>G</a:t>
+            </a:r>
+            <a:endParaRPr lang="ko-KR" altLang="en-US" sz="1200"/>
+          </a:p>
+        </p:txBody>
+      </p:sp>
+      <p:sp>
+        <p:nvSpPr>
+          <p:cNvPr id="175" name="사각형: 둥근 모서리 174">
+            <a:extLst>
+              <a:ext uri="{FF2B5EF4-FFF2-40B4-BE49-F238E27FC236}">
+                <a16:creationId xmlns:a16="http://schemas.microsoft.com/office/drawing/2014/main" id="{2097CBC6-7E60-44C9-9469-CD998F6AD46B}"/>
+              </a:ext>
+            </a:extLst>
+          </p:cNvPr>
+          <p:cNvSpPr/>
+          <p:nvPr/>
+        </p:nvSpPr>
+        <p:spPr>
+          <a:xfrm>
+            <a:off x="5567134" y="3649499"/>
+            <a:ext cx="315932" cy="291027"/>
+          </a:xfrm>
+          <a:prstGeom prst="roundRect">
+            <a:avLst>
+              <a:gd name="adj" fmla="val 50000"/>
+            </a:avLst>
+          </a:prstGeom>
+          <a:solidFill>
+            <a:schemeClr val="bg1">
+              <a:lumMod val="85000"/>
+            </a:schemeClr>
+          </a:solidFill>
+        </p:spPr>
+        <p:style>
+          <a:lnRef idx="2">
+            <a:schemeClr val="dk1"/>
+          </a:lnRef>
+          <a:fillRef idx="1">
+            <a:schemeClr val="lt1"/>
+          </a:fillRef>
+          <a:effectRef idx="0">
+            <a:schemeClr val="dk1"/>
+          </a:effectRef>
+          <a:fontRef idx="minor">
+            <a:schemeClr val="dk1"/>
+          </a:fontRef>
+        </p:style>
+        <p:txBody>
+          <a:bodyPr rtlCol="0" anchor="ctr"/>
+          <a:lstStyle/>
+          <a:p>
+            <a:pPr algn="ctr"/>
+            <a:r>
+              <a:rPr lang="en-US" altLang="ko-KR" sz="1200"/>
+              <a:t>G</a:t>
+            </a:r>
+            <a:endParaRPr lang="ko-KR" altLang="en-US" sz="1200"/>
+          </a:p>
+        </p:txBody>
+      </p:sp>
+      <p:sp>
+        <p:nvSpPr>
+          <p:cNvPr id="18" name="화살표: 아래쪽 17">
+            <a:extLst>
+              <a:ext uri="{FF2B5EF4-FFF2-40B4-BE49-F238E27FC236}">
+                <a16:creationId xmlns:a16="http://schemas.microsoft.com/office/drawing/2014/main" id="{08ED775F-44CA-4DAF-BAA6-E920078AAD2F}"/>
+              </a:ext>
+            </a:extLst>
+          </p:cNvPr>
+          <p:cNvSpPr/>
+          <p:nvPr/>
+        </p:nvSpPr>
+        <p:spPr>
+          <a:xfrm>
+            <a:off x="2459305" y="2131238"/>
+            <a:ext cx="288029" cy="145511"/>
+          </a:xfrm>
+          <a:prstGeom prst="downArrow">
+            <a:avLst/>
+          </a:prstGeom>
+          <a:solidFill>
+            <a:schemeClr val="tx1"/>
+          </a:solidFill>
+          <a:ln>
+            <a:noFill/>
+          </a:ln>
+        </p:spPr>
+        <p:style>
+          <a:lnRef idx="2">
+            <a:schemeClr val="accent1">
+              <a:shade val="50000"/>
+            </a:schemeClr>
+          </a:lnRef>
+          <a:fillRef idx="1">
+            <a:schemeClr val="accent1"/>
+          </a:fillRef>
+          <a:effectRef idx="0">
+            <a:schemeClr val="accent1"/>
+          </a:effectRef>
+          <a:fontRef idx="minor">
+            <a:schemeClr val="lt1"/>
+          </a:fontRef>
+        </p:style>
+        <p:txBody>
+          <a:bodyPr rtlCol="0" anchor="ctr"/>
+          <a:lstStyle/>
+          <a:p>
+            <a:pPr algn="ctr"/>
+            <a:endParaRPr lang="ko-KR" altLang="en-US"/>
+          </a:p>
+        </p:txBody>
+      </p:sp>
+      <p:cxnSp>
+        <p:nvCxnSpPr>
+          <p:cNvPr id="179" name="직선 화살표 연결선 178">
+            <a:extLst>
+              <a:ext uri="{FF2B5EF4-FFF2-40B4-BE49-F238E27FC236}">
+                <a16:creationId xmlns:a16="http://schemas.microsoft.com/office/drawing/2014/main" id="{E263D43C-C7C3-44D3-AA0B-567D7E5645A1}"/>
+              </a:ext>
+            </a:extLst>
+          </p:cNvPr>
+          <p:cNvCxnSpPr>
+            <a:cxnSpLocks/>
+          </p:cNvCxnSpPr>
+          <p:nvPr/>
+        </p:nvCxnSpPr>
+        <p:spPr>
+          <a:xfrm flipH="1">
+            <a:off x="3830297" y="2680384"/>
+            <a:ext cx="227335" cy="0"/>
+          </a:xfrm>
+          <a:prstGeom prst="straightConnector1">
+            <a:avLst/>
+          </a:prstGeom>
+          <a:ln w="19050">
+            <a:solidFill>
+              <a:schemeClr val="tx1"/>
+            </a:solidFill>
+            <a:headEnd type="none" w="med" len="med"/>
+            <a:tailEnd type="arrow" w="med" len="med"/>
+          </a:ln>
+        </p:spPr>
+        <p:style>
+          <a:lnRef idx="1">
+            <a:schemeClr val="accent1"/>
+          </a:lnRef>
+          <a:fillRef idx="0">
+            <a:schemeClr val="accent1"/>
+          </a:fillRef>
+          <a:effectRef idx="0">
+            <a:schemeClr val="accent1"/>
+          </a:effectRef>
+          <a:fontRef idx="minor">
+            <a:schemeClr val="tx1"/>
+          </a:fontRef>
+        </p:style>
+      </p:cxnSp>
+      <p:cxnSp>
+        <p:nvCxnSpPr>
+          <p:cNvPr id="180" name="직선 화살표 연결선 179">
+            <a:extLst>
+              <a:ext uri="{FF2B5EF4-FFF2-40B4-BE49-F238E27FC236}">
+                <a16:creationId xmlns:a16="http://schemas.microsoft.com/office/drawing/2014/main" id="{CDA2B890-E489-4736-A0CA-1E6D2088017F}"/>
+              </a:ext>
+            </a:extLst>
+          </p:cNvPr>
+          <p:cNvCxnSpPr>
+            <a:cxnSpLocks/>
+          </p:cNvCxnSpPr>
+          <p:nvPr/>
+        </p:nvCxnSpPr>
+        <p:spPr>
+          <a:xfrm flipH="1">
+            <a:off x="4860032" y="3796509"/>
+            <a:ext cx="227335" cy="0"/>
+          </a:xfrm>
+          <a:prstGeom prst="straightConnector1">
+            <a:avLst/>
+          </a:prstGeom>
+          <a:ln w="19050">
+            <a:solidFill>
+              <a:schemeClr val="tx1"/>
+            </a:solidFill>
+            <a:headEnd type="none" w="med" len="med"/>
+            <a:tailEnd type="arrow" w="med" len="med"/>
+          </a:ln>
+        </p:spPr>
+        <p:style>
+          <a:lnRef idx="1">
+            <a:schemeClr val="accent1"/>
+          </a:lnRef>
+          <a:fillRef idx="0">
+            <a:schemeClr val="accent1"/>
+          </a:fillRef>
+          <a:effectRef idx="0">
+            <a:schemeClr val="accent1"/>
+          </a:effectRef>
+          <a:fontRef idx="minor">
+            <a:schemeClr val="tx1"/>
+          </a:fontRef>
+        </p:style>
+      </p:cxnSp>
+      <p:sp>
+        <p:nvSpPr>
+          <p:cNvPr id="181" name="화살표: 아래쪽 180">
+            <a:extLst>
+              <a:ext uri="{FF2B5EF4-FFF2-40B4-BE49-F238E27FC236}">
+                <a16:creationId xmlns:a16="http://schemas.microsoft.com/office/drawing/2014/main" id="{9D94A025-2C32-4B24-B393-86AA2AB432B8}"/>
+              </a:ext>
+            </a:extLst>
+          </p:cNvPr>
+          <p:cNvSpPr/>
+          <p:nvPr/>
+        </p:nvSpPr>
+        <p:spPr>
+          <a:xfrm>
+            <a:off x="2459305" y="3249715"/>
+            <a:ext cx="288029" cy="145511"/>
+          </a:xfrm>
+          <a:prstGeom prst="downArrow">
+            <a:avLst/>
+          </a:prstGeom>
+          <a:solidFill>
+            <a:schemeClr val="tx1"/>
+          </a:solidFill>
+          <a:ln>
+            <a:noFill/>
+          </a:ln>
+        </p:spPr>
+        <p:style>
+          <a:lnRef idx="2">
+            <a:schemeClr val="accent1">
+              <a:shade val="50000"/>
+            </a:schemeClr>
+          </a:lnRef>
+          <a:fillRef idx="1">
+            <a:schemeClr val="accent1"/>
+          </a:fillRef>
+          <a:effectRef idx="0">
+            <a:schemeClr val="accent1"/>
+          </a:effectRef>
+          <a:fontRef idx="minor">
+            <a:schemeClr val="lt1"/>
+          </a:fontRef>
+        </p:style>
+        <p:txBody>
+          <a:bodyPr rtlCol="0" anchor="ctr"/>
+          <a:lstStyle/>
+          <a:p>
+            <a:pPr algn="ctr"/>
+            <a:endParaRPr lang="ko-KR" altLang="en-US"/>
+          </a:p>
+        </p:txBody>
+      </p:sp>
+      <p:sp>
+        <p:nvSpPr>
+          <p:cNvPr id="182" name="화살표: 아래쪽 181">
+            <a:extLst>
+              <a:ext uri="{FF2B5EF4-FFF2-40B4-BE49-F238E27FC236}">
+                <a16:creationId xmlns:a16="http://schemas.microsoft.com/office/drawing/2014/main" id="{C8C7C634-8712-41B8-9A6D-F8D1390A6328}"/>
+              </a:ext>
+            </a:extLst>
+          </p:cNvPr>
+          <p:cNvSpPr/>
+          <p:nvPr/>
+        </p:nvSpPr>
+        <p:spPr>
+          <a:xfrm>
+            <a:off x="6828798" y="2131238"/>
+            <a:ext cx="288029" cy="145511"/>
+          </a:xfrm>
+          <a:prstGeom prst="downArrow">
+            <a:avLst/>
+          </a:prstGeom>
+          <a:solidFill>
+            <a:schemeClr val="tx1"/>
+          </a:solidFill>
+          <a:ln>
+            <a:noFill/>
+          </a:ln>
+        </p:spPr>
+        <p:style>
+          <a:lnRef idx="2">
+            <a:schemeClr val="accent1">
+              <a:shade val="50000"/>
+            </a:schemeClr>
+          </a:lnRef>
+          <a:fillRef idx="1">
+            <a:schemeClr val="accent1"/>
+          </a:fillRef>
+          <a:effectRef idx="0">
+            <a:schemeClr val="accent1"/>
+          </a:effectRef>
+          <a:fontRef idx="minor">
+            <a:schemeClr val="lt1"/>
+          </a:fontRef>
+        </p:style>
+        <p:txBody>
+          <a:bodyPr rtlCol="0" anchor="ctr"/>
+          <a:lstStyle/>
+          <a:p>
+            <a:pPr algn="ctr"/>
+            <a:endParaRPr lang="ko-KR" altLang="en-US"/>
+          </a:p>
+        </p:txBody>
+      </p:sp>
+      <p:sp>
+        <p:nvSpPr>
+          <p:cNvPr id="183" name="화살표: 아래쪽 182">
+            <a:extLst>
+              <a:ext uri="{FF2B5EF4-FFF2-40B4-BE49-F238E27FC236}">
+                <a16:creationId xmlns:a16="http://schemas.microsoft.com/office/drawing/2014/main" id="{3C3E0264-30B8-4511-AB57-6B8EE0724CB4}"/>
+              </a:ext>
+            </a:extLst>
+          </p:cNvPr>
+          <p:cNvSpPr/>
+          <p:nvPr/>
+        </p:nvSpPr>
+        <p:spPr>
+          <a:xfrm>
+            <a:off x="6828798" y="3249715"/>
+            <a:ext cx="288029" cy="145511"/>
+          </a:xfrm>
+          <a:prstGeom prst="downArrow">
+            <a:avLst/>
+          </a:prstGeom>
+          <a:solidFill>
+            <a:schemeClr val="tx1"/>
+          </a:solidFill>
+          <a:ln>
+            <a:noFill/>
+          </a:ln>
+        </p:spPr>
+        <p:style>
+          <a:lnRef idx="2">
+            <a:schemeClr val="accent1">
+              <a:shade val="50000"/>
+            </a:schemeClr>
+          </a:lnRef>
+          <a:fillRef idx="1">
+            <a:schemeClr val="accent1"/>
+          </a:fillRef>
+          <a:effectRef idx="0">
+            <a:schemeClr val="accent1"/>
+          </a:effectRef>
+          <a:fontRef idx="minor">
+            <a:schemeClr val="lt1"/>
+          </a:fontRef>
+        </p:style>
+        <p:txBody>
+          <a:bodyPr rtlCol="0" anchor="ctr"/>
+          <a:lstStyle/>
+          <a:p>
+            <a:pPr algn="ctr"/>
+            <a:endParaRPr lang="ko-KR" altLang="en-US"/>
+          </a:p>
+        </p:txBody>
+      </p:sp>
+    </p:spTree>
+    <p:extLst>
+      <p:ext uri="{BB962C8B-B14F-4D97-AF65-F5344CB8AC3E}">
+        <p14:creationId xmlns:p14="http://schemas.microsoft.com/office/powerpoint/2010/main" val="3528892187"/>
+      </p:ext>
+    </p:extLst>
+  </p:cSld>
+  <p:clrMapOvr>
+    <a:masterClrMapping/>
+  </p:clrMapOvr>
+</p:sld>
+</file>
+
+<file path=ppt/slides/slide3.xml><?xml version="1.0" encoding="utf-8"?>
+<p:sld xmlns:a="http://schemas.openxmlformats.org/drawingml/2006/main" xmlns:r="http://schemas.openxmlformats.org/officeDocument/2006/relationships" xmlns:p="http://schemas.openxmlformats.org/presentationml/2006/main">
+  <p:cSld>
+    <p:spTree>
+      <p:nvGrpSpPr>
+        <p:cNvPr id="1" name=""/>
+        <p:cNvGrpSpPr/>
+        <p:nvPr/>
+      </p:nvGrpSpPr>
+      <p:grpSpPr>
+        <a:xfrm>
+          <a:off x="0" y="0"/>
+          <a:ext cx="0" cy="0"/>
+          <a:chOff x="0" y="0"/>
+          <a:chExt cx="0" cy="0"/>
+        </a:xfrm>
+      </p:grpSpPr>
     </p:spTree>
     <p:extLst>
       <p:ext uri="{BB962C8B-B14F-4D97-AF65-F5344CB8AC3E}">
@@ -7436,7 +10437,717 @@
 </p:sld>
 </file>
 
-<file path=ppt/slides/slide3.xml><?xml version="1.0" encoding="utf-8"?>
+<file path=ppt/slides/slide4.xml><?xml version="1.0" encoding="utf-8"?>
+<p:sld xmlns:a="http://schemas.openxmlformats.org/drawingml/2006/main" xmlns:r="http://schemas.openxmlformats.org/officeDocument/2006/relationships" xmlns:p="http://schemas.openxmlformats.org/presentationml/2006/main">
+  <p:cSld>
+    <p:spTree>
+      <p:nvGrpSpPr>
+        <p:cNvPr id="1" name=""/>
+        <p:cNvGrpSpPr/>
+        <p:nvPr/>
+      </p:nvGrpSpPr>
+      <p:grpSpPr>
+        <a:xfrm>
+          <a:off x="0" y="0"/>
+          <a:ext cx="0" cy="0"/>
+          <a:chOff x="0" y="0"/>
+          <a:chExt cx="0" cy="0"/>
+        </a:xfrm>
+      </p:grpSpPr>
+      <p:sp>
+        <p:nvSpPr>
+          <p:cNvPr id="2" name="제목 1"/>
+          <p:cNvSpPr>
+            <a:spLocks noGrp="1"/>
+          </p:cNvSpPr>
+          <p:nvPr>
+            <p:ph type="title"/>
+          </p:nvPr>
+        </p:nvSpPr>
+        <p:spPr>
+          <a:xfrm>
+            <a:off x="565354" y="130324"/>
+            <a:ext cx="8229600" cy="857250"/>
+          </a:xfrm>
+        </p:spPr>
+        <p:txBody>
+          <a:bodyPr/>
+          <a:lstStyle/>
+          <a:p>
+            <a:r>
+              <a:rPr lang="en-US" altLang="ko-KR"/>
+              <a:t>LRQ Scheduler</a:t>
+            </a:r>
+            <a:endParaRPr lang="ko-KR" altLang="en-US"/>
+          </a:p>
+        </p:txBody>
+      </p:sp>
+      <p:sp>
+        <p:nvSpPr>
+          <p:cNvPr id="76" name="사각형: 둥근 모서리 75">
+            <a:extLst>
+              <a:ext uri="{FF2B5EF4-FFF2-40B4-BE49-F238E27FC236}">
+                <a16:creationId xmlns:a16="http://schemas.microsoft.com/office/drawing/2014/main" id="{73A3F856-F52B-49E5-999B-2A68E86AD444}"/>
+              </a:ext>
+            </a:extLst>
+          </p:cNvPr>
+          <p:cNvSpPr/>
+          <p:nvPr/>
+        </p:nvSpPr>
+        <p:spPr>
+          <a:xfrm>
+            <a:off x="2915816" y="2356349"/>
+            <a:ext cx="2232248" cy="432048"/>
+          </a:xfrm>
+          <a:prstGeom prst="roundRect">
+            <a:avLst>
+              <a:gd name="adj" fmla="val 10349"/>
+            </a:avLst>
+          </a:prstGeom>
+        </p:spPr>
+        <p:style>
+          <a:lnRef idx="2">
+            <a:schemeClr val="dk1"/>
+          </a:lnRef>
+          <a:fillRef idx="1">
+            <a:schemeClr val="lt1"/>
+          </a:fillRef>
+          <a:effectRef idx="0">
+            <a:schemeClr val="dk1"/>
+          </a:effectRef>
+          <a:fontRef idx="minor">
+            <a:schemeClr val="dk1"/>
+          </a:fontRef>
+        </p:style>
+        <p:txBody>
+          <a:bodyPr rtlCol="0" anchor="b"/>
+          <a:lstStyle/>
+          <a:p>
+            <a:pPr algn="ctr"/>
+            <a:endParaRPr lang="ko-KR" altLang="en-US" sz="1200"/>
+          </a:p>
+        </p:txBody>
+      </p:sp>
+      <p:sp>
+        <p:nvSpPr>
+          <p:cNvPr id="85" name="사각형: 둥근 모서리 84">
+            <a:extLst>
+              <a:ext uri="{FF2B5EF4-FFF2-40B4-BE49-F238E27FC236}">
+                <a16:creationId xmlns:a16="http://schemas.microsoft.com/office/drawing/2014/main" id="{2D89B3C4-0926-46DE-8A08-DB44A26B2174}"/>
+              </a:ext>
+            </a:extLst>
+          </p:cNvPr>
+          <p:cNvSpPr/>
+          <p:nvPr/>
+        </p:nvSpPr>
+        <p:spPr>
+          <a:xfrm>
+            <a:off x="2987824" y="2426859"/>
+            <a:ext cx="315932" cy="291027"/>
+          </a:xfrm>
+          <a:prstGeom prst="roundRect">
+            <a:avLst>
+              <a:gd name="adj" fmla="val 50000"/>
+            </a:avLst>
+          </a:prstGeom>
+          <a:solidFill>
+            <a:schemeClr val="bg1">
+              <a:lumMod val="85000"/>
+            </a:schemeClr>
+          </a:solidFill>
+        </p:spPr>
+        <p:style>
+          <a:lnRef idx="2">
+            <a:schemeClr val="dk1"/>
+          </a:lnRef>
+          <a:fillRef idx="1">
+            <a:schemeClr val="lt1"/>
+          </a:fillRef>
+          <a:effectRef idx="0">
+            <a:schemeClr val="dk1"/>
+          </a:effectRef>
+          <a:fontRef idx="minor">
+            <a:schemeClr val="dk1"/>
+          </a:fontRef>
+        </p:style>
+        <p:txBody>
+          <a:bodyPr rtlCol="0" anchor="ctr"/>
+          <a:lstStyle/>
+          <a:p>
+            <a:pPr algn="ctr"/>
+            <a:r>
+              <a:rPr lang="en-US" altLang="ko-KR" sz="1200"/>
+              <a:t>G</a:t>
+            </a:r>
+            <a:endParaRPr lang="ko-KR" altLang="en-US" sz="1200"/>
+          </a:p>
+        </p:txBody>
+      </p:sp>
+      <p:sp>
+        <p:nvSpPr>
+          <p:cNvPr id="86" name="사각형: 둥근 모서리 85">
+            <a:extLst>
+              <a:ext uri="{FF2B5EF4-FFF2-40B4-BE49-F238E27FC236}">
+                <a16:creationId xmlns:a16="http://schemas.microsoft.com/office/drawing/2014/main" id="{235BEEBE-5387-4B88-9F7E-A56FD6AC4363}"/>
+              </a:ext>
+            </a:extLst>
+          </p:cNvPr>
+          <p:cNvSpPr/>
+          <p:nvPr/>
+        </p:nvSpPr>
+        <p:spPr>
+          <a:xfrm>
+            <a:off x="3391664" y="2426859"/>
+            <a:ext cx="315932" cy="291027"/>
+          </a:xfrm>
+          <a:prstGeom prst="roundRect">
+            <a:avLst>
+              <a:gd name="adj" fmla="val 50000"/>
+            </a:avLst>
+          </a:prstGeom>
+          <a:solidFill>
+            <a:schemeClr val="bg1">
+              <a:lumMod val="85000"/>
+            </a:schemeClr>
+          </a:solidFill>
+        </p:spPr>
+        <p:style>
+          <a:lnRef idx="2">
+            <a:schemeClr val="dk1"/>
+          </a:lnRef>
+          <a:fillRef idx="1">
+            <a:schemeClr val="lt1"/>
+          </a:fillRef>
+          <a:effectRef idx="0">
+            <a:schemeClr val="dk1"/>
+          </a:effectRef>
+          <a:fontRef idx="minor">
+            <a:schemeClr val="dk1"/>
+          </a:fontRef>
+        </p:style>
+        <p:txBody>
+          <a:bodyPr rtlCol="0" anchor="ctr"/>
+          <a:lstStyle/>
+          <a:p>
+            <a:pPr algn="ctr"/>
+            <a:r>
+              <a:rPr lang="en-US" altLang="ko-KR" sz="1200"/>
+              <a:t>G</a:t>
+            </a:r>
+            <a:endParaRPr lang="ko-KR" altLang="en-US" sz="1200"/>
+          </a:p>
+        </p:txBody>
+      </p:sp>
+      <p:sp>
+        <p:nvSpPr>
+          <p:cNvPr id="87" name="사각형: 둥근 모서리 86">
+            <a:extLst>
+              <a:ext uri="{FF2B5EF4-FFF2-40B4-BE49-F238E27FC236}">
+                <a16:creationId xmlns:a16="http://schemas.microsoft.com/office/drawing/2014/main" id="{738F44FC-9C21-483D-BFDB-EE7DA1A75090}"/>
+              </a:ext>
+            </a:extLst>
+          </p:cNvPr>
+          <p:cNvSpPr/>
+          <p:nvPr/>
+        </p:nvSpPr>
+        <p:spPr>
+          <a:xfrm>
+            <a:off x="3784094" y="2426859"/>
+            <a:ext cx="315932" cy="291027"/>
+          </a:xfrm>
+          <a:prstGeom prst="roundRect">
+            <a:avLst>
+              <a:gd name="adj" fmla="val 50000"/>
+            </a:avLst>
+          </a:prstGeom>
+          <a:solidFill>
+            <a:schemeClr val="bg1">
+              <a:lumMod val="85000"/>
+            </a:schemeClr>
+          </a:solidFill>
+        </p:spPr>
+        <p:style>
+          <a:lnRef idx="2">
+            <a:schemeClr val="dk1"/>
+          </a:lnRef>
+          <a:fillRef idx="1">
+            <a:schemeClr val="lt1"/>
+          </a:fillRef>
+          <a:effectRef idx="0">
+            <a:schemeClr val="dk1"/>
+          </a:effectRef>
+          <a:fontRef idx="minor">
+            <a:schemeClr val="dk1"/>
+          </a:fontRef>
+        </p:style>
+        <p:txBody>
+          <a:bodyPr rtlCol="0" anchor="ctr"/>
+          <a:lstStyle/>
+          <a:p>
+            <a:pPr algn="ctr"/>
+            <a:r>
+              <a:rPr lang="en-US" altLang="ko-KR" sz="1200"/>
+              <a:t>G</a:t>
+            </a:r>
+            <a:endParaRPr lang="ko-KR" altLang="en-US" sz="1200"/>
+          </a:p>
+        </p:txBody>
+      </p:sp>
+      <p:sp>
+        <p:nvSpPr>
+          <p:cNvPr id="88" name="사각형: 둥근 모서리 87">
+            <a:extLst>
+              <a:ext uri="{FF2B5EF4-FFF2-40B4-BE49-F238E27FC236}">
+                <a16:creationId xmlns:a16="http://schemas.microsoft.com/office/drawing/2014/main" id="{5D861302-8443-4D33-8620-C5E70607ED8E}"/>
+              </a:ext>
+            </a:extLst>
+          </p:cNvPr>
+          <p:cNvSpPr/>
+          <p:nvPr/>
+        </p:nvSpPr>
+        <p:spPr>
+          <a:xfrm>
+            <a:off x="5625356" y="2356349"/>
+            <a:ext cx="458812" cy="432048"/>
+          </a:xfrm>
+          <a:prstGeom prst="roundRect">
+            <a:avLst>
+              <a:gd name="adj" fmla="val 10349"/>
+            </a:avLst>
+          </a:prstGeom>
+        </p:spPr>
+        <p:style>
+          <a:lnRef idx="2">
+            <a:schemeClr val="dk1"/>
+          </a:lnRef>
+          <a:fillRef idx="1">
+            <a:schemeClr val="lt1"/>
+          </a:fillRef>
+          <a:effectRef idx="0">
+            <a:schemeClr val="dk1"/>
+          </a:effectRef>
+          <a:fontRef idx="minor">
+            <a:schemeClr val="dk1"/>
+          </a:fontRef>
+        </p:style>
+        <p:txBody>
+          <a:bodyPr rtlCol="0" anchor="b"/>
+          <a:lstStyle/>
+          <a:p>
+            <a:pPr algn="ctr"/>
+            <a:endParaRPr lang="ko-KR" altLang="en-US" sz="1200"/>
+          </a:p>
+        </p:txBody>
+      </p:sp>
+      <p:sp>
+        <p:nvSpPr>
+          <p:cNvPr id="89" name="사각형: 둥근 모서리 88">
+            <a:extLst>
+              <a:ext uri="{FF2B5EF4-FFF2-40B4-BE49-F238E27FC236}">
+                <a16:creationId xmlns:a16="http://schemas.microsoft.com/office/drawing/2014/main" id="{5BFB0583-0081-401D-981C-233C0B91246E}"/>
+              </a:ext>
+            </a:extLst>
+          </p:cNvPr>
+          <p:cNvSpPr/>
+          <p:nvPr/>
+        </p:nvSpPr>
+        <p:spPr>
+          <a:xfrm>
+            <a:off x="5696796" y="2426859"/>
+            <a:ext cx="315932" cy="291027"/>
+          </a:xfrm>
+          <a:prstGeom prst="roundRect">
+            <a:avLst>
+              <a:gd name="adj" fmla="val 50000"/>
+            </a:avLst>
+          </a:prstGeom>
+          <a:solidFill>
+            <a:schemeClr val="bg1">
+              <a:lumMod val="85000"/>
+            </a:schemeClr>
+          </a:solidFill>
+        </p:spPr>
+        <p:style>
+          <a:lnRef idx="2">
+            <a:schemeClr val="dk1"/>
+          </a:lnRef>
+          <a:fillRef idx="1">
+            <a:schemeClr val="lt1"/>
+          </a:fillRef>
+          <a:effectRef idx="0">
+            <a:schemeClr val="dk1"/>
+          </a:effectRef>
+          <a:fontRef idx="minor">
+            <a:schemeClr val="dk1"/>
+          </a:fontRef>
+        </p:style>
+        <p:txBody>
+          <a:bodyPr rtlCol="0" anchor="ctr"/>
+          <a:lstStyle/>
+          <a:p>
+            <a:pPr algn="ctr"/>
+            <a:r>
+              <a:rPr lang="en-US" altLang="ko-KR" sz="1200"/>
+              <a:t>G</a:t>
+            </a:r>
+            <a:endParaRPr lang="ko-KR" altLang="en-US" sz="1200"/>
+          </a:p>
+        </p:txBody>
+      </p:sp>
+      <p:sp>
+        <p:nvSpPr>
+          <p:cNvPr id="90" name="사각형: 둥근 모서리 89">
+            <a:extLst>
+              <a:ext uri="{FF2B5EF4-FFF2-40B4-BE49-F238E27FC236}">
+                <a16:creationId xmlns:a16="http://schemas.microsoft.com/office/drawing/2014/main" id="{85B17D53-5694-4F00-9A38-62BF849DE6C8}"/>
+              </a:ext>
+            </a:extLst>
+          </p:cNvPr>
+          <p:cNvSpPr/>
+          <p:nvPr/>
+        </p:nvSpPr>
+        <p:spPr>
+          <a:xfrm>
+            <a:off x="3033363" y="2785404"/>
+            <a:ext cx="1997154" cy="290402"/>
+          </a:xfrm>
+          <a:prstGeom prst="roundRect">
+            <a:avLst/>
+          </a:prstGeom>
+          <a:noFill/>
+          <a:ln>
+            <a:noFill/>
+            <a:prstDash val="dash"/>
+          </a:ln>
+        </p:spPr>
+        <p:style>
+          <a:lnRef idx="2">
+            <a:schemeClr val="dk1"/>
+          </a:lnRef>
+          <a:fillRef idx="1">
+            <a:schemeClr val="lt1"/>
+          </a:fillRef>
+          <a:effectRef idx="0">
+            <a:schemeClr val="dk1"/>
+          </a:effectRef>
+          <a:fontRef idx="minor">
+            <a:schemeClr val="dk1"/>
+          </a:fontRef>
+        </p:style>
+        <p:txBody>
+          <a:bodyPr rtlCol="0" anchor="ctr"/>
+          <a:lstStyle/>
+          <a:p>
+            <a:pPr algn="ctr"/>
+            <a:r>
+              <a:rPr lang="en-US" altLang="ko-KR" sz="1200"/>
+              <a:t>FIFO</a:t>
+            </a:r>
+            <a:endParaRPr lang="ko-KR" altLang="en-US" sz="1400"/>
+          </a:p>
+        </p:txBody>
+      </p:sp>
+      <p:sp>
+        <p:nvSpPr>
+          <p:cNvPr id="91" name="사각형: 둥근 모서리 90">
+            <a:extLst>
+              <a:ext uri="{FF2B5EF4-FFF2-40B4-BE49-F238E27FC236}">
+                <a16:creationId xmlns:a16="http://schemas.microsoft.com/office/drawing/2014/main" id="{F3EF3A8C-AEF6-49D4-8695-36187B363DA3}"/>
+              </a:ext>
+            </a:extLst>
+          </p:cNvPr>
+          <p:cNvSpPr/>
+          <p:nvPr/>
+        </p:nvSpPr>
+        <p:spPr>
+          <a:xfrm>
+            <a:off x="4856185" y="2785404"/>
+            <a:ext cx="1997154" cy="290402"/>
+          </a:xfrm>
+          <a:prstGeom prst="roundRect">
+            <a:avLst/>
+          </a:prstGeom>
+          <a:noFill/>
+          <a:ln>
+            <a:noFill/>
+            <a:prstDash val="dash"/>
+          </a:ln>
+        </p:spPr>
+        <p:style>
+          <a:lnRef idx="2">
+            <a:schemeClr val="dk1"/>
+          </a:lnRef>
+          <a:fillRef idx="1">
+            <a:schemeClr val="lt1"/>
+          </a:fillRef>
+          <a:effectRef idx="0">
+            <a:schemeClr val="dk1"/>
+          </a:effectRef>
+          <a:fontRef idx="minor">
+            <a:schemeClr val="dk1"/>
+          </a:fontRef>
+        </p:style>
+        <p:txBody>
+          <a:bodyPr rtlCol="0" anchor="ctr"/>
+          <a:lstStyle/>
+          <a:p>
+            <a:pPr algn="ctr"/>
+            <a:r>
+              <a:rPr lang="en-US" altLang="ko-KR" sz="1200"/>
+              <a:t>LIFO</a:t>
+            </a:r>
+            <a:endParaRPr lang="ko-KR" altLang="en-US" sz="1400"/>
+          </a:p>
+        </p:txBody>
+      </p:sp>
+      <p:cxnSp>
+        <p:nvCxnSpPr>
+          <p:cNvPr id="4" name="직선 화살표 연결선 3">
+            <a:extLst>
+              <a:ext uri="{FF2B5EF4-FFF2-40B4-BE49-F238E27FC236}">
+                <a16:creationId xmlns:a16="http://schemas.microsoft.com/office/drawing/2014/main" id="{0A90D409-D405-4529-913C-5DD9D44BC7A7}"/>
+              </a:ext>
+            </a:extLst>
+          </p:cNvPr>
+          <p:cNvCxnSpPr>
+            <a:stCxn id="88" idx="1"/>
+            <a:endCxn id="76" idx="3"/>
+          </p:cNvCxnSpPr>
+          <p:nvPr/>
+        </p:nvCxnSpPr>
+        <p:spPr>
+          <a:xfrm flipH="1">
+            <a:off x="5148064" y="2572373"/>
+            <a:ext cx="477292" cy="0"/>
+          </a:xfrm>
+          <a:prstGeom prst="straightConnector1">
+            <a:avLst/>
+          </a:prstGeom>
+          <a:ln w="19050">
+            <a:solidFill>
+              <a:schemeClr val="tx1"/>
+            </a:solidFill>
+            <a:headEnd type="none" w="med" len="med"/>
+            <a:tailEnd type="arrow" w="med" len="med"/>
+          </a:ln>
+        </p:spPr>
+        <p:style>
+          <a:lnRef idx="1">
+            <a:schemeClr val="accent1"/>
+          </a:lnRef>
+          <a:fillRef idx="0">
+            <a:schemeClr val="accent1"/>
+          </a:fillRef>
+          <a:effectRef idx="0">
+            <a:schemeClr val="accent1"/>
+          </a:effectRef>
+          <a:fontRef idx="minor">
+            <a:schemeClr val="tx1"/>
+          </a:fontRef>
+        </p:style>
+      </p:cxnSp>
+      <p:cxnSp>
+        <p:nvCxnSpPr>
+          <p:cNvPr id="92" name="직선 화살표 연결선 91">
+            <a:extLst>
+              <a:ext uri="{FF2B5EF4-FFF2-40B4-BE49-F238E27FC236}">
+                <a16:creationId xmlns:a16="http://schemas.microsoft.com/office/drawing/2014/main" id="{F77E835E-3393-4627-8135-32F9E3E79985}"/>
+              </a:ext>
+            </a:extLst>
+          </p:cNvPr>
+          <p:cNvCxnSpPr>
+            <a:cxnSpLocks/>
+            <a:stCxn id="76" idx="1"/>
+          </p:cNvCxnSpPr>
+          <p:nvPr/>
+        </p:nvCxnSpPr>
+        <p:spPr>
+          <a:xfrm flipH="1">
+            <a:off x="2483768" y="2572373"/>
+            <a:ext cx="432048" cy="0"/>
+          </a:xfrm>
+          <a:prstGeom prst="straightConnector1">
+            <a:avLst/>
+          </a:prstGeom>
+          <a:ln w="19050">
+            <a:solidFill>
+              <a:schemeClr val="tx1"/>
+            </a:solidFill>
+            <a:headEnd type="none" w="med" len="med"/>
+            <a:tailEnd type="arrow" w="med" len="med"/>
+          </a:ln>
+        </p:spPr>
+        <p:style>
+          <a:lnRef idx="1">
+            <a:schemeClr val="accent1"/>
+          </a:lnRef>
+          <a:fillRef idx="0">
+            <a:schemeClr val="accent1"/>
+          </a:fillRef>
+          <a:effectRef idx="0">
+            <a:schemeClr val="accent1"/>
+          </a:effectRef>
+          <a:fontRef idx="minor">
+            <a:schemeClr val="tx1"/>
+          </a:fontRef>
+        </p:style>
+      </p:cxnSp>
+      <p:cxnSp>
+        <p:nvCxnSpPr>
+          <p:cNvPr id="93" name="직선 화살표 연결선 92">
+            <a:extLst>
+              <a:ext uri="{FF2B5EF4-FFF2-40B4-BE49-F238E27FC236}">
+                <a16:creationId xmlns:a16="http://schemas.microsoft.com/office/drawing/2014/main" id="{4DAD73A4-D8B7-47C7-B676-2E194C46EF4E}"/>
+              </a:ext>
+            </a:extLst>
+          </p:cNvPr>
+          <p:cNvCxnSpPr>
+            <a:cxnSpLocks/>
+            <a:endCxn id="88" idx="3"/>
+          </p:cNvCxnSpPr>
+          <p:nvPr/>
+        </p:nvCxnSpPr>
+        <p:spPr>
+          <a:xfrm flipH="1">
+            <a:off x="6084168" y="2572373"/>
+            <a:ext cx="454670" cy="0"/>
+          </a:xfrm>
+          <a:prstGeom prst="straightConnector1">
+            <a:avLst/>
+          </a:prstGeom>
+          <a:ln w="19050">
+            <a:solidFill>
+              <a:schemeClr val="tx1"/>
+            </a:solidFill>
+            <a:headEnd type="none" w="med" len="med"/>
+            <a:tailEnd type="arrow" w="med" len="med"/>
+          </a:ln>
+        </p:spPr>
+        <p:style>
+          <a:lnRef idx="1">
+            <a:schemeClr val="accent1"/>
+          </a:lnRef>
+          <a:fillRef idx="0">
+            <a:schemeClr val="accent1"/>
+          </a:fillRef>
+          <a:effectRef idx="0">
+            <a:schemeClr val="accent1"/>
+          </a:effectRef>
+          <a:fontRef idx="minor">
+            <a:schemeClr val="tx1"/>
+          </a:fontRef>
+        </p:style>
+      </p:cxnSp>
+      <p:sp>
+        <p:nvSpPr>
+          <p:cNvPr id="11" name="자유형: 도형 10">
+            <a:extLst>
+              <a:ext uri="{FF2B5EF4-FFF2-40B4-BE49-F238E27FC236}">
+                <a16:creationId xmlns:a16="http://schemas.microsoft.com/office/drawing/2014/main" id="{EA3CC8DB-0CD6-49EB-9093-DD463D3AC18F}"/>
+              </a:ext>
+            </a:extLst>
+          </p:cNvPr>
+          <p:cNvSpPr/>
+          <p:nvPr/>
+        </p:nvSpPr>
+        <p:spPr>
+          <a:xfrm>
+            <a:off x="2483768" y="2212333"/>
+            <a:ext cx="3375050" cy="142229"/>
+          </a:xfrm>
+          <a:custGeom>
+            <a:avLst/>
+            <a:gdLst>
+              <a:gd name="connsiteX0" fmla="*/ 1498600 w 1498600"/>
+              <a:gd name="connsiteY0" fmla="*/ 311150 h 311150"/>
+              <a:gd name="connsiteX1" fmla="*/ 1498600 w 1498600"/>
+              <a:gd name="connsiteY1" fmla="*/ 311150 h 311150"/>
+              <a:gd name="connsiteX2" fmla="*/ 1498600 w 1498600"/>
+              <a:gd name="connsiteY2" fmla="*/ 0 h 311150"/>
+              <a:gd name="connsiteX3" fmla="*/ 0 w 1498600"/>
+              <a:gd name="connsiteY3" fmla="*/ 0 h 311150"/>
+            </a:gdLst>
+            <a:ahLst/>
+            <a:cxnLst>
+              <a:cxn ang="0">
+                <a:pos x="connsiteX0" y="connsiteY0"/>
+              </a:cxn>
+              <a:cxn ang="0">
+                <a:pos x="connsiteX1" y="connsiteY1"/>
+              </a:cxn>
+              <a:cxn ang="0">
+                <a:pos x="connsiteX2" y="connsiteY2"/>
+              </a:cxn>
+              <a:cxn ang="0">
+                <a:pos x="connsiteX3" y="connsiteY3"/>
+              </a:cxn>
+            </a:cxnLst>
+            <a:rect l="l" t="t" r="r" b="b"/>
+            <a:pathLst>
+              <a:path w="1498600" h="311150">
+                <a:moveTo>
+                  <a:pt x="1498600" y="311150"/>
+                </a:moveTo>
+                <a:lnTo>
+                  <a:pt x="1498600" y="311150"/>
+                </a:lnTo>
+                <a:lnTo>
+                  <a:pt x="1498600" y="0"/>
+                </a:lnTo>
+                <a:lnTo>
+                  <a:pt x="0" y="0"/>
+                </a:lnTo>
+              </a:path>
+            </a:pathLst>
+          </a:custGeom>
+          <a:noFill/>
+          <a:ln w="19050">
+            <a:solidFill>
+              <a:schemeClr val="tx1"/>
+            </a:solidFill>
+            <a:headEnd type="none" w="med" len="med"/>
+            <a:tailEnd type="arrow" w="med" len="med"/>
+          </a:ln>
+        </p:spPr>
+        <p:style>
+          <a:lnRef idx="2">
+            <a:schemeClr val="accent1">
+              <a:shade val="50000"/>
+            </a:schemeClr>
+          </a:lnRef>
+          <a:fillRef idx="1">
+            <a:schemeClr val="accent1"/>
+          </a:fillRef>
+          <a:effectRef idx="0">
+            <a:schemeClr val="accent1"/>
+          </a:effectRef>
+          <a:fontRef idx="minor">
+            <a:schemeClr val="lt1"/>
+          </a:fontRef>
+        </p:style>
+        <p:txBody>
+          <a:bodyPr rtlCol="0" anchor="ctr"/>
+          <a:lstStyle/>
+          <a:p>
+            <a:pPr algn="ctr"/>
+            <a:endParaRPr lang="ko-KR" altLang="en-US"/>
+          </a:p>
+        </p:txBody>
+      </p:sp>
+    </p:spTree>
+    <p:extLst>
+      <p:ext uri="{BB962C8B-B14F-4D97-AF65-F5344CB8AC3E}">
+        <p14:creationId xmlns:p14="http://schemas.microsoft.com/office/powerpoint/2010/main" val="2025552193"/>
+      </p:ext>
+    </p:extLst>
+  </p:cSld>
+  <p:clrMapOvr>
+    <a:masterClrMapping/>
+  </p:clrMapOvr>
+</p:sld>
+</file>
+
+<file path=ppt/slides/slide5.xml><?xml version="1.0" encoding="utf-8"?>
 <p:sld xmlns:a="http://schemas.openxmlformats.org/drawingml/2006/main" xmlns:r="http://schemas.openxmlformats.org/officeDocument/2006/relationships" xmlns:p="http://schemas.openxmlformats.org/presentationml/2006/main">
   <p:cSld>
     <p:spTree>
@@ -10876,7 +14587,7 @@
 </p:sld>
 </file>
 
-<file path=ppt/slides/slide4.xml><?xml version="1.0" encoding="utf-8"?>
+<file path=ppt/slides/slide6.xml><?xml version="1.0" encoding="utf-8"?>
 <p:sld xmlns:a="http://schemas.openxmlformats.org/drawingml/2006/main" xmlns:r="http://schemas.openxmlformats.org/officeDocument/2006/relationships" xmlns:p="http://schemas.openxmlformats.org/presentationml/2006/main">
   <p:cSld>
     <p:spTree>
@@ -14375,7 +18086,7 @@
 </p:sld>
 </file>
 
-<file path=ppt/slides/slide5.xml><?xml version="1.0" encoding="utf-8"?>
+<file path=ppt/slides/slide7.xml><?xml version="1.0" encoding="utf-8"?>
 <p:sld xmlns:a="http://schemas.openxmlformats.org/drawingml/2006/main" xmlns:r="http://schemas.openxmlformats.org/officeDocument/2006/relationships" xmlns:p="http://schemas.openxmlformats.org/presentationml/2006/main">
   <p:cSld>
     <p:spTree>

--- a/images/theory_analysis/Golang_Goroutine_Scheduling/Golang_Goroutine_Scheduling.pptx
+++ b/images/theory_analysis/Golang_Goroutine_Scheduling/Golang_Goroutine_Scheduling.pptx
@@ -5,16 +5,18 @@
     <p:sldMasterId id="2147483648" r:id="rId1"/>
   </p:sldMasterIdLst>
   <p:notesMasterIdLst>
-    <p:notesMasterId r:id="rId9"/>
+    <p:notesMasterId r:id="rId11"/>
   </p:notesMasterIdLst>
   <p:sldIdLst>
     <p:sldId id="373" r:id="rId2"/>
     <p:sldId id="374" r:id="rId3"/>
-    <p:sldId id="369" r:id="rId4"/>
-    <p:sldId id="375" r:id="rId5"/>
-    <p:sldId id="370" r:id="rId6"/>
-    <p:sldId id="372" r:id="rId7"/>
-    <p:sldId id="371" r:id="rId8"/>
+    <p:sldId id="376" r:id="rId4"/>
+    <p:sldId id="378" r:id="rId5"/>
+    <p:sldId id="369" r:id="rId6"/>
+    <p:sldId id="375" r:id="rId7"/>
+    <p:sldId id="370" r:id="rId8"/>
+    <p:sldId id="372" r:id="rId9"/>
+    <p:sldId id="371" r:id="rId10"/>
   </p:sldIdLst>
   <p:sldSz cx="9144000" cy="5143500" type="screen16x9"/>
   <p:notesSz cx="6858000" cy="9144000"/>
@@ -219,7 +221,7 @@
           <a:p>
             <a:fld id="{6CD5550B-26C4-49A9-A5BA-636EF7BE6CE9}" type="datetimeFigureOut">
               <a:rPr lang="ko-KR" altLang="en-US" smtClean="0"/>
-              <a:t>2021-06-21</a:t>
+              <a:t>2021-06-22</a:t>
             </a:fld>
             <a:endParaRPr lang="ko-KR" altLang="en-US"/>
           </a:p>
@@ -719,7 +721,7 @@
           <a:p>
             <a:fld id="{BA5DFA43-8D57-47FB-BC46-057616015C3B}" type="slidenum">
               <a:rPr lang="ko-KR" altLang="en-US" smtClean="0"/>
-              <a:t>4</a:t>
+              <a:t>3</a:t>
             </a:fld>
             <a:endParaRPr lang="ko-KR" altLang="en-US"/>
           </a:p>
@@ -728,7 +730,7 @@
     </p:spTree>
     <p:extLst>
       <p:ext uri="{BB962C8B-B14F-4D97-AF65-F5344CB8AC3E}">
-        <p14:creationId xmlns:p14="http://schemas.microsoft.com/office/powerpoint/2010/main" val="1223484370"/>
+        <p14:creationId xmlns:p14="http://schemas.microsoft.com/office/powerpoint/2010/main" val="3742129899"/>
       </p:ext>
     </p:extLst>
   </p:cSld>
@@ -803,7 +805,7 @@
           <a:p>
             <a:fld id="{BA5DFA43-8D57-47FB-BC46-057616015C3B}" type="slidenum">
               <a:rPr lang="ko-KR" altLang="en-US" smtClean="0"/>
-              <a:t>5</a:t>
+              <a:t>4</a:t>
             </a:fld>
             <a:endParaRPr lang="ko-KR" altLang="en-US"/>
           </a:p>
@@ -812,7 +814,7 @@
     </p:spTree>
     <p:extLst>
       <p:ext uri="{BB962C8B-B14F-4D97-AF65-F5344CB8AC3E}">
-        <p14:creationId xmlns:p14="http://schemas.microsoft.com/office/powerpoint/2010/main" val="2928472331"/>
+        <p14:creationId xmlns:p14="http://schemas.microsoft.com/office/powerpoint/2010/main" val="2724548173"/>
       </p:ext>
     </p:extLst>
   </p:cSld>
@@ -896,7 +898,7 @@
     </p:spTree>
     <p:extLst>
       <p:ext uri="{BB962C8B-B14F-4D97-AF65-F5344CB8AC3E}">
-        <p14:creationId xmlns:p14="http://schemas.microsoft.com/office/powerpoint/2010/main" val="3683209996"/>
+        <p14:creationId xmlns:p14="http://schemas.microsoft.com/office/powerpoint/2010/main" val="1223484370"/>
       </p:ext>
     </p:extLst>
   </p:cSld>
@@ -972,6 +974,174 @@
             <a:fld id="{BA5DFA43-8D57-47FB-BC46-057616015C3B}" type="slidenum">
               <a:rPr lang="ko-KR" altLang="en-US" smtClean="0"/>
               <a:t>7</a:t>
+            </a:fld>
+            <a:endParaRPr lang="ko-KR" altLang="en-US"/>
+          </a:p>
+        </p:txBody>
+      </p:sp>
+    </p:spTree>
+    <p:extLst>
+      <p:ext uri="{BB962C8B-B14F-4D97-AF65-F5344CB8AC3E}">
+        <p14:creationId xmlns:p14="http://schemas.microsoft.com/office/powerpoint/2010/main" val="2928472331"/>
+      </p:ext>
+    </p:extLst>
+  </p:cSld>
+  <p:clrMapOvr>
+    <a:masterClrMapping/>
+  </p:clrMapOvr>
+</p:notes>
+</file>
+
+<file path=ppt/notesSlides/notesSlide7.xml><?xml version="1.0" encoding="utf-8"?>
+<p:notes xmlns:a="http://schemas.openxmlformats.org/drawingml/2006/main" xmlns:r="http://schemas.openxmlformats.org/officeDocument/2006/relationships" xmlns:p="http://schemas.openxmlformats.org/presentationml/2006/main">
+  <p:cSld>
+    <p:spTree>
+      <p:nvGrpSpPr>
+        <p:cNvPr id="1" name=""/>
+        <p:cNvGrpSpPr/>
+        <p:nvPr/>
+      </p:nvGrpSpPr>
+      <p:grpSpPr>
+        <a:xfrm>
+          <a:off x="0" y="0"/>
+          <a:ext cx="0" cy="0"/>
+          <a:chOff x="0" y="0"/>
+          <a:chExt cx="0" cy="0"/>
+        </a:xfrm>
+      </p:grpSpPr>
+      <p:sp>
+        <p:nvSpPr>
+          <p:cNvPr id="2" name="슬라이드 이미지 개체 틀 1"/>
+          <p:cNvSpPr>
+            <a:spLocks noGrp="1" noRot="1" noChangeAspect="1"/>
+          </p:cNvSpPr>
+          <p:nvPr>
+            <p:ph type="sldImg"/>
+          </p:nvPr>
+        </p:nvSpPr>
+        <p:spPr/>
+      </p:sp>
+      <p:sp>
+        <p:nvSpPr>
+          <p:cNvPr id="3" name="슬라이드 노트 개체 틀 2"/>
+          <p:cNvSpPr>
+            <a:spLocks noGrp="1"/>
+          </p:cNvSpPr>
+          <p:nvPr>
+            <p:ph type="body" idx="1"/>
+          </p:nvPr>
+        </p:nvSpPr>
+        <p:spPr/>
+        <p:txBody>
+          <a:bodyPr/>
+          <a:lstStyle/>
+          <a:p>
+            <a:endParaRPr lang="ko-KR" altLang="en-US"/>
+          </a:p>
+        </p:txBody>
+      </p:sp>
+      <p:sp>
+        <p:nvSpPr>
+          <p:cNvPr id="4" name="슬라이드 번호 개체 틀 3"/>
+          <p:cNvSpPr>
+            <a:spLocks noGrp="1"/>
+          </p:cNvSpPr>
+          <p:nvPr>
+            <p:ph type="sldNum" sz="quarter" idx="10"/>
+          </p:nvPr>
+        </p:nvSpPr>
+        <p:spPr/>
+        <p:txBody>
+          <a:bodyPr/>
+          <a:lstStyle/>
+          <a:p>
+            <a:fld id="{BA5DFA43-8D57-47FB-BC46-057616015C3B}" type="slidenum">
+              <a:rPr lang="ko-KR" altLang="en-US" smtClean="0"/>
+              <a:t>8</a:t>
+            </a:fld>
+            <a:endParaRPr lang="ko-KR" altLang="en-US"/>
+          </a:p>
+        </p:txBody>
+      </p:sp>
+    </p:spTree>
+    <p:extLst>
+      <p:ext uri="{BB962C8B-B14F-4D97-AF65-F5344CB8AC3E}">
+        <p14:creationId xmlns:p14="http://schemas.microsoft.com/office/powerpoint/2010/main" val="3683209996"/>
+      </p:ext>
+    </p:extLst>
+  </p:cSld>
+  <p:clrMapOvr>
+    <a:masterClrMapping/>
+  </p:clrMapOvr>
+</p:notes>
+</file>
+
+<file path=ppt/notesSlides/notesSlide8.xml><?xml version="1.0" encoding="utf-8"?>
+<p:notes xmlns:a="http://schemas.openxmlformats.org/drawingml/2006/main" xmlns:r="http://schemas.openxmlformats.org/officeDocument/2006/relationships" xmlns:p="http://schemas.openxmlformats.org/presentationml/2006/main">
+  <p:cSld>
+    <p:spTree>
+      <p:nvGrpSpPr>
+        <p:cNvPr id="1" name=""/>
+        <p:cNvGrpSpPr/>
+        <p:nvPr/>
+      </p:nvGrpSpPr>
+      <p:grpSpPr>
+        <a:xfrm>
+          <a:off x="0" y="0"/>
+          <a:ext cx="0" cy="0"/>
+          <a:chOff x="0" y="0"/>
+          <a:chExt cx="0" cy="0"/>
+        </a:xfrm>
+      </p:grpSpPr>
+      <p:sp>
+        <p:nvSpPr>
+          <p:cNvPr id="2" name="슬라이드 이미지 개체 틀 1"/>
+          <p:cNvSpPr>
+            <a:spLocks noGrp="1" noRot="1" noChangeAspect="1"/>
+          </p:cNvSpPr>
+          <p:nvPr>
+            <p:ph type="sldImg"/>
+          </p:nvPr>
+        </p:nvSpPr>
+        <p:spPr/>
+      </p:sp>
+      <p:sp>
+        <p:nvSpPr>
+          <p:cNvPr id="3" name="슬라이드 노트 개체 틀 2"/>
+          <p:cNvSpPr>
+            <a:spLocks noGrp="1"/>
+          </p:cNvSpPr>
+          <p:nvPr>
+            <p:ph type="body" idx="1"/>
+          </p:nvPr>
+        </p:nvSpPr>
+        <p:spPr/>
+        <p:txBody>
+          <a:bodyPr/>
+          <a:lstStyle/>
+          <a:p>
+            <a:endParaRPr lang="ko-KR" altLang="en-US"/>
+          </a:p>
+        </p:txBody>
+      </p:sp>
+      <p:sp>
+        <p:nvSpPr>
+          <p:cNvPr id="4" name="슬라이드 번호 개체 틀 3"/>
+          <p:cNvSpPr>
+            <a:spLocks noGrp="1"/>
+          </p:cNvSpPr>
+          <p:nvPr>
+            <p:ph type="sldNum" sz="quarter" idx="10"/>
+          </p:nvPr>
+        </p:nvSpPr>
+        <p:spPr/>
+        <p:txBody>
+          <a:bodyPr/>
+          <a:lstStyle/>
+          <a:p>
+            <a:fld id="{BA5DFA43-8D57-47FB-BC46-057616015C3B}" type="slidenum">
+              <a:rPr lang="ko-KR" altLang="en-US" smtClean="0"/>
+              <a:t>9</a:t>
             </a:fld>
             <a:endParaRPr lang="ko-KR" altLang="en-US"/>
           </a:p>
@@ -1169,7 +1339,7 @@
           <a:p>
             <a:fld id="{FB30EDBD-1C2D-4C1E-B459-B60219FAB484}" type="datetimeFigureOut">
               <a:rPr lang="ko-KR" altLang="en-US" smtClean="0"/>
-              <a:t>2021-06-21</a:t>
+              <a:t>2021-06-22</a:t>
             </a:fld>
             <a:endParaRPr lang="ko-KR" altLang="en-US"/>
           </a:p>
@@ -1332,7 +1502,7 @@
           <a:p>
             <a:fld id="{FB30EDBD-1C2D-4C1E-B459-B60219FAB484}" type="datetimeFigureOut">
               <a:rPr lang="ko-KR" altLang="en-US" smtClean="0"/>
-              <a:t>2021-06-21</a:t>
+              <a:t>2021-06-22</a:t>
             </a:fld>
             <a:endParaRPr lang="ko-KR" altLang="en-US"/>
           </a:p>
@@ -1505,7 +1675,7 @@
           <a:p>
             <a:fld id="{FB30EDBD-1C2D-4C1E-B459-B60219FAB484}" type="datetimeFigureOut">
               <a:rPr lang="ko-KR" altLang="en-US" smtClean="0"/>
-              <a:t>2021-06-21</a:t>
+              <a:t>2021-06-22</a:t>
             </a:fld>
             <a:endParaRPr lang="ko-KR" altLang="en-US"/>
           </a:p>
@@ -1668,7 +1838,7 @@
           <a:p>
             <a:fld id="{FB30EDBD-1C2D-4C1E-B459-B60219FAB484}" type="datetimeFigureOut">
               <a:rPr lang="ko-KR" altLang="en-US" smtClean="0"/>
-              <a:t>2021-06-21</a:t>
+              <a:t>2021-06-22</a:t>
             </a:fld>
             <a:endParaRPr lang="ko-KR" altLang="en-US"/>
           </a:p>
@@ -1908,7 +2078,7 @@
           <a:p>
             <a:fld id="{FB30EDBD-1C2D-4C1E-B459-B60219FAB484}" type="datetimeFigureOut">
               <a:rPr lang="ko-KR" altLang="en-US" smtClean="0"/>
-              <a:t>2021-06-21</a:t>
+              <a:t>2021-06-22</a:t>
             </a:fld>
             <a:endParaRPr lang="ko-KR" altLang="en-US"/>
           </a:p>
@@ -2188,7 +2358,7 @@
           <a:p>
             <a:fld id="{FB30EDBD-1C2D-4C1E-B459-B60219FAB484}" type="datetimeFigureOut">
               <a:rPr lang="ko-KR" altLang="en-US" smtClean="0"/>
-              <a:t>2021-06-21</a:t>
+              <a:t>2021-06-22</a:t>
             </a:fld>
             <a:endParaRPr lang="ko-KR" altLang="en-US"/>
           </a:p>
@@ -2602,7 +2772,7 @@
           <a:p>
             <a:fld id="{FB30EDBD-1C2D-4C1E-B459-B60219FAB484}" type="datetimeFigureOut">
               <a:rPr lang="ko-KR" altLang="en-US" smtClean="0"/>
-              <a:t>2021-06-21</a:t>
+              <a:t>2021-06-22</a:t>
             </a:fld>
             <a:endParaRPr lang="ko-KR" altLang="en-US"/>
           </a:p>
@@ -2714,7 +2884,7 @@
           <a:p>
             <a:fld id="{FB30EDBD-1C2D-4C1E-B459-B60219FAB484}" type="datetimeFigureOut">
               <a:rPr lang="ko-KR" altLang="en-US" smtClean="0"/>
-              <a:t>2021-06-21</a:t>
+              <a:t>2021-06-22</a:t>
             </a:fld>
             <a:endParaRPr lang="ko-KR" altLang="en-US"/>
           </a:p>
@@ -2804,7 +2974,7 @@
           <a:p>
             <a:fld id="{FB30EDBD-1C2D-4C1E-B459-B60219FAB484}" type="datetimeFigureOut">
               <a:rPr lang="ko-KR" altLang="en-US" smtClean="0"/>
-              <a:t>2021-06-21</a:t>
+              <a:t>2021-06-22</a:t>
             </a:fld>
             <a:endParaRPr lang="ko-KR" altLang="en-US"/>
           </a:p>
@@ -3074,7 +3244,7 @@
           <a:p>
             <a:fld id="{FB30EDBD-1C2D-4C1E-B459-B60219FAB484}" type="datetimeFigureOut">
               <a:rPr lang="ko-KR" altLang="en-US" smtClean="0"/>
-              <a:t>2021-06-21</a:t>
+              <a:t>2021-06-22</a:t>
             </a:fld>
             <a:endParaRPr lang="ko-KR" altLang="en-US"/>
           </a:p>
@@ -3321,7 +3491,7 @@
           <a:p>
             <a:fld id="{FB30EDBD-1C2D-4C1E-B459-B60219FAB484}" type="datetimeFigureOut">
               <a:rPr lang="ko-KR" altLang="en-US" smtClean="0"/>
-              <a:t>2021-06-21</a:t>
+              <a:t>2021-06-22</a:t>
             </a:fld>
             <a:endParaRPr lang="ko-KR" altLang="en-US"/>
           </a:p>
@@ -3527,7 +3697,7 @@
           <a:p>
             <a:fld id="{FB30EDBD-1C2D-4C1E-B459-B60219FAB484}" type="datetimeFigureOut">
               <a:rPr lang="ko-KR" altLang="en-US" smtClean="0"/>
-              <a:t>2021-06-21</a:t>
+              <a:t>2021-06-22</a:t>
             </a:fld>
             <a:endParaRPr lang="ko-KR" altLang="en-US"/>
           </a:p>
@@ -10424,6 +10594,3853 @@
           <a:chExt cx="0" cy="0"/>
         </a:xfrm>
       </p:grpSpPr>
+      <p:sp>
+        <p:nvSpPr>
+          <p:cNvPr id="2" name="제목 1"/>
+          <p:cNvSpPr>
+            <a:spLocks noGrp="1"/>
+          </p:cNvSpPr>
+          <p:nvPr>
+            <p:ph type="title"/>
+          </p:nvPr>
+        </p:nvSpPr>
+        <p:spPr>
+          <a:xfrm>
+            <a:off x="565354" y="-157708"/>
+            <a:ext cx="8229600" cy="857250"/>
+          </a:xfrm>
+        </p:spPr>
+        <p:txBody>
+          <a:bodyPr/>
+          <a:lstStyle/>
+          <a:p>
+            <a:r>
+              <a:rPr lang="en-US" altLang="ko-KR"/>
+              <a:t>Sync System Call</a:t>
+            </a:r>
+            <a:endParaRPr lang="ko-KR" altLang="en-US"/>
+          </a:p>
+        </p:txBody>
+      </p:sp>
+      <p:sp>
+        <p:nvSpPr>
+          <p:cNvPr id="85" name="사각형: 둥근 모서리 84">
+            <a:extLst>
+              <a:ext uri="{FF2B5EF4-FFF2-40B4-BE49-F238E27FC236}">
+                <a16:creationId xmlns:a16="http://schemas.microsoft.com/office/drawing/2014/main" id="{066C94A0-F162-4312-AE2D-207089377233}"/>
+              </a:ext>
+            </a:extLst>
+          </p:cNvPr>
+          <p:cNvSpPr/>
+          <p:nvPr/>
+        </p:nvSpPr>
+        <p:spPr>
+          <a:xfrm>
+            <a:off x="1619672" y="3953936"/>
+            <a:ext cx="495521" cy="351404"/>
+          </a:xfrm>
+          <a:prstGeom prst="roundRect">
+            <a:avLst>
+              <a:gd name="adj" fmla="val 10349"/>
+            </a:avLst>
+          </a:prstGeom>
+        </p:spPr>
+        <p:style>
+          <a:lnRef idx="2">
+            <a:schemeClr val="dk1"/>
+          </a:lnRef>
+          <a:fillRef idx="1">
+            <a:schemeClr val="lt1"/>
+          </a:fillRef>
+          <a:effectRef idx="0">
+            <a:schemeClr val="dk1"/>
+          </a:effectRef>
+          <a:fontRef idx="minor">
+            <a:schemeClr val="dk1"/>
+          </a:fontRef>
+        </p:style>
+        <p:txBody>
+          <a:bodyPr rtlCol="0" anchor="ctr"/>
+          <a:lstStyle/>
+          <a:p>
+            <a:pPr algn="ctr"/>
+            <a:r>
+              <a:rPr lang="en-US" altLang="ko-KR" sz="1200"/>
+              <a:t>M1</a:t>
+            </a:r>
+            <a:endParaRPr lang="ko-KR" altLang="en-US" sz="1200"/>
+          </a:p>
+        </p:txBody>
+      </p:sp>
+      <p:sp>
+        <p:nvSpPr>
+          <p:cNvPr id="86" name="사각형: 둥근 모서리 85">
+            <a:extLst>
+              <a:ext uri="{FF2B5EF4-FFF2-40B4-BE49-F238E27FC236}">
+                <a16:creationId xmlns:a16="http://schemas.microsoft.com/office/drawing/2014/main" id="{7C37351D-A812-4F82-86B6-7F5A194FD5A1}"/>
+              </a:ext>
+            </a:extLst>
+          </p:cNvPr>
+          <p:cNvSpPr/>
+          <p:nvPr/>
+        </p:nvSpPr>
+        <p:spPr>
+          <a:xfrm>
+            <a:off x="1619683" y="1275606"/>
+            <a:ext cx="495515" cy="1333741"/>
+          </a:xfrm>
+          <a:prstGeom prst="roundRect">
+            <a:avLst>
+              <a:gd name="adj" fmla="val 10349"/>
+            </a:avLst>
+          </a:prstGeom>
+        </p:spPr>
+        <p:style>
+          <a:lnRef idx="2">
+            <a:schemeClr val="dk1"/>
+          </a:lnRef>
+          <a:fillRef idx="1">
+            <a:schemeClr val="lt1"/>
+          </a:fillRef>
+          <a:effectRef idx="0">
+            <a:schemeClr val="dk1"/>
+          </a:effectRef>
+          <a:fontRef idx="minor">
+            <a:schemeClr val="dk1"/>
+          </a:fontRef>
+        </p:style>
+        <p:txBody>
+          <a:bodyPr rtlCol="0" anchor="b"/>
+          <a:lstStyle/>
+          <a:p>
+            <a:pPr algn="ctr"/>
+            <a:r>
+              <a:rPr lang="en-US" altLang="ko-KR" sz="1200"/>
+              <a:t>LRQ</a:t>
+            </a:r>
+            <a:endParaRPr lang="ko-KR" altLang="en-US" sz="1200"/>
+          </a:p>
+        </p:txBody>
+      </p:sp>
+      <p:sp>
+        <p:nvSpPr>
+          <p:cNvPr id="87" name="사각형: 둥근 모서리 86">
+            <a:extLst>
+              <a:ext uri="{FF2B5EF4-FFF2-40B4-BE49-F238E27FC236}">
+                <a16:creationId xmlns:a16="http://schemas.microsoft.com/office/drawing/2014/main" id="{2C071533-39DD-4DAE-9C2E-3ACCB73B8F52}"/>
+              </a:ext>
+            </a:extLst>
+          </p:cNvPr>
+          <p:cNvSpPr/>
+          <p:nvPr/>
+        </p:nvSpPr>
+        <p:spPr>
+          <a:xfrm>
+            <a:off x="1709475" y="2028770"/>
+            <a:ext cx="315932" cy="291027"/>
+          </a:xfrm>
+          <a:prstGeom prst="roundRect">
+            <a:avLst>
+              <a:gd name="adj" fmla="val 50000"/>
+            </a:avLst>
+          </a:prstGeom>
+          <a:solidFill>
+            <a:schemeClr val="accent1">
+              <a:lumMod val="40000"/>
+              <a:lumOff val="60000"/>
+            </a:schemeClr>
+          </a:solidFill>
+        </p:spPr>
+        <p:style>
+          <a:lnRef idx="2">
+            <a:schemeClr val="dk1"/>
+          </a:lnRef>
+          <a:fillRef idx="1">
+            <a:schemeClr val="lt1"/>
+          </a:fillRef>
+          <a:effectRef idx="0">
+            <a:schemeClr val="dk1"/>
+          </a:effectRef>
+          <a:fontRef idx="minor">
+            <a:schemeClr val="dk1"/>
+          </a:fontRef>
+        </p:style>
+        <p:txBody>
+          <a:bodyPr rtlCol="0" anchor="ctr"/>
+          <a:lstStyle/>
+          <a:p>
+            <a:pPr algn="ctr"/>
+            <a:r>
+              <a:rPr lang="en-US" altLang="ko-KR" sz="1200"/>
+              <a:t>G</a:t>
+            </a:r>
+            <a:endParaRPr lang="ko-KR" altLang="en-US" sz="1200"/>
+          </a:p>
+        </p:txBody>
+      </p:sp>
+      <p:sp>
+        <p:nvSpPr>
+          <p:cNvPr id="88" name="사각형: 둥근 모서리 87">
+            <a:extLst>
+              <a:ext uri="{FF2B5EF4-FFF2-40B4-BE49-F238E27FC236}">
+                <a16:creationId xmlns:a16="http://schemas.microsoft.com/office/drawing/2014/main" id="{B78778CC-7B98-4F76-B822-A8C85D2CF063}"/>
+              </a:ext>
+            </a:extLst>
+          </p:cNvPr>
+          <p:cNvSpPr/>
+          <p:nvPr/>
+        </p:nvSpPr>
+        <p:spPr>
+          <a:xfrm>
+            <a:off x="1709475" y="1682189"/>
+            <a:ext cx="315932" cy="291027"/>
+          </a:xfrm>
+          <a:prstGeom prst="roundRect">
+            <a:avLst>
+              <a:gd name="adj" fmla="val 50000"/>
+            </a:avLst>
+          </a:prstGeom>
+          <a:solidFill>
+            <a:schemeClr val="bg1">
+              <a:lumMod val="85000"/>
+            </a:schemeClr>
+          </a:solidFill>
+        </p:spPr>
+        <p:style>
+          <a:lnRef idx="2">
+            <a:schemeClr val="dk1"/>
+          </a:lnRef>
+          <a:fillRef idx="1">
+            <a:schemeClr val="lt1"/>
+          </a:fillRef>
+          <a:effectRef idx="0">
+            <a:schemeClr val="dk1"/>
+          </a:effectRef>
+          <a:fontRef idx="minor">
+            <a:schemeClr val="dk1"/>
+          </a:fontRef>
+        </p:style>
+        <p:txBody>
+          <a:bodyPr rtlCol="0" anchor="ctr"/>
+          <a:lstStyle/>
+          <a:p>
+            <a:pPr algn="ctr"/>
+            <a:r>
+              <a:rPr lang="en-US" altLang="ko-KR" sz="1200"/>
+              <a:t>G</a:t>
+            </a:r>
+            <a:endParaRPr lang="ko-KR" altLang="en-US" sz="1200"/>
+          </a:p>
+        </p:txBody>
+      </p:sp>
+      <p:sp>
+        <p:nvSpPr>
+          <p:cNvPr id="89" name="사각형: 둥근 모서리 88">
+            <a:extLst>
+              <a:ext uri="{FF2B5EF4-FFF2-40B4-BE49-F238E27FC236}">
+                <a16:creationId xmlns:a16="http://schemas.microsoft.com/office/drawing/2014/main" id="{70C6250B-D8A9-44CB-A7FD-D90DF2D4EF43}"/>
+              </a:ext>
+            </a:extLst>
+          </p:cNvPr>
+          <p:cNvSpPr/>
+          <p:nvPr/>
+        </p:nvSpPr>
+        <p:spPr>
+          <a:xfrm>
+            <a:off x="1709475" y="1335608"/>
+            <a:ext cx="315932" cy="291027"/>
+          </a:xfrm>
+          <a:prstGeom prst="roundRect">
+            <a:avLst>
+              <a:gd name="adj" fmla="val 50000"/>
+            </a:avLst>
+          </a:prstGeom>
+          <a:solidFill>
+            <a:schemeClr val="bg1">
+              <a:lumMod val="85000"/>
+            </a:schemeClr>
+          </a:solidFill>
+        </p:spPr>
+        <p:style>
+          <a:lnRef idx="2">
+            <a:schemeClr val="dk1"/>
+          </a:lnRef>
+          <a:fillRef idx="1">
+            <a:schemeClr val="lt1"/>
+          </a:fillRef>
+          <a:effectRef idx="0">
+            <a:schemeClr val="dk1"/>
+          </a:effectRef>
+          <a:fontRef idx="minor">
+            <a:schemeClr val="dk1"/>
+          </a:fontRef>
+        </p:style>
+        <p:txBody>
+          <a:bodyPr rtlCol="0" anchor="ctr"/>
+          <a:lstStyle/>
+          <a:p>
+            <a:pPr algn="ctr"/>
+            <a:r>
+              <a:rPr lang="en-US" altLang="ko-KR" sz="1200"/>
+              <a:t>G</a:t>
+            </a:r>
+            <a:endParaRPr lang="ko-KR" altLang="en-US" sz="1200"/>
+          </a:p>
+        </p:txBody>
+      </p:sp>
+      <p:sp>
+        <p:nvSpPr>
+          <p:cNvPr id="93" name="사각형: 둥근 모서리 92">
+            <a:extLst>
+              <a:ext uri="{FF2B5EF4-FFF2-40B4-BE49-F238E27FC236}">
+                <a16:creationId xmlns:a16="http://schemas.microsoft.com/office/drawing/2014/main" id="{5F3837D9-7A6C-4403-BEBA-E5512EAAF4F4}"/>
+              </a:ext>
+            </a:extLst>
+          </p:cNvPr>
+          <p:cNvSpPr/>
+          <p:nvPr/>
+        </p:nvSpPr>
+        <p:spPr>
+          <a:xfrm>
+            <a:off x="1619680" y="2842966"/>
+            <a:ext cx="495521" cy="351404"/>
+          </a:xfrm>
+          <a:prstGeom prst="roundRect">
+            <a:avLst>
+              <a:gd name="adj" fmla="val 10349"/>
+            </a:avLst>
+          </a:prstGeom>
+        </p:spPr>
+        <p:style>
+          <a:lnRef idx="2">
+            <a:schemeClr val="dk1"/>
+          </a:lnRef>
+          <a:fillRef idx="1">
+            <a:schemeClr val="lt1"/>
+          </a:fillRef>
+          <a:effectRef idx="0">
+            <a:schemeClr val="dk1"/>
+          </a:effectRef>
+          <a:fontRef idx="minor">
+            <a:schemeClr val="dk1"/>
+          </a:fontRef>
+        </p:style>
+        <p:txBody>
+          <a:bodyPr rtlCol="0" anchor="ctr"/>
+          <a:lstStyle/>
+          <a:p>
+            <a:pPr algn="ctr"/>
+            <a:r>
+              <a:rPr lang="en-US" altLang="ko-KR" sz="1200"/>
+              <a:t>P1</a:t>
+            </a:r>
+            <a:endParaRPr lang="ko-KR" altLang="en-US" sz="1200"/>
+          </a:p>
+        </p:txBody>
+      </p:sp>
+      <p:sp>
+        <p:nvSpPr>
+          <p:cNvPr id="95" name="사각형: 둥근 모서리 94">
+            <a:extLst>
+              <a:ext uri="{FF2B5EF4-FFF2-40B4-BE49-F238E27FC236}">
+                <a16:creationId xmlns:a16="http://schemas.microsoft.com/office/drawing/2014/main" id="{B6466A3E-72D0-43FA-A40B-62C2211C03E2}"/>
+              </a:ext>
+            </a:extLst>
+          </p:cNvPr>
+          <p:cNvSpPr/>
+          <p:nvPr/>
+        </p:nvSpPr>
+        <p:spPr>
+          <a:xfrm>
+            <a:off x="1709461" y="3428639"/>
+            <a:ext cx="315932" cy="291027"/>
+          </a:xfrm>
+          <a:prstGeom prst="roundRect">
+            <a:avLst>
+              <a:gd name="adj" fmla="val 50000"/>
+            </a:avLst>
+          </a:prstGeom>
+          <a:solidFill>
+            <a:schemeClr val="accent2">
+              <a:lumMod val="40000"/>
+              <a:lumOff val="60000"/>
+            </a:schemeClr>
+          </a:solidFill>
+        </p:spPr>
+        <p:style>
+          <a:lnRef idx="2">
+            <a:schemeClr val="dk1"/>
+          </a:lnRef>
+          <a:fillRef idx="1">
+            <a:schemeClr val="lt1"/>
+          </a:fillRef>
+          <a:effectRef idx="0">
+            <a:schemeClr val="dk1"/>
+          </a:effectRef>
+          <a:fontRef idx="minor">
+            <a:schemeClr val="dk1"/>
+          </a:fontRef>
+        </p:style>
+        <p:txBody>
+          <a:bodyPr rtlCol="0" anchor="ctr"/>
+          <a:lstStyle/>
+          <a:p>
+            <a:pPr algn="ctr"/>
+            <a:r>
+              <a:rPr lang="en-US" altLang="ko-KR" sz="1200"/>
+              <a:t>G</a:t>
+            </a:r>
+            <a:endParaRPr lang="ko-KR" altLang="en-US" sz="1200"/>
+          </a:p>
+        </p:txBody>
+      </p:sp>
+      <p:cxnSp>
+        <p:nvCxnSpPr>
+          <p:cNvPr id="99" name="직선 화살표 연결선 98">
+            <a:extLst>
+              <a:ext uri="{FF2B5EF4-FFF2-40B4-BE49-F238E27FC236}">
+                <a16:creationId xmlns:a16="http://schemas.microsoft.com/office/drawing/2014/main" id="{1B366CEE-AEC5-4ADB-844C-319D903DCB85}"/>
+              </a:ext>
+            </a:extLst>
+          </p:cNvPr>
+          <p:cNvCxnSpPr>
+            <a:cxnSpLocks/>
+            <a:stCxn id="86" idx="2"/>
+            <a:endCxn id="93" idx="0"/>
+          </p:cNvCxnSpPr>
+          <p:nvPr/>
+        </p:nvCxnSpPr>
+        <p:spPr>
+          <a:xfrm>
+            <a:off x="1867440" y="2609347"/>
+            <a:ext cx="0" cy="233619"/>
+          </a:xfrm>
+          <a:prstGeom prst="straightConnector1">
+            <a:avLst/>
+          </a:prstGeom>
+          <a:ln w="19050">
+            <a:headEnd type="none" w="med" len="med"/>
+            <a:tailEnd type="arrow" w="med" len="med"/>
+          </a:ln>
+        </p:spPr>
+        <p:style>
+          <a:lnRef idx="1">
+            <a:schemeClr val="dk1"/>
+          </a:lnRef>
+          <a:fillRef idx="0">
+            <a:schemeClr val="dk1"/>
+          </a:fillRef>
+          <a:effectRef idx="0">
+            <a:schemeClr val="dk1"/>
+          </a:effectRef>
+          <a:fontRef idx="minor">
+            <a:schemeClr val="tx1"/>
+          </a:fontRef>
+        </p:style>
+      </p:cxnSp>
+      <p:cxnSp>
+        <p:nvCxnSpPr>
+          <p:cNvPr id="101" name="직선 화살표 연결선 100">
+            <a:extLst>
+              <a:ext uri="{FF2B5EF4-FFF2-40B4-BE49-F238E27FC236}">
+                <a16:creationId xmlns:a16="http://schemas.microsoft.com/office/drawing/2014/main" id="{36919E72-3402-49F0-900E-13EF5C7F6A63}"/>
+              </a:ext>
+            </a:extLst>
+          </p:cNvPr>
+          <p:cNvCxnSpPr>
+            <a:cxnSpLocks/>
+            <a:stCxn id="93" idx="2"/>
+            <a:endCxn id="95" idx="0"/>
+          </p:cNvCxnSpPr>
+          <p:nvPr/>
+        </p:nvCxnSpPr>
+        <p:spPr>
+          <a:xfrm flipH="1">
+            <a:off x="1867427" y="3194370"/>
+            <a:ext cx="13" cy="234270"/>
+          </a:xfrm>
+          <a:prstGeom prst="straightConnector1">
+            <a:avLst/>
+          </a:prstGeom>
+          <a:ln w="19050">
+            <a:headEnd type="none" w="med" len="med"/>
+            <a:tailEnd type="arrow" w="med" len="med"/>
+          </a:ln>
+        </p:spPr>
+        <p:style>
+          <a:lnRef idx="1">
+            <a:schemeClr val="dk1"/>
+          </a:lnRef>
+          <a:fillRef idx="0">
+            <a:schemeClr val="dk1"/>
+          </a:fillRef>
+          <a:effectRef idx="0">
+            <a:schemeClr val="dk1"/>
+          </a:effectRef>
+          <a:fontRef idx="minor">
+            <a:schemeClr val="tx1"/>
+          </a:fontRef>
+        </p:style>
+      </p:cxnSp>
+      <p:cxnSp>
+        <p:nvCxnSpPr>
+          <p:cNvPr id="102" name="직선 화살표 연결선 101">
+            <a:extLst>
+              <a:ext uri="{FF2B5EF4-FFF2-40B4-BE49-F238E27FC236}">
+                <a16:creationId xmlns:a16="http://schemas.microsoft.com/office/drawing/2014/main" id="{1CF61AE5-2336-4438-B1CB-588DBE654D0C}"/>
+              </a:ext>
+            </a:extLst>
+          </p:cNvPr>
+          <p:cNvCxnSpPr>
+            <a:cxnSpLocks/>
+            <a:stCxn id="85" idx="0"/>
+            <a:endCxn id="95" idx="2"/>
+          </p:cNvCxnSpPr>
+          <p:nvPr/>
+        </p:nvCxnSpPr>
+        <p:spPr>
+          <a:xfrm flipH="1" flipV="1">
+            <a:off x="1867427" y="3719666"/>
+            <a:ext cx="5" cy="234270"/>
+          </a:xfrm>
+          <a:prstGeom prst="straightConnector1">
+            <a:avLst/>
+          </a:prstGeom>
+          <a:ln w="19050">
+            <a:headEnd type="none" w="med" len="med"/>
+            <a:tailEnd type="none" w="med" len="med"/>
+          </a:ln>
+        </p:spPr>
+        <p:style>
+          <a:lnRef idx="1">
+            <a:schemeClr val="dk1"/>
+          </a:lnRef>
+          <a:fillRef idx="0">
+            <a:schemeClr val="dk1"/>
+          </a:fillRef>
+          <a:effectRef idx="0">
+            <a:schemeClr val="dk1"/>
+          </a:effectRef>
+          <a:fontRef idx="minor">
+            <a:schemeClr val="tx1"/>
+          </a:fontRef>
+        </p:style>
+      </p:cxnSp>
+      <p:sp>
+        <p:nvSpPr>
+          <p:cNvPr id="104" name="사각형: 둥근 모서리 103">
+            <a:extLst>
+              <a:ext uri="{FF2B5EF4-FFF2-40B4-BE49-F238E27FC236}">
+                <a16:creationId xmlns:a16="http://schemas.microsoft.com/office/drawing/2014/main" id="{24A8CAC9-6007-418A-A80C-76F831EE1A72}"/>
+              </a:ext>
+            </a:extLst>
+          </p:cNvPr>
+          <p:cNvSpPr/>
+          <p:nvPr/>
+        </p:nvSpPr>
+        <p:spPr>
+          <a:xfrm>
+            <a:off x="4148479" y="3953936"/>
+            <a:ext cx="495521" cy="351404"/>
+          </a:xfrm>
+          <a:prstGeom prst="roundRect">
+            <a:avLst>
+              <a:gd name="adj" fmla="val 10349"/>
+            </a:avLst>
+          </a:prstGeom>
+        </p:spPr>
+        <p:style>
+          <a:lnRef idx="2">
+            <a:schemeClr val="dk1"/>
+          </a:lnRef>
+          <a:fillRef idx="1">
+            <a:schemeClr val="lt1"/>
+          </a:fillRef>
+          <a:effectRef idx="0">
+            <a:schemeClr val="dk1"/>
+          </a:effectRef>
+          <a:fontRef idx="minor">
+            <a:schemeClr val="dk1"/>
+          </a:fontRef>
+        </p:style>
+        <p:txBody>
+          <a:bodyPr rtlCol="0" anchor="ctr"/>
+          <a:lstStyle/>
+          <a:p>
+            <a:pPr algn="ctr"/>
+            <a:r>
+              <a:rPr lang="en-US" altLang="ko-KR" sz="1200"/>
+              <a:t>M2</a:t>
+            </a:r>
+            <a:endParaRPr lang="ko-KR" altLang="en-US" sz="1200"/>
+          </a:p>
+        </p:txBody>
+      </p:sp>
+      <p:sp>
+        <p:nvSpPr>
+          <p:cNvPr id="105" name="사각형: 둥근 모서리 104">
+            <a:extLst>
+              <a:ext uri="{FF2B5EF4-FFF2-40B4-BE49-F238E27FC236}">
+                <a16:creationId xmlns:a16="http://schemas.microsoft.com/office/drawing/2014/main" id="{1B3984DE-1E1B-41E6-887C-701E99719D8E}"/>
+              </a:ext>
+            </a:extLst>
+          </p:cNvPr>
+          <p:cNvSpPr/>
+          <p:nvPr/>
+        </p:nvSpPr>
+        <p:spPr>
+          <a:xfrm>
+            <a:off x="4148490" y="1275606"/>
+            <a:ext cx="495515" cy="1333741"/>
+          </a:xfrm>
+          <a:prstGeom prst="roundRect">
+            <a:avLst>
+              <a:gd name="adj" fmla="val 10349"/>
+            </a:avLst>
+          </a:prstGeom>
+        </p:spPr>
+        <p:style>
+          <a:lnRef idx="2">
+            <a:schemeClr val="dk1"/>
+          </a:lnRef>
+          <a:fillRef idx="1">
+            <a:schemeClr val="lt1"/>
+          </a:fillRef>
+          <a:effectRef idx="0">
+            <a:schemeClr val="dk1"/>
+          </a:effectRef>
+          <a:fontRef idx="minor">
+            <a:schemeClr val="dk1"/>
+          </a:fontRef>
+        </p:style>
+        <p:txBody>
+          <a:bodyPr rtlCol="0" anchor="b"/>
+          <a:lstStyle/>
+          <a:p>
+            <a:pPr algn="ctr"/>
+            <a:r>
+              <a:rPr lang="en-US" altLang="ko-KR" sz="1200"/>
+              <a:t>LRQ</a:t>
+            </a:r>
+            <a:endParaRPr lang="ko-KR" altLang="en-US" sz="1200"/>
+          </a:p>
+        </p:txBody>
+      </p:sp>
+      <p:sp>
+        <p:nvSpPr>
+          <p:cNvPr id="106" name="사각형: 둥근 모서리 105">
+            <a:extLst>
+              <a:ext uri="{FF2B5EF4-FFF2-40B4-BE49-F238E27FC236}">
+                <a16:creationId xmlns:a16="http://schemas.microsoft.com/office/drawing/2014/main" id="{C8DE5C72-75F7-4CEE-892E-7ABD33AC7040}"/>
+              </a:ext>
+            </a:extLst>
+          </p:cNvPr>
+          <p:cNvSpPr/>
+          <p:nvPr/>
+        </p:nvSpPr>
+        <p:spPr>
+          <a:xfrm>
+            <a:off x="4238282" y="2028770"/>
+            <a:ext cx="315932" cy="291027"/>
+          </a:xfrm>
+          <a:prstGeom prst="roundRect">
+            <a:avLst>
+              <a:gd name="adj" fmla="val 50000"/>
+            </a:avLst>
+          </a:prstGeom>
+          <a:solidFill>
+            <a:schemeClr val="bg1">
+              <a:lumMod val="85000"/>
+            </a:schemeClr>
+          </a:solidFill>
+        </p:spPr>
+        <p:style>
+          <a:lnRef idx="2">
+            <a:schemeClr val="dk1"/>
+          </a:lnRef>
+          <a:fillRef idx="1">
+            <a:schemeClr val="lt1"/>
+          </a:fillRef>
+          <a:effectRef idx="0">
+            <a:schemeClr val="dk1"/>
+          </a:effectRef>
+          <a:fontRef idx="minor">
+            <a:schemeClr val="dk1"/>
+          </a:fontRef>
+        </p:style>
+        <p:txBody>
+          <a:bodyPr rtlCol="0" anchor="ctr"/>
+          <a:lstStyle/>
+          <a:p>
+            <a:pPr algn="ctr"/>
+            <a:r>
+              <a:rPr lang="en-US" altLang="ko-KR" sz="1200"/>
+              <a:t>G</a:t>
+            </a:r>
+            <a:endParaRPr lang="ko-KR" altLang="en-US" sz="1200"/>
+          </a:p>
+        </p:txBody>
+      </p:sp>
+      <p:sp>
+        <p:nvSpPr>
+          <p:cNvPr id="107" name="사각형: 둥근 모서리 106">
+            <a:extLst>
+              <a:ext uri="{FF2B5EF4-FFF2-40B4-BE49-F238E27FC236}">
+                <a16:creationId xmlns:a16="http://schemas.microsoft.com/office/drawing/2014/main" id="{0A31DA0C-164A-4B60-9F42-7F1CAFEFFC33}"/>
+              </a:ext>
+            </a:extLst>
+          </p:cNvPr>
+          <p:cNvSpPr/>
+          <p:nvPr/>
+        </p:nvSpPr>
+        <p:spPr>
+          <a:xfrm>
+            <a:off x="4238282" y="1682189"/>
+            <a:ext cx="315932" cy="291027"/>
+          </a:xfrm>
+          <a:prstGeom prst="roundRect">
+            <a:avLst>
+              <a:gd name="adj" fmla="val 50000"/>
+            </a:avLst>
+          </a:prstGeom>
+          <a:solidFill>
+            <a:schemeClr val="bg1">
+              <a:lumMod val="85000"/>
+            </a:schemeClr>
+          </a:solidFill>
+        </p:spPr>
+        <p:style>
+          <a:lnRef idx="2">
+            <a:schemeClr val="dk1"/>
+          </a:lnRef>
+          <a:fillRef idx="1">
+            <a:schemeClr val="lt1"/>
+          </a:fillRef>
+          <a:effectRef idx="0">
+            <a:schemeClr val="dk1"/>
+          </a:effectRef>
+          <a:fontRef idx="minor">
+            <a:schemeClr val="dk1"/>
+          </a:fontRef>
+        </p:style>
+        <p:txBody>
+          <a:bodyPr rtlCol="0" anchor="ctr"/>
+          <a:lstStyle/>
+          <a:p>
+            <a:pPr algn="ctr"/>
+            <a:r>
+              <a:rPr lang="en-US" altLang="ko-KR" sz="1200"/>
+              <a:t>G</a:t>
+            </a:r>
+            <a:endParaRPr lang="ko-KR" altLang="en-US" sz="1200"/>
+          </a:p>
+        </p:txBody>
+      </p:sp>
+      <p:sp>
+        <p:nvSpPr>
+          <p:cNvPr id="109" name="사각형: 둥근 모서리 108">
+            <a:extLst>
+              <a:ext uri="{FF2B5EF4-FFF2-40B4-BE49-F238E27FC236}">
+                <a16:creationId xmlns:a16="http://schemas.microsoft.com/office/drawing/2014/main" id="{65896EBF-AD20-48C0-9C15-12E4ED367E30}"/>
+              </a:ext>
+            </a:extLst>
+          </p:cNvPr>
+          <p:cNvSpPr/>
+          <p:nvPr/>
+        </p:nvSpPr>
+        <p:spPr>
+          <a:xfrm>
+            <a:off x="4148487" y="2842966"/>
+            <a:ext cx="495521" cy="351404"/>
+          </a:xfrm>
+          <a:prstGeom prst="roundRect">
+            <a:avLst>
+              <a:gd name="adj" fmla="val 10349"/>
+            </a:avLst>
+          </a:prstGeom>
+        </p:spPr>
+        <p:style>
+          <a:lnRef idx="2">
+            <a:schemeClr val="dk1"/>
+          </a:lnRef>
+          <a:fillRef idx="1">
+            <a:schemeClr val="lt1"/>
+          </a:fillRef>
+          <a:effectRef idx="0">
+            <a:schemeClr val="dk1"/>
+          </a:effectRef>
+          <a:fontRef idx="minor">
+            <a:schemeClr val="dk1"/>
+          </a:fontRef>
+        </p:style>
+        <p:txBody>
+          <a:bodyPr rtlCol="0" anchor="ctr"/>
+          <a:lstStyle/>
+          <a:p>
+            <a:pPr algn="ctr"/>
+            <a:r>
+              <a:rPr lang="en-US" altLang="ko-KR" sz="1200"/>
+              <a:t>P1</a:t>
+            </a:r>
+            <a:endParaRPr lang="ko-KR" altLang="en-US" sz="1200"/>
+          </a:p>
+        </p:txBody>
+      </p:sp>
+      <p:sp>
+        <p:nvSpPr>
+          <p:cNvPr id="110" name="사각형: 둥근 모서리 109">
+            <a:extLst>
+              <a:ext uri="{FF2B5EF4-FFF2-40B4-BE49-F238E27FC236}">
+                <a16:creationId xmlns:a16="http://schemas.microsoft.com/office/drawing/2014/main" id="{A87A7B1B-8C74-4EB8-9846-6C46FE795275}"/>
+              </a:ext>
+            </a:extLst>
+          </p:cNvPr>
+          <p:cNvSpPr/>
+          <p:nvPr/>
+        </p:nvSpPr>
+        <p:spPr>
+          <a:xfrm>
+            <a:off x="4238268" y="3428639"/>
+            <a:ext cx="315932" cy="291027"/>
+          </a:xfrm>
+          <a:prstGeom prst="roundRect">
+            <a:avLst>
+              <a:gd name="adj" fmla="val 50000"/>
+            </a:avLst>
+          </a:prstGeom>
+          <a:solidFill>
+            <a:schemeClr val="accent1">
+              <a:lumMod val="40000"/>
+              <a:lumOff val="60000"/>
+            </a:schemeClr>
+          </a:solidFill>
+        </p:spPr>
+        <p:style>
+          <a:lnRef idx="2">
+            <a:schemeClr val="dk1"/>
+          </a:lnRef>
+          <a:fillRef idx="1">
+            <a:schemeClr val="lt1"/>
+          </a:fillRef>
+          <a:effectRef idx="0">
+            <a:schemeClr val="dk1"/>
+          </a:effectRef>
+          <a:fontRef idx="minor">
+            <a:schemeClr val="dk1"/>
+          </a:fontRef>
+        </p:style>
+        <p:txBody>
+          <a:bodyPr rtlCol="0" anchor="ctr"/>
+          <a:lstStyle/>
+          <a:p>
+            <a:pPr algn="ctr"/>
+            <a:r>
+              <a:rPr lang="en-US" altLang="ko-KR" sz="1200"/>
+              <a:t>G</a:t>
+            </a:r>
+            <a:endParaRPr lang="ko-KR" altLang="en-US" sz="1200"/>
+          </a:p>
+        </p:txBody>
+      </p:sp>
+      <p:cxnSp>
+        <p:nvCxnSpPr>
+          <p:cNvPr id="111" name="직선 화살표 연결선 110">
+            <a:extLst>
+              <a:ext uri="{FF2B5EF4-FFF2-40B4-BE49-F238E27FC236}">
+                <a16:creationId xmlns:a16="http://schemas.microsoft.com/office/drawing/2014/main" id="{166EB293-E127-49B3-B825-98EC75D1E118}"/>
+              </a:ext>
+            </a:extLst>
+          </p:cNvPr>
+          <p:cNvCxnSpPr>
+            <a:cxnSpLocks/>
+            <a:stCxn id="105" idx="2"/>
+            <a:endCxn id="109" idx="0"/>
+          </p:cNvCxnSpPr>
+          <p:nvPr/>
+        </p:nvCxnSpPr>
+        <p:spPr>
+          <a:xfrm>
+            <a:off x="4396247" y="2609347"/>
+            <a:ext cx="0" cy="233619"/>
+          </a:xfrm>
+          <a:prstGeom prst="straightConnector1">
+            <a:avLst/>
+          </a:prstGeom>
+          <a:ln w="19050">
+            <a:headEnd type="none" w="med" len="med"/>
+            <a:tailEnd type="arrow" w="med" len="med"/>
+          </a:ln>
+        </p:spPr>
+        <p:style>
+          <a:lnRef idx="1">
+            <a:schemeClr val="dk1"/>
+          </a:lnRef>
+          <a:fillRef idx="0">
+            <a:schemeClr val="dk1"/>
+          </a:fillRef>
+          <a:effectRef idx="0">
+            <a:schemeClr val="dk1"/>
+          </a:effectRef>
+          <a:fontRef idx="minor">
+            <a:schemeClr val="tx1"/>
+          </a:fontRef>
+        </p:style>
+      </p:cxnSp>
+      <p:cxnSp>
+        <p:nvCxnSpPr>
+          <p:cNvPr id="112" name="직선 화살표 연결선 111">
+            <a:extLst>
+              <a:ext uri="{FF2B5EF4-FFF2-40B4-BE49-F238E27FC236}">
+                <a16:creationId xmlns:a16="http://schemas.microsoft.com/office/drawing/2014/main" id="{DB246459-8019-4573-824F-07E114E00219}"/>
+              </a:ext>
+            </a:extLst>
+          </p:cNvPr>
+          <p:cNvCxnSpPr>
+            <a:cxnSpLocks/>
+            <a:stCxn id="109" idx="2"/>
+            <a:endCxn id="110" idx="0"/>
+          </p:cNvCxnSpPr>
+          <p:nvPr/>
+        </p:nvCxnSpPr>
+        <p:spPr>
+          <a:xfrm flipH="1">
+            <a:off x="4396234" y="3194370"/>
+            <a:ext cx="13" cy="234270"/>
+          </a:xfrm>
+          <a:prstGeom prst="straightConnector1">
+            <a:avLst/>
+          </a:prstGeom>
+          <a:ln w="19050">
+            <a:headEnd type="none" w="med" len="med"/>
+            <a:tailEnd type="arrow" w="med" len="med"/>
+          </a:ln>
+        </p:spPr>
+        <p:style>
+          <a:lnRef idx="1">
+            <a:schemeClr val="dk1"/>
+          </a:lnRef>
+          <a:fillRef idx="0">
+            <a:schemeClr val="dk1"/>
+          </a:fillRef>
+          <a:effectRef idx="0">
+            <a:schemeClr val="dk1"/>
+          </a:effectRef>
+          <a:fontRef idx="minor">
+            <a:schemeClr val="tx1"/>
+          </a:fontRef>
+        </p:style>
+      </p:cxnSp>
+      <p:cxnSp>
+        <p:nvCxnSpPr>
+          <p:cNvPr id="113" name="직선 화살표 연결선 112">
+            <a:extLst>
+              <a:ext uri="{FF2B5EF4-FFF2-40B4-BE49-F238E27FC236}">
+                <a16:creationId xmlns:a16="http://schemas.microsoft.com/office/drawing/2014/main" id="{B3A8F9CF-2DB8-4366-9825-4B6E692ED8F3}"/>
+              </a:ext>
+            </a:extLst>
+          </p:cNvPr>
+          <p:cNvCxnSpPr>
+            <a:cxnSpLocks/>
+            <a:stCxn id="104" idx="0"/>
+            <a:endCxn id="110" idx="2"/>
+          </p:cNvCxnSpPr>
+          <p:nvPr/>
+        </p:nvCxnSpPr>
+        <p:spPr>
+          <a:xfrm flipH="1" flipV="1">
+            <a:off x="4396234" y="3719666"/>
+            <a:ext cx="5" cy="234270"/>
+          </a:xfrm>
+          <a:prstGeom prst="straightConnector1">
+            <a:avLst/>
+          </a:prstGeom>
+          <a:ln w="19050">
+            <a:headEnd type="none" w="med" len="med"/>
+            <a:tailEnd type="none" w="med" len="med"/>
+          </a:ln>
+        </p:spPr>
+        <p:style>
+          <a:lnRef idx="1">
+            <a:schemeClr val="dk1"/>
+          </a:lnRef>
+          <a:fillRef idx="0">
+            <a:schemeClr val="dk1"/>
+          </a:fillRef>
+          <a:effectRef idx="0">
+            <a:schemeClr val="dk1"/>
+          </a:effectRef>
+          <a:fontRef idx="minor">
+            <a:schemeClr val="tx1"/>
+          </a:fontRef>
+        </p:style>
+      </p:cxnSp>
+      <p:sp>
+        <p:nvSpPr>
+          <p:cNvPr id="114" name="사각형: 둥근 모서리 113">
+            <a:extLst>
+              <a:ext uri="{FF2B5EF4-FFF2-40B4-BE49-F238E27FC236}">
+                <a16:creationId xmlns:a16="http://schemas.microsoft.com/office/drawing/2014/main" id="{76C1375F-A66C-47D0-9021-AECEB7DF9C2F}"/>
+              </a:ext>
+            </a:extLst>
+          </p:cNvPr>
+          <p:cNvSpPr/>
+          <p:nvPr/>
+        </p:nvSpPr>
+        <p:spPr>
+          <a:xfrm>
+            <a:off x="3381352" y="3953936"/>
+            <a:ext cx="495521" cy="351404"/>
+          </a:xfrm>
+          <a:prstGeom prst="roundRect">
+            <a:avLst>
+              <a:gd name="adj" fmla="val 10349"/>
+            </a:avLst>
+          </a:prstGeom>
+        </p:spPr>
+        <p:style>
+          <a:lnRef idx="2">
+            <a:schemeClr val="dk1"/>
+          </a:lnRef>
+          <a:fillRef idx="1">
+            <a:schemeClr val="lt1"/>
+          </a:fillRef>
+          <a:effectRef idx="0">
+            <a:schemeClr val="dk1"/>
+          </a:effectRef>
+          <a:fontRef idx="minor">
+            <a:schemeClr val="dk1"/>
+          </a:fontRef>
+        </p:style>
+        <p:txBody>
+          <a:bodyPr rtlCol="0" anchor="ctr"/>
+          <a:lstStyle/>
+          <a:p>
+            <a:pPr algn="ctr"/>
+            <a:r>
+              <a:rPr lang="en-US" altLang="ko-KR" sz="1200"/>
+              <a:t>M1</a:t>
+            </a:r>
+            <a:endParaRPr lang="ko-KR" altLang="en-US" sz="1200"/>
+          </a:p>
+        </p:txBody>
+      </p:sp>
+      <p:sp>
+        <p:nvSpPr>
+          <p:cNvPr id="115" name="사각형: 둥근 모서리 114">
+            <a:extLst>
+              <a:ext uri="{FF2B5EF4-FFF2-40B4-BE49-F238E27FC236}">
+                <a16:creationId xmlns:a16="http://schemas.microsoft.com/office/drawing/2014/main" id="{DCD9DEF7-FA97-4375-ADF9-CCAA68A1F09A}"/>
+              </a:ext>
+            </a:extLst>
+          </p:cNvPr>
+          <p:cNvSpPr/>
+          <p:nvPr/>
+        </p:nvSpPr>
+        <p:spPr>
+          <a:xfrm>
+            <a:off x="3471141" y="3428639"/>
+            <a:ext cx="315932" cy="291027"/>
+          </a:xfrm>
+          <a:prstGeom prst="roundRect">
+            <a:avLst>
+              <a:gd name="adj" fmla="val 50000"/>
+            </a:avLst>
+          </a:prstGeom>
+          <a:solidFill>
+            <a:schemeClr val="accent2">
+              <a:lumMod val="40000"/>
+              <a:lumOff val="60000"/>
+            </a:schemeClr>
+          </a:solidFill>
+        </p:spPr>
+        <p:style>
+          <a:lnRef idx="2">
+            <a:schemeClr val="dk1"/>
+          </a:lnRef>
+          <a:fillRef idx="1">
+            <a:schemeClr val="lt1"/>
+          </a:fillRef>
+          <a:effectRef idx="0">
+            <a:schemeClr val="dk1"/>
+          </a:effectRef>
+          <a:fontRef idx="minor">
+            <a:schemeClr val="dk1"/>
+          </a:fontRef>
+        </p:style>
+        <p:txBody>
+          <a:bodyPr rtlCol="0" anchor="ctr"/>
+          <a:lstStyle/>
+          <a:p>
+            <a:pPr algn="ctr"/>
+            <a:r>
+              <a:rPr lang="en-US" altLang="ko-KR" sz="1200"/>
+              <a:t>G</a:t>
+            </a:r>
+            <a:endParaRPr lang="ko-KR" altLang="en-US" sz="1200"/>
+          </a:p>
+        </p:txBody>
+      </p:sp>
+      <p:cxnSp>
+        <p:nvCxnSpPr>
+          <p:cNvPr id="116" name="직선 화살표 연결선 115">
+            <a:extLst>
+              <a:ext uri="{FF2B5EF4-FFF2-40B4-BE49-F238E27FC236}">
+                <a16:creationId xmlns:a16="http://schemas.microsoft.com/office/drawing/2014/main" id="{FF5B298D-4C80-4268-9027-35CF472F669F}"/>
+              </a:ext>
+            </a:extLst>
+          </p:cNvPr>
+          <p:cNvCxnSpPr>
+            <a:cxnSpLocks/>
+            <a:stCxn id="114" idx="0"/>
+            <a:endCxn id="115" idx="2"/>
+          </p:cNvCxnSpPr>
+          <p:nvPr/>
+        </p:nvCxnSpPr>
+        <p:spPr>
+          <a:xfrm flipH="1" flipV="1">
+            <a:off x="3629107" y="3719666"/>
+            <a:ext cx="5" cy="234270"/>
+          </a:xfrm>
+          <a:prstGeom prst="straightConnector1">
+            <a:avLst/>
+          </a:prstGeom>
+          <a:ln w="19050">
+            <a:headEnd type="none" w="med" len="med"/>
+            <a:tailEnd type="none" w="med" len="med"/>
+          </a:ln>
+        </p:spPr>
+        <p:style>
+          <a:lnRef idx="1">
+            <a:schemeClr val="dk1"/>
+          </a:lnRef>
+          <a:fillRef idx="0">
+            <a:schemeClr val="dk1"/>
+          </a:fillRef>
+          <a:effectRef idx="0">
+            <a:schemeClr val="dk1"/>
+          </a:effectRef>
+          <a:fontRef idx="minor">
+            <a:schemeClr val="tx1"/>
+          </a:fontRef>
+        </p:style>
+      </p:cxnSp>
+      <p:sp>
+        <p:nvSpPr>
+          <p:cNvPr id="117" name="사각형: 둥근 모서리 116">
+            <a:extLst>
+              <a:ext uri="{FF2B5EF4-FFF2-40B4-BE49-F238E27FC236}">
+                <a16:creationId xmlns:a16="http://schemas.microsoft.com/office/drawing/2014/main" id="{19B61217-96F1-4166-BE9B-2F21604DC2F7}"/>
+              </a:ext>
+            </a:extLst>
+          </p:cNvPr>
+          <p:cNvSpPr/>
+          <p:nvPr/>
+        </p:nvSpPr>
+        <p:spPr>
+          <a:xfrm>
+            <a:off x="6534490" y="3953936"/>
+            <a:ext cx="495521" cy="351404"/>
+          </a:xfrm>
+          <a:prstGeom prst="roundRect">
+            <a:avLst>
+              <a:gd name="adj" fmla="val 10349"/>
+            </a:avLst>
+          </a:prstGeom>
+        </p:spPr>
+        <p:style>
+          <a:lnRef idx="2">
+            <a:schemeClr val="dk1"/>
+          </a:lnRef>
+          <a:fillRef idx="1">
+            <a:schemeClr val="lt1"/>
+          </a:fillRef>
+          <a:effectRef idx="0">
+            <a:schemeClr val="dk1"/>
+          </a:effectRef>
+          <a:fontRef idx="minor">
+            <a:schemeClr val="dk1"/>
+          </a:fontRef>
+        </p:style>
+        <p:txBody>
+          <a:bodyPr rtlCol="0" anchor="ctr"/>
+          <a:lstStyle/>
+          <a:p>
+            <a:pPr algn="ctr"/>
+            <a:r>
+              <a:rPr lang="en-US" altLang="ko-KR" sz="1200"/>
+              <a:t>M2</a:t>
+            </a:r>
+            <a:endParaRPr lang="ko-KR" altLang="en-US" sz="1200"/>
+          </a:p>
+        </p:txBody>
+      </p:sp>
+      <p:sp>
+        <p:nvSpPr>
+          <p:cNvPr id="118" name="사각형: 둥근 모서리 117">
+            <a:extLst>
+              <a:ext uri="{FF2B5EF4-FFF2-40B4-BE49-F238E27FC236}">
+                <a16:creationId xmlns:a16="http://schemas.microsoft.com/office/drawing/2014/main" id="{BB3AA976-B3E0-465D-BA09-1C4F545F973D}"/>
+              </a:ext>
+            </a:extLst>
+          </p:cNvPr>
+          <p:cNvSpPr/>
+          <p:nvPr/>
+        </p:nvSpPr>
+        <p:spPr>
+          <a:xfrm>
+            <a:off x="6534501" y="1275606"/>
+            <a:ext cx="495515" cy="1333741"/>
+          </a:xfrm>
+          <a:prstGeom prst="roundRect">
+            <a:avLst>
+              <a:gd name="adj" fmla="val 10349"/>
+            </a:avLst>
+          </a:prstGeom>
+        </p:spPr>
+        <p:style>
+          <a:lnRef idx="2">
+            <a:schemeClr val="dk1"/>
+          </a:lnRef>
+          <a:fillRef idx="1">
+            <a:schemeClr val="lt1"/>
+          </a:fillRef>
+          <a:effectRef idx="0">
+            <a:schemeClr val="dk1"/>
+          </a:effectRef>
+          <a:fontRef idx="minor">
+            <a:schemeClr val="dk1"/>
+          </a:fontRef>
+        </p:style>
+        <p:txBody>
+          <a:bodyPr rtlCol="0" anchor="b"/>
+          <a:lstStyle/>
+          <a:p>
+            <a:pPr algn="ctr"/>
+            <a:r>
+              <a:rPr lang="en-US" altLang="ko-KR" sz="1200"/>
+              <a:t>LRQ</a:t>
+            </a:r>
+            <a:endParaRPr lang="ko-KR" altLang="en-US" sz="1200"/>
+          </a:p>
+        </p:txBody>
+      </p:sp>
+      <p:sp>
+        <p:nvSpPr>
+          <p:cNvPr id="119" name="사각형: 둥근 모서리 118">
+            <a:extLst>
+              <a:ext uri="{FF2B5EF4-FFF2-40B4-BE49-F238E27FC236}">
+                <a16:creationId xmlns:a16="http://schemas.microsoft.com/office/drawing/2014/main" id="{F0F19A37-6CCE-433A-85C5-384FFD6B49EA}"/>
+              </a:ext>
+            </a:extLst>
+          </p:cNvPr>
+          <p:cNvSpPr/>
+          <p:nvPr/>
+        </p:nvSpPr>
+        <p:spPr>
+          <a:xfrm>
+            <a:off x="6624293" y="2028770"/>
+            <a:ext cx="315932" cy="291027"/>
+          </a:xfrm>
+          <a:prstGeom prst="roundRect">
+            <a:avLst>
+              <a:gd name="adj" fmla="val 50000"/>
+            </a:avLst>
+          </a:prstGeom>
+          <a:solidFill>
+            <a:schemeClr val="bg1">
+              <a:lumMod val="85000"/>
+            </a:schemeClr>
+          </a:solidFill>
+        </p:spPr>
+        <p:style>
+          <a:lnRef idx="2">
+            <a:schemeClr val="dk1"/>
+          </a:lnRef>
+          <a:fillRef idx="1">
+            <a:schemeClr val="lt1"/>
+          </a:fillRef>
+          <a:effectRef idx="0">
+            <a:schemeClr val="dk1"/>
+          </a:effectRef>
+          <a:fontRef idx="minor">
+            <a:schemeClr val="dk1"/>
+          </a:fontRef>
+        </p:style>
+        <p:txBody>
+          <a:bodyPr rtlCol="0" anchor="ctr"/>
+          <a:lstStyle/>
+          <a:p>
+            <a:pPr algn="ctr"/>
+            <a:r>
+              <a:rPr lang="en-US" altLang="ko-KR" sz="1200"/>
+              <a:t>G</a:t>
+            </a:r>
+            <a:endParaRPr lang="ko-KR" altLang="en-US" sz="1200"/>
+          </a:p>
+        </p:txBody>
+      </p:sp>
+      <p:sp>
+        <p:nvSpPr>
+          <p:cNvPr id="120" name="사각형: 둥근 모서리 119">
+            <a:extLst>
+              <a:ext uri="{FF2B5EF4-FFF2-40B4-BE49-F238E27FC236}">
+                <a16:creationId xmlns:a16="http://schemas.microsoft.com/office/drawing/2014/main" id="{207A4FD0-C898-4304-B2A8-D974C7DC6A45}"/>
+              </a:ext>
+            </a:extLst>
+          </p:cNvPr>
+          <p:cNvSpPr/>
+          <p:nvPr/>
+        </p:nvSpPr>
+        <p:spPr>
+          <a:xfrm>
+            <a:off x="6624293" y="1682189"/>
+            <a:ext cx="315932" cy="291027"/>
+          </a:xfrm>
+          <a:prstGeom prst="roundRect">
+            <a:avLst>
+              <a:gd name="adj" fmla="val 50000"/>
+            </a:avLst>
+          </a:prstGeom>
+          <a:solidFill>
+            <a:schemeClr val="bg1">
+              <a:lumMod val="85000"/>
+            </a:schemeClr>
+          </a:solidFill>
+        </p:spPr>
+        <p:style>
+          <a:lnRef idx="2">
+            <a:schemeClr val="dk1"/>
+          </a:lnRef>
+          <a:fillRef idx="1">
+            <a:schemeClr val="lt1"/>
+          </a:fillRef>
+          <a:effectRef idx="0">
+            <a:schemeClr val="dk1"/>
+          </a:effectRef>
+          <a:fontRef idx="minor">
+            <a:schemeClr val="dk1"/>
+          </a:fontRef>
+        </p:style>
+        <p:txBody>
+          <a:bodyPr rtlCol="0" anchor="ctr"/>
+          <a:lstStyle/>
+          <a:p>
+            <a:pPr algn="ctr"/>
+            <a:r>
+              <a:rPr lang="en-US" altLang="ko-KR" sz="1200"/>
+              <a:t>G</a:t>
+            </a:r>
+            <a:endParaRPr lang="ko-KR" altLang="en-US" sz="1200"/>
+          </a:p>
+        </p:txBody>
+      </p:sp>
+      <p:sp>
+        <p:nvSpPr>
+          <p:cNvPr id="121" name="사각형: 둥근 모서리 120">
+            <a:extLst>
+              <a:ext uri="{FF2B5EF4-FFF2-40B4-BE49-F238E27FC236}">
+                <a16:creationId xmlns:a16="http://schemas.microsoft.com/office/drawing/2014/main" id="{CAB641F5-310C-4A9D-ADE5-90722C6061B4}"/>
+              </a:ext>
+            </a:extLst>
+          </p:cNvPr>
+          <p:cNvSpPr/>
+          <p:nvPr/>
+        </p:nvSpPr>
+        <p:spPr>
+          <a:xfrm>
+            <a:off x="6534498" y="2842966"/>
+            <a:ext cx="495521" cy="351404"/>
+          </a:xfrm>
+          <a:prstGeom prst="roundRect">
+            <a:avLst>
+              <a:gd name="adj" fmla="val 10349"/>
+            </a:avLst>
+          </a:prstGeom>
+        </p:spPr>
+        <p:style>
+          <a:lnRef idx="2">
+            <a:schemeClr val="dk1"/>
+          </a:lnRef>
+          <a:fillRef idx="1">
+            <a:schemeClr val="lt1"/>
+          </a:fillRef>
+          <a:effectRef idx="0">
+            <a:schemeClr val="dk1"/>
+          </a:effectRef>
+          <a:fontRef idx="minor">
+            <a:schemeClr val="dk1"/>
+          </a:fontRef>
+        </p:style>
+        <p:txBody>
+          <a:bodyPr rtlCol="0" anchor="ctr"/>
+          <a:lstStyle/>
+          <a:p>
+            <a:pPr algn="ctr"/>
+            <a:r>
+              <a:rPr lang="en-US" altLang="ko-KR" sz="1200"/>
+              <a:t>P1</a:t>
+            </a:r>
+            <a:endParaRPr lang="ko-KR" altLang="en-US" sz="1200"/>
+          </a:p>
+        </p:txBody>
+      </p:sp>
+      <p:sp>
+        <p:nvSpPr>
+          <p:cNvPr id="122" name="사각형: 둥근 모서리 121">
+            <a:extLst>
+              <a:ext uri="{FF2B5EF4-FFF2-40B4-BE49-F238E27FC236}">
+                <a16:creationId xmlns:a16="http://schemas.microsoft.com/office/drawing/2014/main" id="{A57BAB2A-666F-4EDF-BC6C-395B7D21B531}"/>
+              </a:ext>
+            </a:extLst>
+          </p:cNvPr>
+          <p:cNvSpPr/>
+          <p:nvPr/>
+        </p:nvSpPr>
+        <p:spPr>
+          <a:xfrm>
+            <a:off x="6624279" y="3428639"/>
+            <a:ext cx="315932" cy="291027"/>
+          </a:xfrm>
+          <a:prstGeom prst="roundRect">
+            <a:avLst>
+              <a:gd name="adj" fmla="val 50000"/>
+            </a:avLst>
+          </a:prstGeom>
+          <a:solidFill>
+            <a:schemeClr val="accent1">
+              <a:lumMod val="40000"/>
+              <a:lumOff val="60000"/>
+            </a:schemeClr>
+          </a:solidFill>
+        </p:spPr>
+        <p:style>
+          <a:lnRef idx="2">
+            <a:schemeClr val="dk1"/>
+          </a:lnRef>
+          <a:fillRef idx="1">
+            <a:schemeClr val="lt1"/>
+          </a:fillRef>
+          <a:effectRef idx="0">
+            <a:schemeClr val="dk1"/>
+          </a:effectRef>
+          <a:fontRef idx="minor">
+            <a:schemeClr val="dk1"/>
+          </a:fontRef>
+        </p:style>
+        <p:txBody>
+          <a:bodyPr rtlCol="0" anchor="ctr"/>
+          <a:lstStyle/>
+          <a:p>
+            <a:pPr algn="ctr"/>
+            <a:r>
+              <a:rPr lang="en-US" altLang="ko-KR" sz="1200"/>
+              <a:t>G</a:t>
+            </a:r>
+            <a:endParaRPr lang="ko-KR" altLang="en-US" sz="1200"/>
+          </a:p>
+        </p:txBody>
+      </p:sp>
+      <p:cxnSp>
+        <p:nvCxnSpPr>
+          <p:cNvPr id="123" name="직선 화살표 연결선 122">
+            <a:extLst>
+              <a:ext uri="{FF2B5EF4-FFF2-40B4-BE49-F238E27FC236}">
+                <a16:creationId xmlns:a16="http://schemas.microsoft.com/office/drawing/2014/main" id="{957EF0FB-67D3-4AE8-BFB5-D9B2877E2144}"/>
+              </a:ext>
+            </a:extLst>
+          </p:cNvPr>
+          <p:cNvCxnSpPr>
+            <a:cxnSpLocks/>
+            <a:stCxn id="118" idx="2"/>
+            <a:endCxn id="121" idx="0"/>
+          </p:cNvCxnSpPr>
+          <p:nvPr/>
+        </p:nvCxnSpPr>
+        <p:spPr>
+          <a:xfrm>
+            <a:off x="6782258" y="2609347"/>
+            <a:ext cx="0" cy="233619"/>
+          </a:xfrm>
+          <a:prstGeom prst="straightConnector1">
+            <a:avLst/>
+          </a:prstGeom>
+          <a:ln w="19050">
+            <a:headEnd type="none" w="med" len="med"/>
+            <a:tailEnd type="arrow" w="med" len="med"/>
+          </a:ln>
+        </p:spPr>
+        <p:style>
+          <a:lnRef idx="1">
+            <a:schemeClr val="dk1"/>
+          </a:lnRef>
+          <a:fillRef idx="0">
+            <a:schemeClr val="dk1"/>
+          </a:fillRef>
+          <a:effectRef idx="0">
+            <a:schemeClr val="dk1"/>
+          </a:effectRef>
+          <a:fontRef idx="minor">
+            <a:schemeClr val="tx1"/>
+          </a:fontRef>
+        </p:style>
+      </p:cxnSp>
+      <p:cxnSp>
+        <p:nvCxnSpPr>
+          <p:cNvPr id="124" name="직선 화살표 연결선 123">
+            <a:extLst>
+              <a:ext uri="{FF2B5EF4-FFF2-40B4-BE49-F238E27FC236}">
+                <a16:creationId xmlns:a16="http://schemas.microsoft.com/office/drawing/2014/main" id="{20C13AED-9FD3-4DAD-8C23-6F7AA24616B8}"/>
+              </a:ext>
+            </a:extLst>
+          </p:cNvPr>
+          <p:cNvCxnSpPr>
+            <a:cxnSpLocks/>
+            <a:stCxn id="121" idx="2"/>
+            <a:endCxn id="122" idx="0"/>
+          </p:cNvCxnSpPr>
+          <p:nvPr/>
+        </p:nvCxnSpPr>
+        <p:spPr>
+          <a:xfrm flipH="1">
+            <a:off x="6782245" y="3194370"/>
+            <a:ext cx="13" cy="234270"/>
+          </a:xfrm>
+          <a:prstGeom prst="straightConnector1">
+            <a:avLst/>
+          </a:prstGeom>
+          <a:ln w="19050">
+            <a:headEnd type="none" w="med" len="med"/>
+            <a:tailEnd type="arrow" w="med" len="med"/>
+          </a:ln>
+        </p:spPr>
+        <p:style>
+          <a:lnRef idx="1">
+            <a:schemeClr val="dk1"/>
+          </a:lnRef>
+          <a:fillRef idx="0">
+            <a:schemeClr val="dk1"/>
+          </a:fillRef>
+          <a:effectRef idx="0">
+            <a:schemeClr val="dk1"/>
+          </a:effectRef>
+          <a:fontRef idx="minor">
+            <a:schemeClr val="tx1"/>
+          </a:fontRef>
+        </p:style>
+      </p:cxnSp>
+      <p:cxnSp>
+        <p:nvCxnSpPr>
+          <p:cNvPr id="125" name="직선 화살표 연결선 124">
+            <a:extLst>
+              <a:ext uri="{FF2B5EF4-FFF2-40B4-BE49-F238E27FC236}">
+                <a16:creationId xmlns:a16="http://schemas.microsoft.com/office/drawing/2014/main" id="{AE19B32D-1D1D-46A6-B9CF-F4ECB3ED17D5}"/>
+              </a:ext>
+            </a:extLst>
+          </p:cNvPr>
+          <p:cNvCxnSpPr>
+            <a:cxnSpLocks/>
+            <a:stCxn id="117" idx="0"/>
+            <a:endCxn id="122" idx="2"/>
+          </p:cNvCxnSpPr>
+          <p:nvPr/>
+        </p:nvCxnSpPr>
+        <p:spPr>
+          <a:xfrm flipH="1" flipV="1">
+            <a:off x="6782245" y="3719666"/>
+            <a:ext cx="5" cy="234270"/>
+          </a:xfrm>
+          <a:prstGeom prst="straightConnector1">
+            <a:avLst/>
+          </a:prstGeom>
+          <a:ln w="19050">
+            <a:headEnd type="none" w="med" len="med"/>
+            <a:tailEnd type="none" w="med" len="med"/>
+          </a:ln>
+        </p:spPr>
+        <p:style>
+          <a:lnRef idx="1">
+            <a:schemeClr val="dk1"/>
+          </a:lnRef>
+          <a:fillRef idx="0">
+            <a:schemeClr val="dk1"/>
+          </a:fillRef>
+          <a:effectRef idx="0">
+            <a:schemeClr val="dk1"/>
+          </a:effectRef>
+          <a:fontRef idx="minor">
+            <a:schemeClr val="tx1"/>
+          </a:fontRef>
+        </p:style>
+      </p:cxnSp>
+      <p:sp>
+        <p:nvSpPr>
+          <p:cNvPr id="126" name="사각형: 둥근 모서리 125">
+            <a:extLst>
+              <a:ext uri="{FF2B5EF4-FFF2-40B4-BE49-F238E27FC236}">
+                <a16:creationId xmlns:a16="http://schemas.microsoft.com/office/drawing/2014/main" id="{A090631A-64B4-4731-8378-2A7409BCF4C9}"/>
+              </a:ext>
+            </a:extLst>
+          </p:cNvPr>
+          <p:cNvSpPr/>
+          <p:nvPr/>
+        </p:nvSpPr>
+        <p:spPr>
+          <a:xfrm>
+            <a:off x="5767363" y="3953936"/>
+            <a:ext cx="495521" cy="351404"/>
+          </a:xfrm>
+          <a:prstGeom prst="roundRect">
+            <a:avLst>
+              <a:gd name="adj" fmla="val 10349"/>
+            </a:avLst>
+          </a:prstGeom>
+        </p:spPr>
+        <p:style>
+          <a:lnRef idx="2">
+            <a:schemeClr val="dk1"/>
+          </a:lnRef>
+          <a:fillRef idx="1">
+            <a:schemeClr val="lt1"/>
+          </a:fillRef>
+          <a:effectRef idx="0">
+            <a:schemeClr val="dk1"/>
+          </a:effectRef>
+          <a:fontRef idx="minor">
+            <a:schemeClr val="dk1"/>
+          </a:fontRef>
+        </p:style>
+        <p:txBody>
+          <a:bodyPr rtlCol="0" anchor="ctr"/>
+          <a:lstStyle/>
+          <a:p>
+            <a:pPr algn="ctr"/>
+            <a:r>
+              <a:rPr lang="en-US" altLang="ko-KR" sz="1200"/>
+              <a:t>M1</a:t>
+            </a:r>
+            <a:endParaRPr lang="ko-KR" altLang="en-US" sz="1200"/>
+          </a:p>
+        </p:txBody>
+      </p:sp>
+      <p:cxnSp>
+        <p:nvCxnSpPr>
+          <p:cNvPr id="128" name="직선 화살표 연결선 127">
+            <a:extLst>
+              <a:ext uri="{FF2B5EF4-FFF2-40B4-BE49-F238E27FC236}">
+                <a16:creationId xmlns:a16="http://schemas.microsoft.com/office/drawing/2014/main" id="{F200ADA3-1878-45B3-ABCF-24465F23DB6A}"/>
+              </a:ext>
+            </a:extLst>
+          </p:cNvPr>
+          <p:cNvCxnSpPr>
+            <a:cxnSpLocks/>
+            <a:stCxn id="126" idx="0"/>
+          </p:cNvCxnSpPr>
+          <p:nvPr/>
+        </p:nvCxnSpPr>
+        <p:spPr>
+          <a:xfrm flipH="1" flipV="1">
+            <a:off x="6015118" y="3719666"/>
+            <a:ext cx="5" cy="234270"/>
+          </a:xfrm>
+          <a:prstGeom prst="straightConnector1">
+            <a:avLst/>
+          </a:prstGeom>
+          <a:ln w="19050">
+            <a:headEnd type="none" w="med" len="med"/>
+            <a:tailEnd type="none" w="med" len="med"/>
+          </a:ln>
+        </p:spPr>
+        <p:style>
+          <a:lnRef idx="1">
+            <a:schemeClr val="dk1"/>
+          </a:lnRef>
+          <a:fillRef idx="0">
+            <a:schemeClr val="dk1"/>
+          </a:fillRef>
+          <a:effectRef idx="0">
+            <a:schemeClr val="dk1"/>
+          </a:effectRef>
+          <a:fontRef idx="minor">
+            <a:schemeClr val="tx1"/>
+          </a:fontRef>
+        </p:style>
+      </p:cxnSp>
+      <p:sp>
+        <p:nvSpPr>
+          <p:cNvPr id="129" name="사각형: 둥근 모서리 128">
+            <a:extLst>
+              <a:ext uri="{FF2B5EF4-FFF2-40B4-BE49-F238E27FC236}">
+                <a16:creationId xmlns:a16="http://schemas.microsoft.com/office/drawing/2014/main" id="{E142D2E8-3D15-4053-93BC-FFA42CBF185E}"/>
+              </a:ext>
+            </a:extLst>
+          </p:cNvPr>
+          <p:cNvSpPr/>
+          <p:nvPr/>
+        </p:nvSpPr>
+        <p:spPr>
+          <a:xfrm>
+            <a:off x="6624279" y="1335608"/>
+            <a:ext cx="315932" cy="291027"/>
+          </a:xfrm>
+          <a:prstGeom prst="roundRect">
+            <a:avLst>
+              <a:gd name="adj" fmla="val 50000"/>
+            </a:avLst>
+          </a:prstGeom>
+          <a:solidFill>
+            <a:schemeClr val="accent2">
+              <a:lumMod val="40000"/>
+              <a:lumOff val="60000"/>
+            </a:schemeClr>
+          </a:solidFill>
+        </p:spPr>
+        <p:style>
+          <a:lnRef idx="2">
+            <a:schemeClr val="dk1"/>
+          </a:lnRef>
+          <a:fillRef idx="1">
+            <a:schemeClr val="lt1"/>
+          </a:fillRef>
+          <a:effectRef idx="0">
+            <a:schemeClr val="dk1"/>
+          </a:effectRef>
+          <a:fontRef idx="minor">
+            <a:schemeClr val="dk1"/>
+          </a:fontRef>
+        </p:style>
+        <p:txBody>
+          <a:bodyPr rtlCol="0" anchor="ctr"/>
+          <a:lstStyle/>
+          <a:p>
+            <a:pPr algn="ctr"/>
+            <a:r>
+              <a:rPr lang="en-US" altLang="ko-KR" sz="1200"/>
+              <a:t>G</a:t>
+            </a:r>
+            <a:endParaRPr lang="ko-KR" altLang="en-US" sz="1200"/>
+          </a:p>
+        </p:txBody>
+      </p:sp>
+      <p:sp>
+        <p:nvSpPr>
+          <p:cNvPr id="130" name="화살표: 아래쪽 129">
+            <a:extLst>
+              <a:ext uri="{FF2B5EF4-FFF2-40B4-BE49-F238E27FC236}">
+                <a16:creationId xmlns:a16="http://schemas.microsoft.com/office/drawing/2014/main" id="{BF6D8D65-64D1-40CF-B6BD-71F9D2F98549}"/>
+              </a:ext>
+            </a:extLst>
+          </p:cNvPr>
+          <p:cNvSpPr/>
+          <p:nvPr/>
+        </p:nvSpPr>
+        <p:spPr>
+          <a:xfrm rot="16200000">
+            <a:off x="2989327" y="2553888"/>
+            <a:ext cx="240487" cy="351404"/>
+          </a:xfrm>
+          <a:prstGeom prst="downArrow">
+            <a:avLst/>
+          </a:prstGeom>
+          <a:solidFill>
+            <a:schemeClr val="tx1"/>
+          </a:solidFill>
+          <a:ln>
+            <a:noFill/>
+          </a:ln>
+        </p:spPr>
+        <p:style>
+          <a:lnRef idx="2">
+            <a:schemeClr val="accent1">
+              <a:shade val="50000"/>
+            </a:schemeClr>
+          </a:lnRef>
+          <a:fillRef idx="1">
+            <a:schemeClr val="accent1"/>
+          </a:fillRef>
+          <a:effectRef idx="0">
+            <a:schemeClr val="accent1"/>
+          </a:effectRef>
+          <a:fontRef idx="minor">
+            <a:schemeClr val="lt1"/>
+          </a:fontRef>
+        </p:style>
+        <p:txBody>
+          <a:bodyPr rtlCol="0" anchor="ctr"/>
+          <a:lstStyle/>
+          <a:p>
+            <a:pPr algn="ctr"/>
+            <a:endParaRPr lang="ko-KR" altLang="en-US"/>
+          </a:p>
+        </p:txBody>
+      </p:sp>
+      <p:sp>
+        <p:nvSpPr>
+          <p:cNvPr id="131" name="화살표: 아래쪽 130">
+            <a:extLst>
+              <a:ext uri="{FF2B5EF4-FFF2-40B4-BE49-F238E27FC236}">
+                <a16:creationId xmlns:a16="http://schemas.microsoft.com/office/drawing/2014/main" id="{BF5E96A3-2015-4C50-9C79-53A9A60531D9}"/>
+              </a:ext>
+            </a:extLst>
+          </p:cNvPr>
+          <p:cNvSpPr/>
+          <p:nvPr/>
+        </p:nvSpPr>
+        <p:spPr>
+          <a:xfrm rot="16200000">
+            <a:off x="5491555" y="2553889"/>
+            <a:ext cx="240487" cy="351404"/>
+          </a:xfrm>
+          <a:prstGeom prst="downArrow">
+            <a:avLst/>
+          </a:prstGeom>
+          <a:solidFill>
+            <a:schemeClr val="tx1"/>
+          </a:solidFill>
+          <a:ln>
+            <a:noFill/>
+          </a:ln>
+        </p:spPr>
+        <p:style>
+          <a:lnRef idx="2">
+            <a:schemeClr val="accent1">
+              <a:shade val="50000"/>
+            </a:schemeClr>
+          </a:lnRef>
+          <a:fillRef idx="1">
+            <a:schemeClr val="accent1"/>
+          </a:fillRef>
+          <a:effectRef idx="0">
+            <a:schemeClr val="accent1"/>
+          </a:effectRef>
+          <a:fontRef idx="minor">
+            <a:schemeClr val="lt1"/>
+          </a:fontRef>
+        </p:style>
+        <p:txBody>
+          <a:bodyPr rtlCol="0" anchor="ctr"/>
+          <a:lstStyle/>
+          <a:p>
+            <a:pPr algn="ctr"/>
+            <a:endParaRPr lang="ko-KR" altLang="en-US"/>
+          </a:p>
+        </p:txBody>
+      </p:sp>
+    </p:spTree>
+    <p:extLst>
+      <p:ext uri="{BB962C8B-B14F-4D97-AF65-F5344CB8AC3E}">
+        <p14:creationId xmlns:p14="http://schemas.microsoft.com/office/powerpoint/2010/main" val="3464435398"/>
+      </p:ext>
+    </p:extLst>
+  </p:cSld>
+  <p:clrMapOvr>
+    <a:masterClrMapping/>
+  </p:clrMapOvr>
+</p:sld>
+</file>
+
+<file path=ppt/slides/slide4.xml><?xml version="1.0" encoding="utf-8"?>
+<p:sld xmlns:a="http://schemas.openxmlformats.org/drawingml/2006/main" xmlns:r="http://schemas.openxmlformats.org/officeDocument/2006/relationships" xmlns:p="http://schemas.openxmlformats.org/presentationml/2006/main">
+  <p:cSld>
+    <p:spTree>
+      <p:nvGrpSpPr>
+        <p:cNvPr id="1" name=""/>
+        <p:cNvGrpSpPr/>
+        <p:nvPr/>
+      </p:nvGrpSpPr>
+      <p:grpSpPr>
+        <a:xfrm>
+          <a:off x="0" y="0"/>
+          <a:ext cx="0" cy="0"/>
+          <a:chOff x="0" y="0"/>
+          <a:chExt cx="0" cy="0"/>
+        </a:xfrm>
+      </p:grpSpPr>
+      <p:sp>
+        <p:nvSpPr>
+          <p:cNvPr id="2" name="제목 1"/>
+          <p:cNvSpPr>
+            <a:spLocks noGrp="1"/>
+          </p:cNvSpPr>
+          <p:nvPr>
+            <p:ph type="title"/>
+          </p:nvPr>
+        </p:nvSpPr>
+        <p:spPr>
+          <a:xfrm>
+            <a:off x="565354" y="-157708"/>
+            <a:ext cx="8229600" cy="857250"/>
+          </a:xfrm>
+        </p:spPr>
+        <p:txBody>
+          <a:bodyPr/>
+          <a:lstStyle/>
+          <a:p>
+            <a:r>
+              <a:rPr lang="en-US" altLang="ko-KR"/>
+              <a:t>Async System Call</a:t>
+            </a:r>
+            <a:endParaRPr lang="ko-KR" altLang="en-US"/>
+          </a:p>
+        </p:txBody>
+      </p:sp>
+      <p:sp>
+        <p:nvSpPr>
+          <p:cNvPr id="85" name="사각형: 둥근 모서리 84">
+            <a:extLst>
+              <a:ext uri="{FF2B5EF4-FFF2-40B4-BE49-F238E27FC236}">
+                <a16:creationId xmlns:a16="http://schemas.microsoft.com/office/drawing/2014/main" id="{066C94A0-F162-4312-AE2D-207089377233}"/>
+              </a:ext>
+            </a:extLst>
+          </p:cNvPr>
+          <p:cNvSpPr/>
+          <p:nvPr/>
+        </p:nvSpPr>
+        <p:spPr>
+          <a:xfrm>
+            <a:off x="2048840" y="3953936"/>
+            <a:ext cx="495521" cy="351404"/>
+          </a:xfrm>
+          <a:prstGeom prst="roundRect">
+            <a:avLst>
+              <a:gd name="adj" fmla="val 10349"/>
+            </a:avLst>
+          </a:prstGeom>
+        </p:spPr>
+        <p:style>
+          <a:lnRef idx="2">
+            <a:schemeClr val="dk1"/>
+          </a:lnRef>
+          <a:fillRef idx="1">
+            <a:schemeClr val="lt1"/>
+          </a:fillRef>
+          <a:effectRef idx="0">
+            <a:schemeClr val="dk1"/>
+          </a:effectRef>
+          <a:fontRef idx="minor">
+            <a:schemeClr val="dk1"/>
+          </a:fontRef>
+        </p:style>
+        <p:txBody>
+          <a:bodyPr rtlCol="0" anchor="ctr"/>
+          <a:lstStyle/>
+          <a:p>
+            <a:pPr algn="ctr"/>
+            <a:r>
+              <a:rPr lang="en-US" altLang="ko-KR" sz="1200"/>
+              <a:t>M1</a:t>
+            </a:r>
+            <a:endParaRPr lang="ko-KR" altLang="en-US" sz="1200"/>
+          </a:p>
+        </p:txBody>
+      </p:sp>
+      <p:sp>
+        <p:nvSpPr>
+          <p:cNvPr id="86" name="사각형: 둥근 모서리 85">
+            <a:extLst>
+              <a:ext uri="{FF2B5EF4-FFF2-40B4-BE49-F238E27FC236}">
+                <a16:creationId xmlns:a16="http://schemas.microsoft.com/office/drawing/2014/main" id="{7C37351D-A812-4F82-86B6-7F5A194FD5A1}"/>
+              </a:ext>
+            </a:extLst>
+          </p:cNvPr>
+          <p:cNvSpPr/>
+          <p:nvPr/>
+        </p:nvSpPr>
+        <p:spPr>
+          <a:xfrm>
+            <a:off x="2048851" y="1275606"/>
+            <a:ext cx="495515" cy="1333741"/>
+          </a:xfrm>
+          <a:prstGeom prst="roundRect">
+            <a:avLst>
+              <a:gd name="adj" fmla="val 10349"/>
+            </a:avLst>
+          </a:prstGeom>
+        </p:spPr>
+        <p:style>
+          <a:lnRef idx="2">
+            <a:schemeClr val="dk1"/>
+          </a:lnRef>
+          <a:fillRef idx="1">
+            <a:schemeClr val="lt1"/>
+          </a:fillRef>
+          <a:effectRef idx="0">
+            <a:schemeClr val="dk1"/>
+          </a:effectRef>
+          <a:fontRef idx="minor">
+            <a:schemeClr val="dk1"/>
+          </a:fontRef>
+        </p:style>
+        <p:txBody>
+          <a:bodyPr rtlCol="0" anchor="b"/>
+          <a:lstStyle/>
+          <a:p>
+            <a:pPr algn="ctr"/>
+            <a:r>
+              <a:rPr lang="en-US" altLang="ko-KR" sz="1200"/>
+              <a:t>LRQ</a:t>
+            </a:r>
+            <a:endParaRPr lang="ko-KR" altLang="en-US" sz="1200"/>
+          </a:p>
+        </p:txBody>
+      </p:sp>
+      <p:sp>
+        <p:nvSpPr>
+          <p:cNvPr id="87" name="사각형: 둥근 모서리 86">
+            <a:extLst>
+              <a:ext uri="{FF2B5EF4-FFF2-40B4-BE49-F238E27FC236}">
+                <a16:creationId xmlns:a16="http://schemas.microsoft.com/office/drawing/2014/main" id="{2C071533-39DD-4DAE-9C2E-3ACCB73B8F52}"/>
+              </a:ext>
+            </a:extLst>
+          </p:cNvPr>
+          <p:cNvSpPr/>
+          <p:nvPr/>
+        </p:nvSpPr>
+        <p:spPr>
+          <a:xfrm>
+            <a:off x="2138643" y="2028770"/>
+            <a:ext cx="315932" cy="291027"/>
+          </a:xfrm>
+          <a:prstGeom prst="roundRect">
+            <a:avLst>
+              <a:gd name="adj" fmla="val 50000"/>
+            </a:avLst>
+          </a:prstGeom>
+          <a:solidFill>
+            <a:schemeClr val="accent1">
+              <a:lumMod val="40000"/>
+              <a:lumOff val="60000"/>
+            </a:schemeClr>
+          </a:solidFill>
+        </p:spPr>
+        <p:style>
+          <a:lnRef idx="2">
+            <a:schemeClr val="dk1"/>
+          </a:lnRef>
+          <a:fillRef idx="1">
+            <a:schemeClr val="lt1"/>
+          </a:fillRef>
+          <a:effectRef idx="0">
+            <a:schemeClr val="dk1"/>
+          </a:effectRef>
+          <a:fontRef idx="minor">
+            <a:schemeClr val="dk1"/>
+          </a:fontRef>
+        </p:style>
+        <p:txBody>
+          <a:bodyPr rtlCol="0" anchor="ctr"/>
+          <a:lstStyle/>
+          <a:p>
+            <a:pPr algn="ctr"/>
+            <a:r>
+              <a:rPr lang="en-US" altLang="ko-KR" sz="1200"/>
+              <a:t>G</a:t>
+            </a:r>
+            <a:endParaRPr lang="ko-KR" altLang="en-US" sz="1200"/>
+          </a:p>
+        </p:txBody>
+      </p:sp>
+      <p:sp>
+        <p:nvSpPr>
+          <p:cNvPr id="88" name="사각형: 둥근 모서리 87">
+            <a:extLst>
+              <a:ext uri="{FF2B5EF4-FFF2-40B4-BE49-F238E27FC236}">
+                <a16:creationId xmlns:a16="http://schemas.microsoft.com/office/drawing/2014/main" id="{B78778CC-7B98-4F76-B822-A8C85D2CF063}"/>
+              </a:ext>
+            </a:extLst>
+          </p:cNvPr>
+          <p:cNvSpPr/>
+          <p:nvPr/>
+        </p:nvSpPr>
+        <p:spPr>
+          <a:xfrm>
+            <a:off x="2138643" y="1682189"/>
+            <a:ext cx="315932" cy="291027"/>
+          </a:xfrm>
+          <a:prstGeom prst="roundRect">
+            <a:avLst>
+              <a:gd name="adj" fmla="val 50000"/>
+            </a:avLst>
+          </a:prstGeom>
+          <a:solidFill>
+            <a:schemeClr val="bg1">
+              <a:lumMod val="85000"/>
+            </a:schemeClr>
+          </a:solidFill>
+        </p:spPr>
+        <p:style>
+          <a:lnRef idx="2">
+            <a:schemeClr val="dk1"/>
+          </a:lnRef>
+          <a:fillRef idx="1">
+            <a:schemeClr val="lt1"/>
+          </a:fillRef>
+          <a:effectRef idx="0">
+            <a:schemeClr val="dk1"/>
+          </a:effectRef>
+          <a:fontRef idx="minor">
+            <a:schemeClr val="dk1"/>
+          </a:fontRef>
+        </p:style>
+        <p:txBody>
+          <a:bodyPr rtlCol="0" anchor="ctr"/>
+          <a:lstStyle/>
+          <a:p>
+            <a:pPr algn="ctr"/>
+            <a:r>
+              <a:rPr lang="en-US" altLang="ko-KR" sz="1200"/>
+              <a:t>G</a:t>
+            </a:r>
+            <a:endParaRPr lang="ko-KR" altLang="en-US" sz="1200"/>
+          </a:p>
+        </p:txBody>
+      </p:sp>
+      <p:sp>
+        <p:nvSpPr>
+          <p:cNvPr id="89" name="사각형: 둥근 모서리 88">
+            <a:extLst>
+              <a:ext uri="{FF2B5EF4-FFF2-40B4-BE49-F238E27FC236}">
+                <a16:creationId xmlns:a16="http://schemas.microsoft.com/office/drawing/2014/main" id="{70C6250B-D8A9-44CB-A7FD-D90DF2D4EF43}"/>
+              </a:ext>
+            </a:extLst>
+          </p:cNvPr>
+          <p:cNvSpPr/>
+          <p:nvPr/>
+        </p:nvSpPr>
+        <p:spPr>
+          <a:xfrm>
+            <a:off x="2138643" y="1335608"/>
+            <a:ext cx="315932" cy="291027"/>
+          </a:xfrm>
+          <a:prstGeom prst="roundRect">
+            <a:avLst>
+              <a:gd name="adj" fmla="val 50000"/>
+            </a:avLst>
+          </a:prstGeom>
+          <a:solidFill>
+            <a:schemeClr val="bg1">
+              <a:lumMod val="85000"/>
+            </a:schemeClr>
+          </a:solidFill>
+        </p:spPr>
+        <p:style>
+          <a:lnRef idx="2">
+            <a:schemeClr val="dk1"/>
+          </a:lnRef>
+          <a:fillRef idx="1">
+            <a:schemeClr val="lt1"/>
+          </a:fillRef>
+          <a:effectRef idx="0">
+            <a:schemeClr val="dk1"/>
+          </a:effectRef>
+          <a:fontRef idx="minor">
+            <a:schemeClr val="dk1"/>
+          </a:fontRef>
+        </p:style>
+        <p:txBody>
+          <a:bodyPr rtlCol="0" anchor="ctr"/>
+          <a:lstStyle/>
+          <a:p>
+            <a:pPr algn="ctr"/>
+            <a:r>
+              <a:rPr lang="en-US" altLang="ko-KR" sz="1200"/>
+              <a:t>G</a:t>
+            </a:r>
+            <a:endParaRPr lang="ko-KR" altLang="en-US" sz="1200"/>
+          </a:p>
+        </p:txBody>
+      </p:sp>
+      <p:sp>
+        <p:nvSpPr>
+          <p:cNvPr id="93" name="사각형: 둥근 모서리 92">
+            <a:extLst>
+              <a:ext uri="{FF2B5EF4-FFF2-40B4-BE49-F238E27FC236}">
+                <a16:creationId xmlns:a16="http://schemas.microsoft.com/office/drawing/2014/main" id="{5F3837D9-7A6C-4403-BEBA-E5512EAAF4F4}"/>
+              </a:ext>
+            </a:extLst>
+          </p:cNvPr>
+          <p:cNvSpPr/>
+          <p:nvPr/>
+        </p:nvSpPr>
+        <p:spPr>
+          <a:xfrm>
+            <a:off x="2048848" y="2842966"/>
+            <a:ext cx="495521" cy="351404"/>
+          </a:xfrm>
+          <a:prstGeom prst="roundRect">
+            <a:avLst>
+              <a:gd name="adj" fmla="val 10349"/>
+            </a:avLst>
+          </a:prstGeom>
+        </p:spPr>
+        <p:style>
+          <a:lnRef idx="2">
+            <a:schemeClr val="dk1"/>
+          </a:lnRef>
+          <a:fillRef idx="1">
+            <a:schemeClr val="lt1"/>
+          </a:fillRef>
+          <a:effectRef idx="0">
+            <a:schemeClr val="dk1"/>
+          </a:effectRef>
+          <a:fontRef idx="minor">
+            <a:schemeClr val="dk1"/>
+          </a:fontRef>
+        </p:style>
+        <p:txBody>
+          <a:bodyPr rtlCol="0" anchor="ctr"/>
+          <a:lstStyle/>
+          <a:p>
+            <a:pPr algn="ctr"/>
+            <a:r>
+              <a:rPr lang="en-US" altLang="ko-KR" sz="1200"/>
+              <a:t>P1</a:t>
+            </a:r>
+            <a:endParaRPr lang="ko-KR" altLang="en-US" sz="1200"/>
+          </a:p>
+        </p:txBody>
+      </p:sp>
+      <p:sp>
+        <p:nvSpPr>
+          <p:cNvPr id="95" name="사각형: 둥근 모서리 94">
+            <a:extLst>
+              <a:ext uri="{FF2B5EF4-FFF2-40B4-BE49-F238E27FC236}">
+                <a16:creationId xmlns:a16="http://schemas.microsoft.com/office/drawing/2014/main" id="{B6466A3E-72D0-43FA-A40B-62C2211C03E2}"/>
+              </a:ext>
+            </a:extLst>
+          </p:cNvPr>
+          <p:cNvSpPr/>
+          <p:nvPr/>
+        </p:nvSpPr>
+        <p:spPr>
+          <a:xfrm>
+            <a:off x="2138629" y="3428639"/>
+            <a:ext cx="315932" cy="291027"/>
+          </a:xfrm>
+          <a:prstGeom prst="roundRect">
+            <a:avLst>
+              <a:gd name="adj" fmla="val 50000"/>
+            </a:avLst>
+          </a:prstGeom>
+          <a:solidFill>
+            <a:schemeClr val="accent2">
+              <a:lumMod val="40000"/>
+              <a:lumOff val="60000"/>
+            </a:schemeClr>
+          </a:solidFill>
+        </p:spPr>
+        <p:style>
+          <a:lnRef idx="2">
+            <a:schemeClr val="dk1"/>
+          </a:lnRef>
+          <a:fillRef idx="1">
+            <a:schemeClr val="lt1"/>
+          </a:fillRef>
+          <a:effectRef idx="0">
+            <a:schemeClr val="dk1"/>
+          </a:effectRef>
+          <a:fontRef idx="minor">
+            <a:schemeClr val="dk1"/>
+          </a:fontRef>
+        </p:style>
+        <p:txBody>
+          <a:bodyPr rtlCol="0" anchor="ctr"/>
+          <a:lstStyle/>
+          <a:p>
+            <a:pPr algn="ctr"/>
+            <a:r>
+              <a:rPr lang="en-US" altLang="ko-KR" sz="1200"/>
+              <a:t>G</a:t>
+            </a:r>
+            <a:endParaRPr lang="ko-KR" altLang="en-US" sz="1200"/>
+          </a:p>
+        </p:txBody>
+      </p:sp>
+      <p:cxnSp>
+        <p:nvCxnSpPr>
+          <p:cNvPr id="99" name="직선 화살표 연결선 98">
+            <a:extLst>
+              <a:ext uri="{FF2B5EF4-FFF2-40B4-BE49-F238E27FC236}">
+                <a16:creationId xmlns:a16="http://schemas.microsoft.com/office/drawing/2014/main" id="{1B366CEE-AEC5-4ADB-844C-319D903DCB85}"/>
+              </a:ext>
+            </a:extLst>
+          </p:cNvPr>
+          <p:cNvCxnSpPr>
+            <a:cxnSpLocks/>
+            <a:stCxn id="86" idx="2"/>
+            <a:endCxn id="93" idx="0"/>
+          </p:cNvCxnSpPr>
+          <p:nvPr/>
+        </p:nvCxnSpPr>
+        <p:spPr>
+          <a:xfrm>
+            <a:off x="2296608" y="2609347"/>
+            <a:ext cx="0" cy="233619"/>
+          </a:xfrm>
+          <a:prstGeom prst="straightConnector1">
+            <a:avLst/>
+          </a:prstGeom>
+          <a:ln w="19050">
+            <a:headEnd type="none" w="med" len="med"/>
+            <a:tailEnd type="arrow" w="med" len="med"/>
+          </a:ln>
+        </p:spPr>
+        <p:style>
+          <a:lnRef idx="1">
+            <a:schemeClr val="dk1"/>
+          </a:lnRef>
+          <a:fillRef idx="0">
+            <a:schemeClr val="dk1"/>
+          </a:fillRef>
+          <a:effectRef idx="0">
+            <a:schemeClr val="dk1"/>
+          </a:effectRef>
+          <a:fontRef idx="minor">
+            <a:schemeClr val="tx1"/>
+          </a:fontRef>
+        </p:style>
+      </p:cxnSp>
+      <p:cxnSp>
+        <p:nvCxnSpPr>
+          <p:cNvPr id="101" name="직선 화살표 연결선 100">
+            <a:extLst>
+              <a:ext uri="{FF2B5EF4-FFF2-40B4-BE49-F238E27FC236}">
+                <a16:creationId xmlns:a16="http://schemas.microsoft.com/office/drawing/2014/main" id="{36919E72-3402-49F0-900E-13EF5C7F6A63}"/>
+              </a:ext>
+            </a:extLst>
+          </p:cNvPr>
+          <p:cNvCxnSpPr>
+            <a:cxnSpLocks/>
+            <a:stCxn id="93" idx="2"/>
+            <a:endCxn id="95" idx="0"/>
+          </p:cNvCxnSpPr>
+          <p:nvPr/>
+        </p:nvCxnSpPr>
+        <p:spPr>
+          <a:xfrm flipH="1">
+            <a:off x="2296595" y="3194370"/>
+            <a:ext cx="13" cy="234270"/>
+          </a:xfrm>
+          <a:prstGeom prst="straightConnector1">
+            <a:avLst/>
+          </a:prstGeom>
+          <a:ln w="19050">
+            <a:headEnd type="none" w="med" len="med"/>
+            <a:tailEnd type="arrow" w="med" len="med"/>
+          </a:ln>
+        </p:spPr>
+        <p:style>
+          <a:lnRef idx="1">
+            <a:schemeClr val="dk1"/>
+          </a:lnRef>
+          <a:fillRef idx="0">
+            <a:schemeClr val="dk1"/>
+          </a:fillRef>
+          <a:effectRef idx="0">
+            <a:schemeClr val="dk1"/>
+          </a:effectRef>
+          <a:fontRef idx="minor">
+            <a:schemeClr val="tx1"/>
+          </a:fontRef>
+        </p:style>
+      </p:cxnSp>
+      <p:cxnSp>
+        <p:nvCxnSpPr>
+          <p:cNvPr id="102" name="직선 화살표 연결선 101">
+            <a:extLst>
+              <a:ext uri="{FF2B5EF4-FFF2-40B4-BE49-F238E27FC236}">
+                <a16:creationId xmlns:a16="http://schemas.microsoft.com/office/drawing/2014/main" id="{1CF61AE5-2336-4438-B1CB-588DBE654D0C}"/>
+              </a:ext>
+            </a:extLst>
+          </p:cNvPr>
+          <p:cNvCxnSpPr>
+            <a:cxnSpLocks/>
+            <a:stCxn id="85" idx="0"/>
+            <a:endCxn id="95" idx="2"/>
+          </p:cNvCxnSpPr>
+          <p:nvPr/>
+        </p:nvCxnSpPr>
+        <p:spPr>
+          <a:xfrm flipH="1" flipV="1">
+            <a:off x="2296595" y="3719666"/>
+            <a:ext cx="5" cy="234270"/>
+          </a:xfrm>
+          <a:prstGeom prst="straightConnector1">
+            <a:avLst/>
+          </a:prstGeom>
+          <a:ln w="19050">
+            <a:headEnd type="none" w="med" len="med"/>
+            <a:tailEnd type="none" w="med" len="med"/>
+          </a:ln>
+        </p:spPr>
+        <p:style>
+          <a:lnRef idx="1">
+            <a:schemeClr val="dk1"/>
+          </a:lnRef>
+          <a:fillRef idx="0">
+            <a:schemeClr val="dk1"/>
+          </a:fillRef>
+          <a:effectRef idx="0">
+            <a:schemeClr val="dk1"/>
+          </a:effectRef>
+          <a:fontRef idx="minor">
+            <a:schemeClr val="tx1"/>
+          </a:fontRef>
+        </p:style>
+      </p:cxnSp>
+      <p:sp>
+        <p:nvSpPr>
+          <p:cNvPr id="104" name="사각형: 둥근 모서리 103">
+            <a:extLst>
+              <a:ext uri="{FF2B5EF4-FFF2-40B4-BE49-F238E27FC236}">
+                <a16:creationId xmlns:a16="http://schemas.microsoft.com/office/drawing/2014/main" id="{24A8CAC9-6007-418A-A80C-76F831EE1A72}"/>
+              </a:ext>
+            </a:extLst>
+          </p:cNvPr>
+          <p:cNvSpPr/>
+          <p:nvPr/>
+        </p:nvSpPr>
+        <p:spPr>
+          <a:xfrm>
+            <a:off x="4577647" y="3953936"/>
+            <a:ext cx="495521" cy="351404"/>
+          </a:xfrm>
+          <a:prstGeom prst="roundRect">
+            <a:avLst>
+              <a:gd name="adj" fmla="val 10349"/>
+            </a:avLst>
+          </a:prstGeom>
+        </p:spPr>
+        <p:style>
+          <a:lnRef idx="2">
+            <a:schemeClr val="dk1"/>
+          </a:lnRef>
+          <a:fillRef idx="1">
+            <a:schemeClr val="lt1"/>
+          </a:fillRef>
+          <a:effectRef idx="0">
+            <a:schemeClr val="dk1"/>
+          </a:effectRef>
+          <a:fontRef idx="minor">
+            <a:schemeClr val="dk1"/>
+          </a:fontRef>
+        </p:style>
+        <p:txBody>
+          <a:bodyPr rtlCol="0" anchor="ctr"/>
+          <a:lstStyle/>
+          <a:p>
+            <a:pPr algn="ctr"/>
+            <a:r>
+              <a:rPr lang="en-US" altLang="ko-KR" sz="1200"/>
+              <a:t>M1</a:t>
+            </a:r>
+            <a:endParaRPr lang="ko-KR" altLang="en-US" sz="1200"/>
+          </a:p>
+        </p:txBody>
+      </p:sp>
+      <p:sp>
+        <p:nvSpPr>
+          <p:cNvPr id="105" name="사각형: 둥근 모서리 104">
+            <a:extLst>
+              <a:ext uri="{FF2B5EF4-FFF2-40B4-BE49-F238E27FC236}">
+                <a16:creationId xmlns:a16="http://schemas.microsoft.com/office/drawing/2014/main" id="{1B3984DE-1E1B-41E6-887C-701E99719D8E}"/>
+              </a:ext>
+            </a:extLst>
+          </p:cNvPr>
+          <p:cNvSpPr/>
+          <p:nvPr/>
+        </p:nvSpPr>
+        <p:spPr>
+          <a:xfrm>
+            <a:off x="4577658" y="1275606"/>
+            <a:ext cx="495515" cy="1333741"/>
+          </a:xfrm>
+          <a:prstGeom prst="roundRect">
+            <a:avLst>
+              <a:gd name="adj" fmla="val 10349"/>
+            </a:avLst>
+          </a:prstGeom>
+        </p:spPr>
+        <p:style>
+          <a:lnRef idx="2">
+            <a:schemeClr val="dk1"/>
+          </a:lnRef>
+          <a:fillRef idx="1">
+            <a:schemeClr val="lt1"/>
+          </a:fillRef>
+          <a:effectRef idx="0">
+            <a:schemeClr val="dk1"/>
+          </a:effectRef>
+          <a:fontRef idx="minor">
+            <a:schemeClr val="dk1"/>
+          </a:fontRef>
+        </p:style>
+        <p:txBody>
+          <a:bodyPr rtlCol="0" anchor="b"/>
+          <a:lstStyle/>
+          <a:p>
+            <a:pPr algn="ctr"/>
+            <a:r>
+              <a:rPr lang="en-US" altLang="ko-KR" sz="1200"/>
+              <a:t>LRQ</a:t>
+            </a:r>
+            <a:endParaRPr lang="ko-KR" altLang="en-US" sz="1200"/>
+          </a:p>
+        </p:txBody>
+      </p:sp>
+      <p:sp>
+        <p:nvSpPr>
+          <p:cNvPr id="106" name="사각형: 둥근 모서리 105">
+            <a:extLst>
+              <a:ext uri="{FF2B5EF4-FFF2-40B4-BE49-F238E27FC236}">
+                <a16:creationId xmlns:a16="http://schemas.microsoft.com/office/drawing/2014/main" id="{C8DE5C72-75F7-4CEE-892E-7ABD33AC7040}"/>
+              </a:ext>
+            </a:extLst>
+          </p:cNvPr>
+          <p:cNvSpPr/>
+          <p:nvPr/>
+        </p:nvSpPr>
+        <p:spPr>
+          <a:xfrm>
+            <a:off x="4667450" y="2028770"/>
+            <a:ext cx="315932" cy="291027"/>
+          </a:xfrm>
+          <a:prstGeom prst="roundRect">
+            <a:avLst>
+              <a:gd name="adj" fmla="val 50000"/>
+            </a:avLst>
+          </a:prstGeom>
+          <a:solidFill>
+            <a:schemeClr val="bg1">
+              <a:lumMod val="85000"/>
+            </a:schemeClr>
+          </a:solidFill>
+        </p:spPr>
+        <p:style>
+          <a:lnRef idx="2">
+            <a:schemeClr val="dk1"/>
+          </a:lnRef>
+          <a:fillRef idx="1">
+            <a:schemeClr val="lt1"/>
+          </a:fillRef>
+          <a:effectRef idx="0">
+            <a:schemeClr val="dk1"/>
+          </a:effectRef>
+          <a:fontRef idx="minor">
+            <a:schemeClr val="dk1"/>
+          </a:fontRef>
+        </p:style>
+        <p:txBody>
+          <a:bodyPr rtlCol="0" anchor="ctr"/>
+          <a:lstStyle/>
+          <a:p>
+            <a:pPr algn="ctr"/>
+            <a:r>
+              <a:rPr lang="en-US" altLang="ko-KR" sz="1200"/>
+              <a:t>G</a:t>
+            </a:r>
+            <a:endParaRPr lang="ko-KR" altLang="en-US" sz="1200"/>
+          </a:p>
+        </p:txBody>
+      </p:sp>
+      <p:sp>
+        <p:nvSpPr>
+          <p:cNvPr id="107" name="사각형: 둥근 모서리 106">
+            <a:extLst>
+              <a:ext uri="{FF2B5EF4-FFF2-40B4-BE49-F238E27FC236}">
+                <a16:creationId xmlns:a16="http://schemas.microsoft.com/office/drawing/2014/main" id="{0A31DA0C-164A-4B60-9F42-7F1CAFEFFC33}"/>
+              </a:ext>
+            </a:extLst>
+          </p:cNvPr>
+          <p:cNvSpPr/>
+          <p:nvPr/>
+        </p:nvSpPr>
+        <p:spPr>
+          <a:xfrm>
+            <a:off x="4667450" y="1682189"/>
+            <a:ext cx="315932" cy="291027"/>
+          </a:xfrm>
+          <a:prstGeom prst="roundRect">
+            <a:avLst>
+              <a:gd name="adj" fmla="val 50000"/>
+            </a:avLst>
+          </a:prstGeom>
+          <a:solidFill>
+            <a:schemeClr val="bg1">
+              <a:lumMod val="85000"/>
+            </a:schemeClr>
+          </a:solidFill>
+        </p:spPr>
+        <p:style>
+          <a:lnRef idx="2">
+            <a:schemeClr val="dk1"/>
+          </a:lnRef>
+          <a:fillRef idx="1">
+            <a:schemeClr val="lt1"/>
+          </a:fillRef>
+          <a:effectRef idx="0">
+            <a:schemeClr val="dk1"/>
+          </a:effectRef>
+          <a:fontRef idx="minor">
+            <a:schemeClr val="dk1"/>
+          </a:fontRef>
+        </p:style>
+        <p:txBody>
+          <a:bodyPr rtlCol="0" anchor="ctr"/>
+          <a:lstStyle/>
+          <a:p>
+            <a:pPr algn="ctr"/>
+            <a:r>
+              <a:rPr lang="en-US" altLang="ko-KR" sz="1200"/>
+              <a:t>G</a:t>
+            </a:r>
+            <a:endParaRPr lang="ko-KR" altLang="en-US" sz="1200"/>
+          </a:p>
+        </p:txBody>
+      </p:sp>
+      <p:sp>
+        <p:nvSpPr>
+          <p:cNvPr id="109" name="사각형: 둥근 모서리 108">
+            <a:extLst>
+              <a:ext uri="{FF2B5EF4-FFF2-40B4-BE49-F238E27FC236}">
+                <a16:creationId xmlns:a16="http://schemas.microsoft.com/office/drawing/2014/main" id="{65896EBF-AD20-48C0-9C15-12E4ED367E30}"/>
+              </a:ext>
+            </a:extLst>
+          </p:cNvPr>
+          <p:cNvSpPr/>
+          <p:nvPr/>
+        </p:nvSpPr>
+        <p:spPr>
+          <a:xfrm>
+            <a:off x="4577655" y="2842966"/>
+            <a:ext cx="495521" cy="351404"/>
+          </a:xfrm>
+          <a:prstGeom prst="roundRect">
+            <a:avLst>
+              <a:gd name="adj" fmla="val 10349"/>
+            </a:avLst>
+          </a:prstGeom>
+        </p:spPr>
+        <p:style>
+          <a:lnRef idx="2">
+            <a:schemeClr val="dk1"/>
+          </a:lnRef>
+          <a:fillRef idx="1">
+            <a:schemeClr val="lt1"/>
+          </a:fillRef>
+          <a:effectRef idx="0">
+            <a:schemeClr val="dk1"/>
+          </a:effectRef>
+          <a:fontRef idx="minor">
+            <a:schemeClr val="dk1"/>
+          </a:fontRef>
+        </p:style>
+        <p:txBody>
+          <a:bodyPr rtlCol="0" anchor="ctr"/>
+          <a:lstStyle/>
+          <a:p>
+            <a:pPr algn="ctr"/>
+            <a:r>
+              <a:rPr lang="en-US" altLang="ko-KR" sz="1200"/>
+              <a:t>P1</a:t>
+            </a:r>
+            <a:endParaRPr lang="ko-KR" altLang="en-US" sz="1200"/>
+          </a:p>
+        </p:txBody>
+      </p:sp>
+      <p:sp>
+        <p:nvSpPr>
+          <p:cNvPr id="110" name="사각형: 둥근 모서리 109">
+            <a:extLst>
+              <a:ext uri="{FF2B5EF4-FFF2-40B4-BE49-F238E27FC236}">
+                <a16:creationId xmlns:a16="http://schemas.microsoft.com/office/drawing/2014/main" id="{A87A7B1B-8C74-4EB8-9846-6C46FE795275}"/>
+              </a:ext>
+            </a:extLst>
+          </p:cNvPr>
+          <p:cNvSpPr/>
+          <p:nvPr/>
+        </p:nvSpPr>
+        <p:spPr>
+          <a:xfrm>
+            <a:off x="4667436" y="3428639"/>
+            <a:ext cx="315932" cy="291027"/>
+          </a:xfrm>
+          <a:prstGeom prst="roundRect">
+            <a:avLst>
+              <a:gd name="adj" fmla="val 50000"/>
+            </a:avLst>
+          </a:prstGeom>
+          <a:solidFill>
+            <a:schemeClr val="accent1">
+              <a:lumMod val="40000"/>
+              <a:lumOff val="60000"/>
+            </a:schemeClr>
+          </a:solidFill>
+        </p:spPr>
+        <p:style>
+          <a:lnRef idx="2">
+            <a:schemeClr val="dk1"/>
+          </a:lnRef>
+          <a:fillRef idx="1">
+            <a:schemeClr val="lt1"/>
+          </a:fillRef>
+          <a:effectRef idx="0">
+            <a:schemeClr val="dk1"/>
+          </a:effectRef>
+          <a:fontRef idx="minor">
+            <a:schemeClr val="dk1"/>
+          </a:fontRef>
+        </p:style>
+        <p:txBody>
+          <a:bodyPr rtlCol="0" anchor="ctr"/>
+          <a:lstStyle/>
+          <a:p>
+            <a:pPr algn="ctr"/>
+            <a:r>
+              <a:rPr lang="en-US" altLang="ko-KR" sz="1200"/>
+              <a:t>G</a:t>
+            </a:r>
+            <a:endParaRPr lang="ko-KR" altLang="en-US" sz="1200"/>
+          </a:p>
+        </p:txBody>
+      </p:sp>
+      <p:cxnSp>
+        <p:nvCxnSpPr>
+          <p:cNvPr id="111" name="직선 화살표 연결선 110">
+            <a:extLst>
+              <a:ext uri="{FF2B5EF4-FFF2-40B4-BE49-F238E27FC236}">
+                <a16:creationId xmlns:a16="http://schemas.microsoft.com/office/drawing/2014/main" id="{166EB293-E127-49B3-B825-98EC75D1E118}"/>
+              </a:ext>
+            </a:extLst>
+          </p:cNvPr>
+          <p:cNvCxnSpPr>
+            <a:cxnSpLocks/>
+            <a:stCxn id="105" idx="2"/>
+            <a:endCxn id="109" idx="0"/>
+          </p:cNvCxnSpPr>
+          <p:nvPr/>
+        </p:nvCxnSpPr>
+        <p:spPr>
+          <a:xfrm>
+            <a:off x="4825415" y="2609347"/>
+            <a:ext cx="0" cy="233619"/>
+          </a:xfrm>
+          <a:prstGeom prst="straightConnector1">
+            <a:avLst/>
+          </a:prstGeom>
+          <a:ln w="19050">
+            <a:headEnd type="none" w="med" len="med"/>
+            <a:tailEnd type="arrow" w="med" len="med"/>
+          </a:ln>
+        </p:spPr>
+        <p:style>
+          <a:lnRef idx="1">
+            <a:schemeClr val="dk1"/>
+          </a:lnRef>
+          <a:fillRef idx="0">
+            <a:schemeClr val="dk1"/>
+          </a:fillRef>
+          <a:effectRef idx="0">
+            <a:schemeClr val="dk1"/>
+          </a:effectRef>
+          <a:fontRef idx="minor">
+            <a:schemeClr val="tx1"/>
+          </a:fontRef>
+        </p:style>
+      </p:cxnSp>
+      <p:cxnSp>
+        <p:nvCxnSpPr>
+          <p:cNvPr id="112" name="직선 화살표 연결선 111">
+            <a:extLst>
+              <a:ext uri="{FF2B5EF4-FFF2-40B4-BE49-F238E27FC236}">
+                <a16:creationId xmlns:a16="http://schemas.microsoft.com/office/drawing/2014/main" id="{DB246459-8019-4573-824F-07E114E00219}"/>
+              </a:ext>
+            </a:extLst>
+          </p:cNvPr>
+          <p:cNvCxnSpPr>
+            <a:cxnSpLocks/>
+            <a:stCxn id="109" idx="2"/>
+            <a:endCxn id="110" idx="0"/>
+          </p:cNvCxnSpPr>
+          <p:nvPr/>
+        </p:nvCxnSpPr>
+        <p:spPr>
+          <a:xfrm flipH="1">
+            <a:off x="4825402" y="3194370"/>
+            <a:ext cx="13" cy="234270"/>
+          </a:xfrm>
+          <a:prstGeom prst="straightConnector1">
+            <a:avLst/>
+          </a:prstGeom>
+          <a:ln w="19050">
+            <a:headEnd type="none" w="med" len="med"/>
+            <a:tailEnd type="arrow" w="med" len="med"/>
+          </a:ln>
+        </p:spPr>
+        <p:style>
+          <a:lnRef idx="1">
+            <a:schemeClr val="dk1"/>
+          </a:lnRef>
+          <a:fillRef idx="0">
+            <a:schemeClr val="dk1"/>
+          </a:fillRef>
+          <a:effectRef idx="0">
+            <a:schemeClr val="dk1"/>
+          </a:effectRef>
+          <a:fontRef idx="minor">
+            <a:schemeClr val="tx1"/>
+          </a:fontRef>
+        </p:style>
+      </p:cxnSp>
+      <p:cxnSp>
+        <p:nvCxnSpPr>
+          <p:cNvPr id="113" name="직선 화살표 연결선 112">
+            <a:extLst>
+              <a:ext uri="{FF2B5EF4-FFF2-40B4-BE49-F238E27FC236}">
+                <a16:creationId xmlns:a16="http://schemas.microsoft.com/office/drawing/2014/main" id="{B3A8F9CF-2DB8-4366-9825-4B6E692ED8F3}"/>
+              </a:ext>
+            </a:extLst>
+          </p:cNvPr>
+          <p:cNvCxnSpPr>
+            <a:cxnSpLocks/>
+            <a:stCxn id="104" idx="0"/>
+            <a:endCxn id="110" idx="2"/>
+          </p:cNvCxnSpPr>
+          <p:nvPr/>
+        </p:nvCxnSpPr>
+        <p:spPr>
+          <a:xfrm flipH="1" flipV="1">
+            <a:off x="4825402" y="3719666"/>
+            <a:ext cx="5" cy="234270"/>
+          </a:xfrm>
+          <a:prstGeom prst="straightConnector1">
+            <a:avLst/>
+          </a:prstGeom>
+          <a:ln w="19050">
+            <a:headEnd type="none" w="med" len="med"/>
+            <a:tailEnd type="none" w="med" len="med"/>
+          </a:ln>
+        </p:spPr>
+        <p:style>
+          <a:lnRef idx="1">
+            <a:schemeClr val="dk1"/>
+          </a:lnRef>
+          <a:fillRef idx="0">
+            <a:schemeClr val="dk1"/>
+          </a:fillRef>
+          <a:effectRef idx="0">
+            <a:schemeClr val="dk1"/>
+          </a:effectRef>
+          <a:fontRef idx="minor">
+            <a:schemeClr val="tx1"/>
+          </a:fontRef>
+        </p:style>
+      </p:cxnSp>
+      <p:sp>
+        <p:nvSpPr>
+          <p:cNvPr id="117" name="사각형: 둥근 모서리 116">
+            <a:extLst>
+              <a:ext uri="{FF2B5EF4-FFF2-40B4-BE49-F238E27FC236}">
+                <a16:creationId xmlns:a16="http://schemas.microsoft.com/office/drawing/2014/main" id="{19B61217-96F1-4166-BE9B-2F21604DC2F7}"/>
+              </a:ext>
+            </a:extLst>
+          </p:cNvPr>
+          <p:cNvSpPr/>
+          <p:nvPr/>
+        </p:nvSpPr>
+        <p:spPr>
+          <a:xfrm>
+            <a:off x="7100807" y="3953936"/>
+            <a:ext cx="495521" cy="351404"/>
+          </a:xfrm>
+          <a:prstGeom prst="roundRect">
+            <a:avLst>
+              <a:gd name="adj" fmla="val 10349"/>
+            </a:avLst>
+          </a:prstGeom>
+        </p:spPr>
+        <p:style>
+          <a:lnRef idx="2">
+            <a:schemeClr val="dk1"/>
+          </a:lnRef>
+          <a:fillRef idx="1">
+            <a:schemeClr val="lt1"/>
+          </a:fillRef>
+          <a:effectRef idx="0">
+            <a:schemeClr val="dk1"/>
+          </a:effectRef>
+          <a:fontRef idx="minor">
+            <a:schemeClr val="dk1"/>
+          </a:fontRef>
+        </p:style>
+        <p:txBody>
+          <a:bodyPr rtlCol="0" anchor="ctr"/>
+          <a:lstStyle/>
+          <a:p>
+            <a:pPr algn="ctr"/>
+            <a:r>
+              <a:rPr lang="en-US" altLang="ko-KR" sz="1200"/>
+              <a:t>M1</a:t>
+            </a:r>
+            <a:endParaRPr lang="ko-KR" altLang="en-US" sz="1200"/>
+          </a:p>
+        </p:txBody>
+      </p:sp>
+      <p:sp>
+        <p:nvSpPr>
+          <p:cNvPr id="118" name="사각형: 둥근 모서리 117">
+            <a:extLst>
+              <a:ext uri="{FF2B5EF4-FFF2-40B4-BE49-F238E27FC236}">
+                <a16:creationId xmlns:a16="http://schemas.microsoft.com/office/drawing/2014/main" id="{BB3AA976-B3E0-465D-BA09-1C4F545F973D}"/>
+              </a:ext>
+            </a:extLst>
+          </p:cNvPr>
+          <p:cNvSpPr/>
+          <p:nvPr/>
+        </p:nvSpPr>
+        <p:spPr>
+          <a:xfrm>
+            <a:off x="7100818" y="1275606"/>
+            <a:ext cx="495515" cy="1333741"/>
+          </a:xfrm>
+          <a:prstGeom prst="roundRect">
+            <a:avLst>
+              <a:gd name="adj" fmla="val 10349"/>
+            </a:avLst>
+          </a:prstGeom>
+        </p:spPr>
+        <p:style>
+          <a:lnRef idx="2">
+            <a:schemeClr val="dk1"/>
+          </a:lnRef>
+          <a:fillRef idx="1">
+            <a:schemeClr val="lt1"/>
+          </a:fillRef>
+          <a:effectRef idx="0">
+            <a:schemeClr val="dk1"/>
+          </a:effectRef>
+          <a:fontRef idx="minor">
+            <a:schemeClr val="dk1"/>
+          </a:fontRef>
+        </p:style>
+        <p:txBody>
+          <a:bodyPr rtlCol="0" anchor="b"/>
+          <a:lstStyle/>
+          <a:p>
+            <a:pPr algn="ctr"/>
+            <a:r>
+              <a:rPr lang="en-US" altLang="ko-KR" sz="1200"/>
+              <a:t>LRQ</a:t>
+            </a:r>
+            <a:endParaRPr lang="ko-KR" altLang="en-US" sz="1200"/>
+          </a:p>
+        </p:txBody>
+      </p:sp>
+      <p:sp>
+        <p:nvSpPr>
+          <p:cNvPr id="119" name="사각형: 둥근 모서리 118">
+            <a:extLst>
+              <a:ext uri="{FF2B5EF4-FFF2-40B4-BE49-F238E27FC236}">
+                <a16:creationId xmlns:a16="http://schemas.microsoft.com/office/drawing/2014/main" id="{F0F19A37-6CCE-433A-85C5-384FFD6B49EA}"/>
+              </a:ext>
+            </a:extLst>
+          </p:cNvPr>
+          <p:cNvSpPr/>
+          <p:nvPr/>
+        </p:nvSpPr>
+        <p:spPr>
+          <a:xfrm>
+            <a:off x="7190610" y="2028770"/>
+            <a:ext cx="315932" cy="291027"/>
+          </a:xfrm>
+          <a:prstGeom prst="roundRect">
+            <a:avLst>
+              <a:gd name="adj" fmla="val 50000"/>
+            </a:avLst>
+          </a:prstGeom>
+          <a:solidFill>
+            <a:schemeClr val="bg1">
+              <a:lumMod val="85000"/>
+            </a:schemeClr>
+          </a:solidFill>
+        </p:spPr>
+        <p:style>
+          <a:lnRef idx="2">
+            <a:schemeClr val="dk1"/>
+          </a:lnRef>
+          <a:fillRef idx="1">
+            <a:schemeClr val="lt1"/>
+          </a:fillRef>
+          <a:effectRef idx="0">
+            <a:schemeClr val="dk1"/>
+          </a:effectRef>
+          <a:fontRef idx="minor">
+            <a:schemeClr val="dk1"/>
+          </a:fontRef>
+        </p:style>
+        <p:txBody>
+          <a:bodyPr rtlCol="0" anchor="ctr"/>
+          <a:lstStyle/>
+          <a:p>
+            <a:pPr algn="ctr"/>
+            <a:r>
+              <a:rPr lang="en-US" altLang="ko-KR" sz="1200"/>
+              <a:t>G</a:t>
+            </a:r>
+            <a:endParaRPr lang="ko-KR" altLang="en-US" sz="1200"/>
+          </a:p>
+        </p:txBody>
+      </p:sp>
+      <p:sp>
+        <p:nvSpPr>
+          <p:cNvPr id="120" name="사각형: 둥근 모서리 119">
+            <a:extLst>
+              <a:ext uri="{FF2B5EF4-FFF2-40B4-BE49-F238E27FC236}">
+                <a16:creationId xmlns:a16="http://schemas.microsoft.com/office/drawing/2014/main" id="{207A4FD0-C898-4304-B2A8-D974C7DC6A45}"/>
+              </a:ext>
+            </a:extLst>
+          </p:cNvPr>
+          <p:cNvSpPr/>
+          <p:nvPr/>
+        </p:nvSpPr>
+        <p:spPr>
+          <a:xfrm>
+            <a:off x="7190610" y="1682189"/>
+            <a:ext cx="315932" cy="291027"/>
+          </a:xfrm>
+          <a:prstGeom prst="roundRect">
+            <a:avLst>
+              <a:gd name="adj" fmla="val 50000"/>
+            </a:avLst>
+          </a:prstGeom>
+          <a:solidFill>
+            <a:schemeClr val="bg1">
+              <a:lumMod val="85000"/>
+            </a:schemeClr>
+          </a:solidFill>
+        </p:spPr>
+        <p:style>
+          <a:lnRef idx="2">
+            <a:schemeClr val="dk1"/>
+          </a:lnRef>
+          <a:fillRef idx="1">
+            <a:schemeClr val="lt1"/>
+          </a:fillRef>
+          <a:effectRef idx="0">
+            <a:schemeClr val="dk1"/>
+          </a:effectRef>
+          <a:fontRef idx="minor">
+            <a:schemeClr val="dk1"/>
+          </a:fontRef>
+        </p:style>
+        <p:txBody>
+          <a:bodyPr rtlCol="0" anchor="ctr"/>
+          <a:lstStyle/>
+          <a:p>
+            <a:pPr algn="ctr"/>
+            <a:r>
+              <a:rPr lang="en-US" altLang="ko-KR" sz="1200"/>
+              <a:t>G</a:t>
+            </a:r>
+            <a:endParaRPr lang="ko-KR" altLang="en-US" sz="1200"/>
+          </a:p>
+        </p:txBody>
+      </p:sp>
+      <p:sp>
+        <p:nvSpPr>
+          <p:cNvPr id="121" name="사각형: 둥근 모서리 120">
+            <a:extLst>
+              <a:ext uri="{FF2B5EF4-FFF2-40B4-BE49-F238E27FC236}">
+                <a16:creationId xmlns:a16="http://schemas.microsoft.com/office/drawing/2014/main" id="{CAB641F5-310C-4A9D-ADE5-90722C6061B4}"/>
+              </a:ext>
+            </a:extLst>
+          </p:cNvPr>
+          <p:cNvSpPr/>
+          <p:nvPr/>
+        </p:nvSpPr>
+        <p:spPr>
+          <a:xfrm>
+            <a:off x="7100815" y="2842966"/>
+            <a:ext cx="495521" cy="351404"/>
+          </a:xfrm>
+          <a:prstGeom prst="roundRect">
+            <a:avLst>
+              <a:gd name="adj" fmla="val 10349"/>
+            </a:avLst>
+          </a:prstGeom>
+        </p:spPr>
+        <p:style>
+          <a:lnRef idx="2">
+            <a:schemeClr val="dk1"/>
+          </a:lnRef>
+          <a:fillRef idx="1">
+            <a:schemeClr val="lt1"/>
+          </a:fillRef>
+          <a:effectRef idx="0">
+            <a:schemeClr val="dk1"/>
+          </a:effectRef>
+          <a:fontRef idx="minor">
+            <a:schemeClr val="dk1"/>
+          </a:fontRef>
+        </p:style>
+        <p:txBody>
+          <a:bodyPr rtlCol="0" anchor="ctr"/>
+          <a:lstStyle/>
+          <a:p>
+            <a:pPr algn="ctr"/>
+            <a:r>
+              <a:rPr lang="en-US" altLang="ko-KR" sz="1200"/>
+              <a:t>P1</a:t>
+            </a:r>
+            <a:endParaRPr lang="ko-KR" altLang="en-US" sz="1200"/>
+          </a:p>
+        </p:txBody>
+      </p:sp>
+      <p:sp>
+        <p:nvSpPr>
+          <p:cNvPr id="122" name="사각형: 둥근 모서리 121">
+            <a:extLst>
+              <a:ext uri="{FF2B5EF4-FFF2-40B4-BE49-F238E27FC236}">
+                <a16:creationId xmlns:a16="http://schemas.microsoft.com/office/drawing/2014/main" id="{A57BAB2A-666F-4EDF-BC6C-395B7D21B531}"/>
+              </a:ext>
+            </a:extLst>
+          </p:cNvPr>
+          <p:cNvSpPr/>
+          <p:nvPr/>
+        </p:nvSpPr>
+        <p:spPr>
+          <a:xfrm>
+            <a:off x="7190596" y="3428639"/>
+            <a:ext cx="315932" cy="291027"/>
+          </a:xfrm>
+          <a:prstGeom prst="roundRect">
+            <a:avLst>
+              <a:gd name="adj" fmla="val 50000"/>
+            </a:avLst>
+          </a:prstGeom>
+          <a:solidFill>
+            <a:schemeClr val="accent1">
+              <a:lumMod val="40000"/>
+              <a:lumOff val="60000"/>
+            </a:schemeClr>
+          </a:solidFill>
+        </p:spPr>
+        <p:style>
+          <a:lnRef idx="2">
+            <a:schemeClr val="dk1"/>
+          </a:lnRef>
+          <a:fillRef idx="1">
+            <a:schemeClr val="lt1"/>
+          </a:fillRef>
+          <a:effectRef idx="0">
+            <a:schemeClr val="dk1"/>
+          </a:effectRef>
+          <a:fontRef idx="minor">
+            <a:schemeClr val="dk1"/>
+          </a:fontRef>
+        </p:style>
+        <p:txBody>
+          <a:bodyPr rtlCol="0" anchor="ctr"/>
+          <a:lstStyle/>
+          <a:p>
+            <a:pPr algn="ctr"/>
+            <a:r>
+              <a:rPr lang="en-US" altLang="ko-KR" sz="1200"/>
+              <a:t>G</a:t>
+            </a:r>
+            <a:endParaRPr lang="ko-KR" altLang="en-US" sz="1200"/>
+          </a:p>
+        </p:txBody>
+      </p:sp>
+      <p:cxnSp>
+        <p:nvCxnSpPr>
+          <p:cNvPr id="123" name="직선 화살표 연결선 122">
+            <a:extLst>
+              <a:ext uri="{FF2B5EF4-FFF2-40B4-BE49-F238E27FC236}">
+                <a16:creationId xmlns:a16="http://schemas.microsoft.com/office/drawing/2014/main" id="{957EF0FB-67D3-4AE8-BFB5-D9B2877E2144}"/>
+              </a:ext>
+            </a:extLst>
+          </p:cNvPr>
+          <p:cNvCxnSpPr>
+            <a:cxnSpLocks/>
+            <a:stCxn id="118" idx="2"/>
+            <a:endCxn id="121" idx="0"/>
+          </p:cNvCxnSpPr>
+          <p:nvPr/>
+        </p:nvCxnSpPr>
+        <p:spPr>
+          <a:xfrm>
+            <a:off x="7348575" y="2609347"/>
+            <a:ext cx="0" cy="233619"/>
+          </a:xfrm>
+          <a:prstGeom prst="straightConnector1">
+            <a:avLst/>
+          </a:prstGeom>
+          <a:ln w="19050">
+            <a:headEnd type="none" w="med" len="med"/>
+            <a:tailEnd type="arrow" w="med" len="med"/>
+          </a:ln>
+        </p:spPr>
+        <p:style>
+          <a:lnRef idx="1">
+            <a:schemeClr val="dk1"/>
+          </a:lnRef>
+          <a:fillRef idx="0">
+            <a:schemeClr val="dk1"/>
+          </a:fillRef>
+          <a:effectRef idx="0">
+            <a:schemeClr val="dk1"/>
+          </a:effectRef>
+          <a:fontRef idx="minor">
+            <a:schemeClr val="tx1"/>
+          </a:fontRef>
+        </p:style>
+      </p:cxnSp>
+      <p:cxnSp>
+        <p:nvCxnSpPr>
+          <p:cNvPr id="124" name="직선 화살표 연결선 123">
+            <a:extLst>
+              <a:ext uri="{FF2B5EF4-FFF2-40B4-BE49-F238E27FC236}">
+                <a16:creationId xmlns:a16="http://schemas.microsoft.com/office/drawing/2014/main" id="{20C13AED-9FD3-4DAD-8C23-6F7AA24616B8}"/>
+              </a:ext>
+            </a:extLst>
+          </p:cNvPr>
+          <p:cNvCxnSpPr>
+            <a:cxnSpLocks/>
+            <a:stCxn id="121" idx="2"/>
+            <a:endCxn id="122" idx="0"/>
+          </p:cNvCxnSpPr>
+          <p:nvPr/>
+        </p:nvCxnSpPr>
+        <p:spPr>
+          <a:xfrm flipH="1">
+            <a:off x="7348562" y="3194370"/>
+            <a:ext cx="13" cy="234270"/>
+          </a:xfrm>
+          <a:prstGeom prst="straightConnector1">
+            <a:avLst/>
+          </a:prstGeom>
+          <a:ln w="19050">
+            <a:headEnd type="none" w="med" len="med"/>
+            <a:tailEnd type="arrow" w="med" len="med"/>
+          </a:ln>
+        </p:spPr>
+        <p:style>
+          <a:lnRef idx="1">
+            <a:schemeClr val="dk1"/>
+          </a:lnRef>
+          <a:fillRef idx="0">
+            <a:schemeClr val="dk1"/>
+          </a:fillRef>
+          <a:effectRef idx="0">
+            <a:schemeClr val="dk1"/>
+          </a:effectRef>
+          <a:fontRef idx="minor">
+            <a:schemeClr val="tx1"/>
+          </a:fontRef>
+        </p:style>
+      </p:cxnSp>
+      <p:cxnSp>
+        <p:nvCxnSpPr>
+          <p:cNvPr id="125" name="직선 화살표 연결선 124">
+            <a:extLst>
+              <a:ext uri="{FF2B5EF4-FFF2-40B4-BE49-F238E27FC236}">
+                <a16:creationId xmlns:a16="http://schemas.microsoft.com/office/drawing/2014/main" id="{AE19B32D-1D1D-46A6-B9CF-F4ECB3ED17D5}"/>
+              </a:ext>
+            </a:extLst>
+          </p:cNvPr>
+          <p:cNvCxnSpPr>
+            <a:cxnSpLocks/>
+            <a:stCxn id="117" idx="0"/>
+            <a:endCxn id="122" idx="2"/>
+          </p:cNvCxnSpPr>
+          <p:nvPr/>
+        </p:nvCxnSpPr>
+        <p:spPr>
+          <a:xfrm flipH="1" flipV="1">
+            <a:off x="7348562" y="3719666"/>
+            <a:ext cx="5" cy="234270"/>
+          </a:xfrm>
+          <a:prstGeom prst="straightConnector1">
+            <a:avLst/>
+          </a:prstGeom>
+          <a:ln w="19050">
+            <a:headEnd type="none" w="med" len="med"/>
+            <a:tailEnd type="none" w="med" len="med"/>
+          </a:ln>
+        </p:spPr>
+        <p:style>
+          <a:lnRef idx="1">
+            <a:schemeClr val="dk1"/>
+          </a:lnRef>
+          <a:fillRef idx="0">
+            <a:schemeClr val="dk1"/>
+          </a:fillRef>
+          <a:effectRef idx="0">
+            <a:schemeClr val="dk1"/>
+          </a:effectRef>
+          <a:fontRef idx="minor">
+            <a:schemeClr val="tx1"/>
+          </a:fontRef>
+        </p:style>
+      </p:cxnSp>
+      <p:sp>
+        <p:nvSpPr>
+          <p:cNvPr id="129" name="사각형: 둥근 모서리 128">
+            <a:extLst>
+              <a:ext uri="{FF2B5EF4-FFF2-40B4-BE49-F238E27FC236}">
+                <a16:creationId xmlns:a16="http://schemas.microsoft.com/office/drawing/2014/main" id="{E142D2E8-3D15-4053-93BC-FFA42CBF185E}"/>
+              </a:ext>
+            </a:extLst>
+          </p:cNvPr>
+          <p:cNvSpPr/>
+          <p:nvPr/>
+        </p:nvSpPr>
+        <p:spPr>
+          <a:xfrm>
+            <a:off x="7190596" y="1335608"/>
+            <a:ext cx="315932" cy="291027"/>
+          </a:xfrm>
+          <a:prstGeom prst="roundRect">
+            <a:avLst>
+              <a:gd name="adj" fmla="val 50000"/>
+            </a:avLst>
+          </a:prstGeom>
+          <a:solidFill>
+            <a:schemeClr val="accent2">
+              <a:lumMod val="40000"/>
+              <a:lumOff val="60000"/>
+            </a:schemeClr>
+          </a:solidFill>
+        </p:spPr>
+        <p:style>
+          <a:lnRef idx="2">
+            <a:schemeClr val="dk1"/>
+          </a:lnRef>
+          <a:fillRef idx="1">
+            <a:schemeClr val="lt1"/>
+          </a:fillRef>
+          <a:effectRef idx="0">
+            <a:schemeClr val="dk1"/>
+          </a:effectRef>
+          <a:fontRef idx="minor">
+            <a:schemeClr val="dk1"/>
+          </a:fontRef>
+        </p:style>
+        <p:txBody>
+          <a:bodyPr rtlCol="0" anchor="ctr"/>
+          <a:lstStyle/>
+          <a:p>
+            <a:pPr algn="ctr"/>
+            <a:r>
+              <a:rPr lang="en-US" altLang="ko-KR" sz="1200"/>
+              <a:t>G</a:t>
+            </a:r>
+            <a:endParaRPr lang="ko-KR" altLang="en-US" sz="1200"/>
+          </a:p>
+        </p:txBody>
+      </p:sp>
+      <p:sp>
+        <p:nvSpPr>
+          <p:cNvPr id="130" name="화살표: 아래쪽 129">
+            <a:extLst>
+              <a:ext uri="{FF2B5EF4-FFF2-40B4-BE49-F238E27FC236}">
+                <a16:creationId xmlns:a16="http://schemas.microsoft.com/office/drawing/2014/main" id="{BF6D8D65-64D1-40CF-B6BD-71F9D2F98549}"/>
+              </a:ext>
+            </a:extLst>
+          </p:cNvPr>
+          <p:cNvSpPr/>
+          <p:nvPr/>
+        </p:nvSpPr>
+        <p:spPr>
+          <a:xfrm rot="16200000">
+            <a:off x="3049038" y="2553888"/>
+            <a:ext cx="240487" cy="351404"/>
+          </a:xfrm>
+          <a:prstGeom prst="downArrow">
+            <a:avLst/>
+          </a:prstGeom>
+          <a:solidFill>
+            <a:schemeClr val="tx1"/>
+          </a:solidFill>
+          <a:ln>
+            <a:noFill/>
+          </a:ln>
+        </p:spPr>
+        <p:style>
+          <a:lnRef idx="2">
+            <a:schemeClr val="accent1">
+              <a:shade val="50000"/>
+            </a:schemeClr>
+          </a:lnRef>
+          <a:fillRef idx="1">
+            <a:schemeClr val="accent1"/>
+          </a:fillRef>
+          <a:effectRef idx="0">
+            <a:schemeClr val="accent1"/>
+          </a:effectRef>
+          <a:fontRef idx="minor">
+            <a:schemeClr val="lt1"/>
+          </a:fontRef>
+        </p:style>
+        <p:txBody>
+          <a:bodyPr rtlCol="0" anchor="ctr"/>
+          <a:lstStyle/>
+          <a:p>
+            <a:pPr algn="ctr"/>
+            <a:endParaRPr lang="ko-KR" altLang="en-US"/>
+          </a:p>
+        </p:txBody>
+      </p:sp>
+      <p:sp>
+        <p:nvSpPr>
+          <p:cNvPr id="131" name="화살표: 아래쪽 130">
+            <a:extLst>
+              <a:ext uri="{FF2B5EF4-FFF2-40B4-BE49-F238E27FC236}">
+                <a16:creationId xmlns:a16="http://schemas.microsoft.com/office/drawing/2014/main" id="{BF5E96A3-2015-4C50-9C79-53A9A60531D9}"/>
+              </a:ext>
+            </a:extLst>
+          </p:cNvPr>
+          <p:cNvSpPr/>
+          <p:nvPr/>
+        </p:nvSpPr>
+        <p:spPr>
+          <a:xfrm rot="16200000">
+            <a:off x="5574518" y="2553889"/>
+            <a:ext cx="240487" cy="351404"/>
+          </a:xfrm>
+          <a:prstGeom prst="downArrow">
+            <a:avLst/>
+          </a:prstGeom>
+          <a:solidFill>
+            <a:schemeClr val="tx1"/>
+          </a:solidFill>
+          <a:ln>
+            <a:noFill/>
+          </a:ln>
+        </p:spPr>
+        <p:style>
+          <a:lnRef idx="2">
+            <a:schemeClr val="accent1">
+              <a:shade val="50000"/>
+            </a:schemeClr>
+          </a:lnRef>
+          <a:fillRef idx="1">
+            <a:schemeClr val="accent1"/>
+          </a:fillRef>
+          <a:effectRef idx="0">
+            <a:schemeClr val="accent1"/>
+          </a:effectRef>
+          <a:fontRef idx="minor">
+            <a:schemeClr val="lt1"/>
+          </a:fontRef>
+        </p:style>
+        <p:txBody>
+          <a:bodyPr rtlCol="0" anchor="ctr"/>
+          <a:lstStyle/>
+          <a:p>
+            <a:pPr algn="ctr"/>
+            <a:endParaRPr lang="ko-KR" altLang="en-US"/>
+          </a:p>
+        </p:txBody>
+      </p:sp>
+      <p:sp>
+        <p:nvSpPr>
+          <p:cNvPr id="39" name="사각형: 둥근 모서리 38">
+            <a:extLst>
+              <a:ext uri="{FF2B5EF4-FFF2-40B4-BE49-F238E27FC236}">
+                <a16:creationId xmlns:a16="http://schemas.microsoft.com/office/drawing/2014/main" id="{9F1E7FDE-AD52-4A3D-98D2-7208D348A2E5}"/>
+              </a:ext>
+            </a:extLst>
+          </p:cNvPr>
+          <p:cNvSpPr/>
+          <p:nvPr/>
+        </p:nvSpPr>
+        <p:spPr>
+          <a:xfrm>
+            <a:off x="1185620" y="2408561"/>
+            <a:ext cx="665101" cy="1912133"/>
+          </a:xfrm>
+          <a:prstGeom prst="roundRect">
+            <a:avLst>
+              <a:gd name="adj" fmla="val 10722"/>
+            </a:avLst>
+          </a:prstGeom>
+        </p:spPr>
+        <p:style>
+          <a:lnRef idx="2">
+            <a:schemeClr val="dk1"/>
+          </a:lnRef>
+          <a:fillRef idx="1">
+            <a:schemeClr val="lt1"/>
+          </a:fillRef>
+          <a:effectRef idx="0">
+            <a:schemeClr val="dk1"/>
+          </a:effectRef>
+          <a:fontRef idx="minor">
+            <a:schemeClr val="dk1"/>
+          </a:fontRef>
+        </p:style>
+        <p:txBody>
+          <a:bodyPr rtlCol="0" anchor="b"/>
+          <a:lstStyle/>
+          <a:p>
+            <a:pPr algn="ctr"/>
+            <a:r>
+              <a:rPr lang="en-US" altLang="ko-KR" sz="1200"/>
+              <a:t>Net Poller</a:t>
+            </a:r>
+          </a:p>
+        </p:txBody>
+      </p:sp>
+      <p:sp>
+        <p:nvSpPr>
+          <p:cNvPr id="40" name="사각형: 둥근 모서리 39">
+            <a:extLst>
+              <a:ext uri="{FF2B5EF4-FFF2-40B4-BE49-F238E27FC236}">
+                <a16:creationId xmlns:a16="http://schemas.microsoft.com/office/drawing/2014/main" id="{01F0B2D5-6FF6-4F90-8E79-6CC8E25397F3}"/>
+              </a:ext>
+            </a:extLst>
+          </p:cNvPr>
+          <p:cNvSpPr/>
+          <p:nvPr/>
+        </p:nvSpPr>
+        <p:spPr>
+          <a:xfrm>
+            <a:off x="1359418" y="3562073"/>
+            <a:ext cx="315932" cy="291027"/>
+          </a:xfrm>
+          <a:prstGeom prst="roundRect">
+            <a:avLst>
+              <a:gd name="adj" fmla="val 50000"/>
+            </a:avLst>
+          </a:prstGeom>
+          <a:solidFill>
+            <a:schemeClr val="bg1">
+              <a:lumMod val="85000"/>
+            </a:schemeClr>
+          </a:solidFill>
+        </p:spPr>
+        <p:style>
+          <a:lnRef idx="2">
+            <a:schemeClr val="dk1"/>
+          </a:lnRef>
+          <a:fillRef idx="1">
+            <a:schemeClr val="lt1"/>
+          </a:fillRef>
+          <a:effectRef idx="0">
+            <a:schemeClr val="dk1"/>
+          </a:effectRef>
+          <a:fontRef idx="minor">
+            <a:schemeClr val="dk1"/>
+          </a:fontRef>
+        </p:style>
+        <p:txBody>
+          <a:bodyPr rtlCol="0" anchor="ctr"/>
+          <a:lstStyle/>
+          <a:p>
+            <a:pPr algn="ctr"/>
+            <a:r>
+              <a:rPr lang="en-US" altLang="ko-KR" sz="1200"/>
+              <a:t>G</a:t>
+            </a:r>
+            <a:endParaRPr lang="ko-KR" altLang="en-US" sz="1200"/>
+          </a:p>
+        </p:txBody>
+      </p:sp>
+      <p:sp>
+        <p:nvSpPr>
+          <p:cNvPr id="42" name="사각형: 둥근 모서리 41">
+            <a:extLst>
+              <a:ext uri="{FF2B5EF4-FFF2-40B4-BE49-F238E27FC236}">
+                <a16:creationId xmlns:a16="http://schemas.microsoft.com/office/drawing/2014/main" id="{810EF110-F506-4F6B-AEE9-F3DC4FC51855}"/>
+              </a:ext>
+            </a:extLst>
+          </p:cNvPr>
+          <p:cNvSpPr/>
+          <p:nvPr/>
+        </p:nvSpPr>
+        <p:spPr>
+          <a:xfrm>
+            <a:off x="3712306" y="2408561"/>
+            <a:ext cx="665101" cy="1912133"/>
+          </a:xfrm>
+          <a:prstGeom prst="roundRect">
+            <a:avLst>
+              <a:gd name="adj" fmla="val 10722"/>
+            </a:avLst>
+          </a:prstGeom>
+        </p:spPr>
+        <p:style>
+          <a:lnRef idx="2">
+            <a:schemeClr val="dk1"/>
+          </a:lnRef>
+          <a:fillRef idx="1">
+            <a:schemeClr val="lt1"/>
+          </a:fillRef>
+          <a:effectRef idx="0">
+            <a:schemeClr val="dk1"/>
+          </a:effectRef>
+          <a:fontRef idx="minor">
+            <a:schemeClr val="dk1"/>
+          </a:fontRef>
+        </p:style>
+        <p:txBody>
+          <a:bodyPr rtlCol="0" anchor="b"/>
+          <a:lstStyle/>
+          <a:p>
+            <a:pPr algn="ctr"/>
+            <a:r>
+              <a:rPr lang="en-US" altLang="ko-KR" sz="1200"/>
+              <a:t>Net Poller</a:t>
+            </a:r>
+          </a:p>
+        </p:txBody>
+      </p:sp>
+      <p:sp>
+        <p:nvSpPr>
+          <p:cNvPr id="43" name="사각형: 둥근 모서리 42">
+            <a:extLst>
+              <a:ext uri="{FF2B5EF4-FFF2-40B4-BE49-F238E27FC236}">
+                <a16:creationId xmlns:a16="http://schemas.microsoft.com/office/drawing/2014/main" id="{9203AD8A-89B7-4359-BD44-AF6A58E8FCB8}"/>
+              </a:ext>
+            </a:extLst>
+          </p:cNvPr>
+          <p:cNvSpPr/>
+          <p:nvPr/>
+        </p:nvSpPr>
+        <p:spPr>
+          <a:xfrm>
+            <a:off x="3886104" y="3562073"/>
+            <a:ext cx="315932" cy="291027"/>
+          </a:xfrm>
+          <a:prstGeom prst="roundRect">
+            <a:avLst>
+              <a:gd name="adj" fmla="val 50000"/>
+            </a:avLst>
+          </a:prstGeom>
+          <a:solidFill>
+            <a:schemeClr val="bg1">
+              <a:lumMod val="85000"/>
+            </a:schemeClr>
+          </a:solidFill>
+        </p:spPr>
+        <p:style>
+          <a:lnRef idx="2">
+            <a:schemeClr val="dk1"/>
+          </a:lnRef>
+          <a:fillRef idx="1">
+            <a:schemeClr val="lt1"/>
+          </a:fillRef>
+          <a:effectRef idx="0">
+            <a:schemeClr val="dk1"/>
+          </a:effectRef>
+          <a:fontRef idx="minor">
+            <a:schemeClr val="dk1"/>
+          </a:fontRef>
+        </p:style>
+        <p:txBody>
+          <a:bodyPr rtlCol="0" anchor="ctr"/>
+          <a:lstStyle/>
+          <a:p>
+            <a:pPr algn="ctr"/>
+            <a:r>
+              <a:rPr lang="en-US" altLang="ko-KR" sz="1200"/>
+              <a:t>G</a:t>
+            </a:r>
+            <a:endParaRPr lang="ko-KR" altLang="en-US" sz="1200"/>
+          </a:p>
+        </p:txBody>
+      </p:sp>
+      <p:sp>
+        <p:nvSpPr>
+          <p:cNvPr id="44" name="사각형: 둥근 모서리 43">
+            <a:extLst>
+              <a:ext uri="{FF2B5EF4-FFF2-40B4-BE49-F238E27FC236}">
+                <a16:creationId xmlns:a16="http://schemas.microsoft.com/office/drawing/2014/main" id="{FA8421B3-38C4-4CCC-9A23-D98E00BBB72E}"/>
+              </a:ext>
+            </a:extLst>
+          </p:cNvPr>
+          <p:cNvSpPr/>
+          <p:nvPr/>
+        </p:nvSpPr>
+        <p:spPr>
+          <a:xfrm>
+            <a:off x="3886104" y="3182290"/>
+            <a:ext cx="315932" cy="291027"/>
+          </a:xfrm>
+          <a:prstGeom prst="roundRect">
+            <a:avLst>
+              <a:gd name="adj" fmla="val 50000"/>
+            </a:avLst>
+          </a:prstGeom>
+          <a:solidFill>
+            <a:schemeClr val="accent2">
+              <a:lumMod val="40000"/>
+              <a:lumOff val="60000"/>
+            </a:schemeClr>
+          </a:solidFill>
+        </p:spPr>
+        <p:style>
+          <a:lnRef idx="2">
+            <a:schemeClr val="dk1"/>
+          </a:lnRef>
+          <a:fillRef idx="1">
+            <a:schemeClr val="lt1"/>
+          </a:fillRef>
+          <a:effectRef idx="0">
+            <a:schemeClr val="dk1"/>
+          </a:effectRef>
+          <a:fontRef idx="minor">
+            <a:schemeClr val="dk1"/>
+          </a:fontRef>
+        </p:style>
+        <p:txBody>
+          <a:bodyPr rtlCol="0" anchor="ctr"/>
+          <a:lstStyle/>
+          <a:p>
+            <a:pPr algn="ctr"/>
+            <a:r>
+              <a:rPr lang="en-US" altLang="ko-KR" sz="1200"/>
+              <a:t>G</a:t>
+            </a:r>
+            <a:endParaRPr lang="ko-KR" altLang="en-US" sz="1200"/>
+          </a:p>
+        </p:txBody>
+      </p:sp>
+      <p:sp>
+        <p:nvSpPr>
+          <p:cNvPr id="45" name="사각형: 둥근 모서리 44">
+            <a:extLst>
+              <a:ext uri="{FF2B5EF4-FFF2-40B4-BE49-F238E27FC236}">
+                <a16:creationId xmlns:a16="http://schemas.microsoft.com/office/drawing/2014/main" id="{C6BEBB6A-8CFE-4879-9509-16639310CB29}"/>
+              </a:ext>
+            </a:extLst>
+          </p:cNvPr>
+          <p:cNvSpPr/>
+          <p:nvPr/>
+        </p:nvSpPr>
+        <p:spPr>
+          <a:xfrm>
+            <a:off x="6237588" y="2408561"/>
+            <a:ext cx="665101" cy="1912133"/>
+          </a:xfrm>
+          <a:prstGeom prst="roundRect">
+            <a:avLst>
+              <a:gd name="adj" fmla="val 10722"/>
+            </a:avLst>
+          </a:prstGeom>
+        </p:spPr>
+        <p:style>
+          <a:lnRef idx="2">
+            <a:schemeClr val="dk1"/>
+          </a:lnRef>
+          <a:fillRef idx="1">
+            <a:schemeClr val="lt1"/>
+          </a:fillRef>
+          <a:effectRef idx="0">
+            <a:schemeClr val="dk1"/>
+          </a:effectRef>
+          <a:fontRef idx="minor">
+            <a:schemeClr val="dk1"/>
+          </a:fontRef>
+        </p:style>
+        <p:txBody>
+          <a:bodyPr rtlCol="0" anchor="b"/>
+          <a:lstStyle/>
+          <a:p>
+            <a:pPr algn="ctr"/>
+            <a:r>
+              <a:rPr lang="en-US" altLang="ko-KR" sz="1200"/>
+              <a:t>Net Poller</a:t>
+            </a:r>
+          </a:p>
+        </p:txBody>
+      </p:sp>
+      <p:sp>
+        <p:nvSpPr>
+          <p:cNvPr id="46" name="사각형: 둥근 모서리 45">
+            <a:extLst>
+              <a:ext uri="{FF2B5EF4-FFF2-40B4-BE49-F238E27FC236}">
+                <a16:creationId xmlns:a16="http://schemas.microsoft.com/office/drawing/2014/main" id="{E2E080CF-9102-477C-990D-AE9A4EC50168}"/>
+              </a:ext>
+            </a:extLst>
+          </p:cNvPr>
+          <p:cNvSpPr/>
+          <p:nvPr/>
+        </p:nvSpPr>
+        <p:spPr>
+          <a:xfrm>
+            <a:off x="6411386" y="3562073"/>
+            <a:ext cx="315932" cy="291027"/>
+          </a:xfrm>
+          <a:prstGeom prst="roundRect">
+            <a:avLst>
+              <a:gd name="adj" fmla="val 50000"/>
+            </a:avLst>
+          </a:prstGeom>
+          <a:solidFill>
+            <a:schemeClr val="bg1">
+              <a:lumMod val="85000"/>
+            </a:schemeClr>
+          </a:solidFill>
+        </p:spPr>
+        <p:style>
+          <a:lnRef idx="2">
+            <a:schemeClr val="dk1"/>
+          </a:lnRef>
+          <a:fillRef idx="1">
+            <a:schemeClr val="lt1"/>
+          </a:fillRef>
+          <a:effectRef idx="0">
+            <a:schemeClr val="dk1"/>
+          </a:effectRef>
+          <a:fontRef idx="minor">
+            <a:schemeClr val="dk1"/>
+          </a:fontRef>
+        </p:style>
+        <p:txBody>
+          <a:bodyPr rtlCol="0" anchor="ctr"/>
+          <a:lstStyle/>
+          <a:p>
+            <a:pPr algn="ctr"/>
+            <a:r>
+              <a:rPr lang="en-US" altLang="ko-KR" sz="1200"/>
+              <a:t>G</a:t>
+            </a:r>
+            <a:endParaRPr lang="ko-KR" altLang="en-US" sz="1200"/>
+          </a:p>
+        </p:txBody>
+      </p:sp>
+    </p:spTree>
+    <p:extLst>
+      <p:ext uri="{BB962C8B-B14F-4D97-AF65-F5344CB8AC3E}">
+        <p14:creationId xmlns:p14="http://schemas.microsoft.com/office/powerpoint/2010/main" val="2629175862"/>
+      </p:ext>
+    </p:extLst>
+  </p:cSld>
+  <p:clrMapOvr>
+    <a:masterClrMapping/>
+  </p:clrMapOvr>
+</p:sld>
+</file>
+
+<file path=ppt/slides/slide5.xml><?xml version="1.0" encoding="utf-8"?>
+<p:sld xmlns:a="http://schemas.openxmlformats.org/drawingml/2006/main" xmlns:r="http://schemas.openxmlformats.org/officeDocument/2006/relationships" xmlns:p="http://schemas.openxmlformats.org/presentationml/2006/main">
+  <p:cSld>
+    <p:spTree>
+      <p:nvGrpSpPr>
+        <p:cNvPr id="1" name=""/>
+        <p:cNvGrpSpPr/>
+        <p:nvPr/>
+      </p:nvGrpSpPr>
+      <p:grpSpPr>
+        <a:xfrm>
+          <a:off x="0" y="0"/>
+          <a:ext cx="0" cy="0"/>
+          <a:chOff x="0" y="0"/>
+          <a:chExt cx="0" cy="0"/>
+        </a:xfrm>
+      </p:grpSpPr>
     </p:spTree>
     <p:extLst>
       <p:ext uri="{BB962C8B-B14F-4D97-AF65-F5344CB8AC3E}">
@@ -10437,7 +14454,7 @@
 </p:sld>
 </file>
 
-<file path=ppt/slides/slide4.xml><?xml version="1.0" encoding="utf-8"?>
+<file path=ppt/slides/slide6.xml><?xml version="1.0" encoding="utf-8"?>
 <p:sld xmlns:a="http://schemas.openxmlformats.org/drawingml/2006/main" xmlns:r="http://schemas.openxmlformats.org/officeDocument/2006/relationships" xmlns:p="http://schemas.openxmlformats.org/presentationml/2006/main">
   <p:cSld>
     <p:spTree>
@@ -11147,7 +15164,7 @@
 </p:sld>
 </file>
 
-<file path=ppt/slides/slide5.xml><?xml version="1.0" encoding="utf-8"?>
+<file path=ppt/slides/slide7.xml><?xml version="1.0" encoding="utf-8"?>
 <p:sld xmlns:a="http://schemas.openxmlformats.org/drawingml/2006/main" xmlns:r="http://schemas.openxmlformats.org/officeDocument/2006/relationships" xmlns:p="http://schemas.openxmlformats.org/presentationml/2006/main">
   <p:cSld>
     <p:spTree>
@@ -14587,7 +18604,7 @@
 </p:sld>
 </file>
 
-<file path=ppt/slides/slide6.xml><?xml version="1.0" encoding="utf-8"?>
+<file path=ppt/slides/slide8.xml><?xml version="1.0" encoding="utf-8"?>
 <p:sld xmlns:a="http://schemas.openxmlformats.org/drawingml/2006/main" xmlns:r="http://schemas.openxmlformats.org/officeDocument/2006/relationships" xmlns:p="http://schemas.openxmlformats.org/presentationml/2006/main">
   <p:cSld>
     <p:spTree>
@@ -18086,7 +22103,7 @@
 </p:sld>
 </file>
 
-<file path=ppt/slides/slide7.xml><?xml version="1.0" encoding="utf-8"?>
+<file path=ppt/slides/slide9.xml><?xml version="1.0" encoding="utf-8"?>
 <p:sld xmlns:a="http://schemas.openxmlformats.org/drawingml/2006/main" xmlns:r="http://schemas.openxmlformats.org/officeDocument/2006/relationships" xmlns:p="http://schemas.openxmlformats.org/presentationml/2006/main">
   <p:cSld>
     <p:spTree>

--- a/images/theory_analysis/Golang_Goroutine_Scheduling/Golang_Goroutine_Scheduling.pptx
+++ b/images/theory_analysis/Golang_Goroutine_Scheduling/Golang_Goroutine_Scheduling.pptx
@@ -221,7 +221,7 @@
           <a:p>
             <a:fld id="{6CD5550B-26C4-49A9-A5BA-636EF7BE6CE9}" type="datetimeFigureOut">
               <a:rPr lang="ko-KR" altLang="en-US" smtClean="0"/>
-              <a:t>2021-06-22</a:t>
+              <a:t>2022-02-22</a:t>
             </a:fld>
             <a:endParaRPr lang="ko-KR" altLang="en-US"/>
           </a:p>
@@ -1339,7 +1339,7 @@
           <a:p>
             <a:fld id="{FB30EDBD-1C2D-4C1E-B459-B60219FAB484}" type="datetimeFigureOut">
               <a:rPr lang="ko-KR" altLang="en-US" smtClean="0"/>
-              <a:t>2021-06-22</a:t>
+              <a:t>2022-02-22</a:t>
             </a:fld>
             <a:endParaRPr lang="ko-KR" altLang="en-US"/>
           </a:p>
@@ -1502,7 +1502,7 @@
           <a:p>
             <a:fld id="{FB30EDBD-1C2D-4C1E-B459-B60219FAB484}" type="datetimeFigureOut">
               <a:rPr lang="ko-KR" altLang="en-US" smtClean="0"/>
-              <a:t>2021-06-22</a:t>
+              <a:t>2022-02-22</a:t>
             </a:fld>
             <a:endParaRPr lang="ko-KR" altLang="en-US"/>
           </a:p>
@@ -1675,7 +1675,7 @@
           <a:p>
             <a:fld id="{FB30EDBD-1C2D-4C1E-B459-B60219FAB484}" type="datetimeFigureOut">
               <a:rPr lang="ko-KR" altLang="en-US" smtClean="0"/>
-              <a:t>2021-06-22</a:t>
+              <a:t>2022-02-22</a:t>
             </a:fld>
             <a:endParaRPr lang="ko-KR" altLang="en-US"/>
           </a:p>
@@ -1838,7 +1838,7 @@
           <a:p>
             <a:fld id="{FB30EDBD-1C2D-4C1E-B459-B60219FAB484}" type="datetimeFigureOut">
               <a:rPr lang="ko-KR" altLang="en-US" smtClean="0"/>
-              <a:t>2021-06-22</a:t>
+              <a:t>2022-02-22</a:t>
             </a:fld>
             <a:endParaRPr lang="ko-KR" altLang="en-US"/>
           </a:p>
@@ -2078,7 +2078,7 @@
           <a:p>
             <a:fld id="{FB30EDBD-1C2D-4C1E-B459-B60219FAB484}" type="datetimeFigureOut">
               <a:rPr lang="ko-KR" altLang="en-US" smtClean="0"/>
-              <a:t>2021-06-22</a:t>
+              <a:t>2022-02-22</a:t>
             </a:fld>
             <a:endParaRPr lang="ko-KR" altLang="en-US"/>
           </a:p>
@@ -2358,7 +2358,7 @@
           <a:p>
             <a:fld id="{FB30EDBD-1C2D-4C1E-B459-B60219FAB484}" type="datetimeFigureOut">
               <a:rPr lang="ko-KR" altLang="en-US" smtClean="0"/>
-              <a:t>2021-06-22</a:t>
+              <a:t>2022-02-22</a:t>
             </a:fld>
             <a:endParaRPr lang="ko-KR" altLang="en-US"/>
           </a:p>
@@ -2772,7 +2772,7 @@
           <a:p>
             <a:fld id="{FB30EDBD-1C2D-4C1E-B459-B60219FAB484}" type="datetimeFigureOut">
               <a:rPr lang="ko-KR" altLang="en-US" smtClean="0"/>
-              <a:t>2021-06-22</a:t>
+              <a:t>2022-02-22</a:t>
             </a:fld>
             <a:endParaRPr lang="ko-KR" altLang="en-US"/>
           </a:p>
@@ -2884,7 +2884,7 @@
           <a:p>
             <a:fld id="{FB30EDBD-1C2D-4C1E-B459-B60219FAB484}" type="datetimeFigureOut">
               <a:rPr lang="ko-KR" altLang="en-US" smtClean="0"/>
-              <a:t>2021-06-22</a:t>
+              <a:t>2022-02-22</a:t>
             </a:fld>
             <a:endParaRPr lang="ko-KR" altLang="en-US"/>
           </a:p>
@@ -2974,7 +2974,7 @@
           <a:p>
             <a:fld id="{FB30EDBD-1C2D-4C1E-B459-B60219FAB484}" type="datetimeFigureOut">
               <a:rPr lang="ko-KR" altLang="en-US" smtClean="0"/>
-              <a:t>2021-06-22</a:t>
+              <a:t>2022-02-22</a:t>
             </a:fld>
             <a:endParaRPr lang="ko-KR" altLang="en-US"/>
           </a:p>
@@ -3244,7 +3244,7 @@
           <a:p>
             <a:fld id="{FB30EDBD-1C2D-4C1E-B459-B60219FAB484}" type="datetimeFigureOut">
               <a:rPr lang="ko-KR" altLang="en-US" smtClean="0"/>
-              <a:t>2021-06-22</a:t>
+              <a:t>2022-02-22</a:t>
             </a:fld>
             <a:endParaRPr lang="ko-KR" altLang="en-US"/>
           </a:p>
@@ -3491,7 +3491,7 @@
           <a:p>
             <a:fld id="{FB30EDBD-1C2D-4C1E-B459-B60219FAB484}" type="datetimeFigureOut">
               <a:rPr lang="ko-KR" altLang="en-US" smtClean="0"/>
-              <a:t>2021-06-22</a:t>
+              <a:t>2022-02-22</a:t>
             </a:fld>
             <a:endParaRPr lang="ko-KR" altLang="en-US"/>
           </a:p>
@@ -3697,7 +3697,7 @@
           <a:p>
             <a:fld id="{FB30EDBD-1C2D-4C1E-B459-B60219FAB484}" type="datetimeFigureOut">
               <a:rPr lang="ko-KR" altLang="en-US" smtClean="0"/>
-              <a:t>2021-06-22</a:t>
+              <a:t>2022-02-22</a:t>
             </a:fld>
             <a:endParaRPr lang="ko-KR" altLang="en-US"/>
           </a:p>
@@ -7673,49 +7673,6 @@
           <a:ln w="19050">
             <a:headEnd type="none" w="med" len="med"/>
             <a:tailEnd type="arrow" w="med" len="med"/>
-          </a:ln>
-        </p:spPr>
-        <p:style>
-          <a:lnRef idx="1">
-            <a:schemeClr val="dk1"/>
-          </a:lnRef>
-          <a:fillRef idx="0">
-            <a:schemeClr val="dk1"/>
-          </a:fillRef>
-          <a:effectRef idx="0">
-            <a:schemeClr val="dk1"/>
-          </a:effectRef>
-          <a:fontRef idx="minor">
-            <a:schemeClr val="tx1"/>
-          </a:fontRef>
-        </p:style>
-      </p:cxnSp>
-      <p:cxnSp>
-        <p:nvCxnSpPr>
-          <p:cNvPr id="84" name="직선 화살표 연결선 83">
-            <a:extLst>
-              <a:ext uri="{FF2B5EF4-FFF2-40B4-BE49-F238E27FC236}">
-                <a16:creationId xmlns:a16="http://schemas.microsoft.com/office/drawing/2014/main" id="{D19CCFEC-8606-4057-8472-5753D72B2327}"/>
-              </a:ext>
-            </a:extLst>
-          </p:cNvPr>
-          <p:cNvCxnSpPr>
-            <a:cxnSpLocks/>
-            <a:stCxn id="69" idx="0"/>
-          </p:cNvCxnSpPr>
-          <p:nvPr/>
-        </p:nvCxnSpPr>
-        <p:spPr>
-          <a:xfrm flipV="1">
-            <a:off x="4222367" y="545733"/>
-            <a:ext cx="0" cy="225817"/>
-          </a:xfrm>
-          <a:prstGeom prst="straightConnector1">
-            <a:avLst/>
-          </a:prstGeom>
-          <a:ln w="19050">
-            <a:headEnd type="none" w="med" len="med"/>
-            <a:tailEnd type="none" w="med" len="med"/>
           </a:ln>
         </p:spPr>
         <p:style>
